--- a/Presentation/Akka Workshop.pptx
+++ b/Presentation/Akka Workshop.pptx
@@ -5,7 +5,7 @@
     <p:sldMasterId id="2147483648" r:id="rId4"/>
   </p:sldMasterIdLst>
   <p:notesMasterIdLst>
-    <p:notesMasterId r:id="rId40"/>
+    <p:notesMasterId r:id="rId41"/>
   </p:notesMasterIdLst>
   <p:sldIdLst>
     <p:sldId id="467" r:id="rId5"/>
@@ -24,25 +24,26 @@
     <p:sldId id="403" r:id="rId18"/>
     <p:sldId id="404" r:id="rId19"/>
     <p:sldId id="405" r:id="rId20"/>
-    <p:sldId id="407" r:id="rId21"/>
-    <p:sldId id="408" r:id="rId22"/>
-    <p:sldId id="458" r:id="rId23"/>
-    <p:sldId id="459" r:id="rId24"/>
-    <p:sldId id="466" r:id="rId25"/>
-    <p:sldId id="462" r:id="rId26"/>
-    <p:sldId id="464" r:id="rId27"/>
-    <p:sldId id="351" r:id="rId28"/>
-    <p:sldId id="363" r:id="rId29"/>
-    <p:sldId id="352" r:id="rId30"/>
-    <p:sldId id="377" r:id="rId31"/>
-    <p:sldId id="463" r:id="rId32"/>
-    <p:sldId id="379" r:id="rId33"/>
-    <p:sldId id="380" r:id="rId34"/>
-    <p:sldId id="381" r:id="rId35"/>
-    <p:sldId id="382" r:id="rId36"/>
-    <p:sldId id="383" r:id="rId37"/>
-    <p:sldId id="384" r:id="rId38"/>
-    <p:sldId id="386" r:id="rId39"/>
+    <p:sldId id="468" r:id="rId21"/>
+    <p:sldId id="407" r:id="rId22"/>
+    <p:sldId id="408" r:id="rId23"/>
+    <p:sldId id="458" r:id="rId24"/>
+    <p:sldId id="459" r:id="rId25"/>
+    <p:sldId id="466" r:id="rId26"/>
+    <p:sldId id="462" r:id="rId27"/>
+    <p:sldId id="464" r:id="rId28"/>
+    <p:sldId id="351" r:id="rId29"/>
+    <p:sldId id="363" r:id="rId30"/>
+    <p:sldId id="352" r:id="rId31"/>
+    <p:sldId id="377" r:id="rId32"/>
+    <p:sldId id="463" r:id="rId33"/>
+    <p:sldId id="379" r:id="rId34"/>
+    <p:sldId id="380" r:id="rId35"/>
+    <p:sldId id="381" r:id="rId36"/>
+    <p:sldId id="382" r:id="rId37"/>
+    <p:sldId id="383" r:id="rId38"/>
+    <p:sldId id="384" r:id="rId39"/>
+    <p:sldId id="386" r:id="rId40"/>
   </p:sldIdLst>
   <p:sldSz cx="9144000" cy="6858000" type="screen4x3"/>
   <p:notesSz cx="6667500" cy="9801225"/>
@@ -5398,522 +5399,6 @@
       <dsp:cNvGrpSpPr/>
     </dsp:nvGrpSpPr>
     <dsp:grpSpPr/>
-    <dsp:sp modelId="{E428EA10-02C6-47D4-94EA-1963F7040D2B}">
-      <dsp:nvSpPr>
-        <dsp:cNvPr id="0" name=""/>
-        <dsp:cNvSpPr/>
-      </dsp:nvSpPr>
-      <dsp:spPr>
-        <a:xfrm>
-          <a:off x="3040" y="2026"/>
-          <a:ext cx="8273919" cy="1641445"/>
-        </a:xfrm>
-        <a:prstGeom prst="roundRect">
-          <a:avLst>
-            <a:gd name="adj" fmla="val 10000"/>
-          </a:avLst>
-        </a:prstGeom>
-        <a:solidFill>
-          <a:schemeClr val="lt1">
-            <a:hueOff val="0"/>
-            <a:satOff val="0"/>
-            <a:lumOff val="0"/>
-            <a:alphaOff val="0"/>
-          </a:schemeClr>
-        </a:solidFill>
-        <a:ln w="38100" cap="flat" cmpd="sng" algn="ctr">
-          <a:solidFill>
-            <a:schemeClr val="accent1">
-              <a:shade val="80000"/>
-              <a:hueOff val="0"/>
-              <a:satOff val="0"/>
-              <a:lumOff val="0"/>
-              <a:alphaOff val="0"/>
-            </a:schemeClr>
-          </a:solidFill>
-          <a:prstDash val="solid"/>
-        </a:ln>
-        <a:effectLst>
-          <a:outerShdw blurRad="40000" dist="20000" dir="5400000" rotWithShape="0">
-            <a:srgbClr val="000000">
-              <a:alpha val="38000"/>
-            </a:srgbClr>
-          </a:outerShdw>
-        </a:effectLst>
-      </dsp:spPr>
-      <dsp:style>
-        <a:lnRef idx="3">
-          <a:scrgbClr r="0" g="0" b="0"/>
-        </a:lnRef>
-        <a:fillRef idx="1">
-          <a:scrgbClr r="0" g="0" b="0"/>
-        </a:fillRef>
-        <a:effectRef idx="1">
-          <a:scrgbClr r="0" g="0" b="0"/>
-        </a:effectRef>
-        <a:fontRef idx="minor">
-          <a:schemeClr val="lt1"/>
-        </a:fontRef>
-      </dsp:style>
-      <dsp:txBody>
-        <a:bodyPr spcFirstLastPara="0" vert="horz" wrap="square" lIns="247650" tIns="247650" rIns="247650" bIns="247650" numCol="1" spcCol="1270" anchor="ctr" anchorCtr="0">
-          <a:noAutofit/>
-        </a:bodyPr>
-        <a:lstStyle/>
-        <a:p>
-          <a:pPr lvl="0" algn="ctr" defTabSz="2889250">
-            <a:lnSpc>
-              <a:spcPct val="90000"/>
-            </a:lnSpc>
-            <a:spcBef>
-              <a:spcPct val="0"/>
-            </a:spcBef>
-            <a:spcAft>
-              <a:spcPct val="35000"/>
-            </a:spcAft>
-          </a:pPr>
-          <a:r>
-            <a:rPr lang="en-US" sz="6500" kern="1200" dirty="0" smtClean="0"/>
-            <a:t>Actor system root</a:t>
-          </a:r>
-          <a:endParaRPr lang="en-US" sz="6500" kern="1200" dirty="0"/>
-        </a:p>
-      </dsp:txBody>
-      <dsp:txXfrm>
-        <a:off x="51116" y="50102"/>
-        <a:ext cx="8177767" cy="1545293"/>
-      </dsp:txXfrm>
-    </dsp:sp>
-    <dsp:sp modelId="{FBA6AE72-2424-4BF9-B851-21ED93051DBA}">
-      <dsp:nvSpPr>
-        <dsp:cNvPr id="0" name=""/>
-        <dsp:cNvSpPr/>
-      </dsp:nvSpPr>
-      <dsp:spPr>
-        <a:xfrm>
-          <a:off x="3040" y="1789277"/>
-          <a:ext cx="8273919" cy="1641445"/>
-        </a:xfrm>
-        <a:prstGeom prst="roundRect">
-          <a:avLst>
-            <a:gd name="adj" fmla="val 10000"/>
-          </a:avLst>
-        </a:prstGeom>
-        <a:solidFill>
-          <a:schemeClr val="lt1">
-            <a:hueOff val="0"/>
-            <a:satOff val="0"/>
-            <a:lumOff val="0"/>
-            <a:alphaOff val="0"/>
-          </a:schemeClr>
-        </a:solidFill>
-        <a:ln w="38100" cap="flat" cmpd="sng" algn="ctr">
-          <a:solidFill>
-            <a:schemeClr val="accent1">
-              <a:shade val="80000"/>
-              <a:hueOff val="0"/>
-              <a:satOff val="0"/>
-              <a:lumOff val="0"/>
-              <a:alphaOff val="0"/>
-            </a:schemeClr>
-          </a:solidFill>
-          <a:prstDash val="solid"/>
-        </a:ln>
-        <a:effectLst>
-          <a:outerShdw blurRad="40000" dist="20000" dir="5400000" rotWithShape="0">
-            <a:srgbClr val="000000">
-              <a:alpha val="38000"/>
-            </a:srgbClr>
-          </a:outerShdw>
-        </a:effectLst>
-      </dsp:spPr>
-      <dsp:style>
-        <a:lnRef idx="3">
-          <a:scrgbClr r="0" g="0" b="0"/>
-        </a:lnRef>
-        <a:fillRef idx="1">
-          <a:scrgbClr r="0" g="0" b="0"/>
-        </a:fillRef>
-        <a:effectRef idx="1">
-          <a:scrgbClr r="0" g="0" b="0"/>
-        </a:effectRef>
-        <a:fontRef idx="minor">
-          <a:schemeClr val="lt1"/>
-        </a:fontRef>
-      </dsp:style>
-      <dsp:txBody>
-        <a:bodyPr spcFirstLastPara="0" vert="horz" wrap="square" lIns="137160" tIns="137160" rIns="137160" bIns="137160" numCol="1" spcCol="1270" anchor="ctr" anchorCtr="0">
-          <a:noAutofit/>
-        </a:bodyPr>
-        <a:lstStyle/>
-        <a:p>
-          <a:pPr lvl="0" algn="ctr" defTabSz="1600200">
-            <a:lnSpc>
-              <a:spcPct val="90000"/>
-            </a:lnSpc>
-            <a:spcBef>
-              <a:spcPct val="0"/>
-            </a:spcBef>
-            <a:spcAft>
-              <a:spcPct val="35000"/>
-            </a:spcAft>
-          </a:pPr>
-          <a:r>
-            <a:rPr lang="en-US" sz="3600" kern="1200" dirty="0" smtClean="0"/>
-            <a:t>Master actor</a:t>
-          </a:r>
-          <a:endParaRPr lang="en-US" sz="3600" kern="1200" dirty="0"/>
-        </a:p>
-      </dsp:txBody>
-      <dsp:txXfrm>
-        <a:off x="51116" y="1837353"/>
-        <a:ext cx="8177767" cy="1545293"/>
-      </dsp:txXfrm>
-    </dsp:sp>
-    <dsp:sp modelId="{DBF29638-40E6-4916-B1A3-B25DA5EDE159}">
-      <dsp:nvSpPr>
-        <dsp:cNvPr id="0" name=""/>
-        <dsp:cNvSpPr/>
-      </dsp:nvSpPr>
-      <dsp:spPr>
-        <a:xfrm>
-          <a:off x="3040" y="3576528"/>
-          <a:ext cx="2005312" cy="1641445"/>
-        </a:xfrm>
-        <a:prstGeom prst="roundRect">
-          <a:avLst>
-            <a:gd name="adj" fmla="val 10000"/>
-          </a:avLst>
-        </a:prstGeom>
-        <a:solidFill>
-          <a:schemeClr val="lt1">
-            <a:hueOff val="0"/>
-            <a:satOff val="0"/>
-            <a:lumOff val="0"/>
-            <a:alphaOff val="0"/>
-          </a:schemeClr>
-        </a:solidFill>
-        <a:ln w="38100" cap="flat" cmpd="sng" algn="ctr">
-          <a:solidFill>
-            <a:schemeClr val="accent1">
-              <a:shade val="80000"/>
-              <a:hueOff val="0"/>
-              <a:satOff val="0"/>
-              <a:lumOff val="0"/>
-              <a:alphaOff val="0"/>
-            </a:schemeClr>
-          </a:solidFill>
-          <a:prstDash val="solid"/>
-        </a:ln>
-        <a:effectLst>
-          <a:outerShdw blurRad="40000" dist="20000" dir="5400000" rotWithShape="0">
-            <a:srgbClr val="000000">
-              <a:alpha val="38000"/>
-            </a:srgbClr>
-          </a:outerShdw>
-        </a:effectLst>
-      </dsp:spPr>
-      <dsp:style>
-        <a:lnRef idx="3">
-          <a:scrgbClr r="0" g="0" b="0"/>
-        </a:lnRef>
-        <a:fillRef idx="1">
-          <a:scrgbClr r="0" g="0" b="0"/>
-        </a:fillRef>
-        <a:effectRef idx="1">
-          <a:scrgbClr r="0" g="0" b="0"/>
-        </a:effectRef>
-        <a:fontRef idx="minor">
-          <a:schemeClr val="lt1"/>
-        </a:fontRef>
-      </dsp:style>
-      <dsp:txBody>
-        <a:bodyPr spcFirstLastPara="0" vert="horz" wrap="square" lIns="106680" tIns="106680" rIns="106680" bIns="106680" numCol="1" spcCol="1270" anchor="ctr" anchorCtr="0">
-          <a:noAutofit/>
-        </a:bodyPr>
-        <a:lstStyle/>
-        <a:p>
-          <a:pPr lvl="0" algn="ctr" defTabSz="1244600">
-            <a:lnSpc>
-              <a:spcPct val="90000"/>
-            </a:lnSpc>
-            <a:spcBef>
-              <a:spcPct val="0"/>
-            </a:spcBef>
-            <a:spcAft>
-              <a:spcPct val="35000"/>
-            </a:spcAft>
-          </a:pPr>
-          <a:r>
-            <a:rPr lang="en-US" sz="2800" kern="1200" dirty="0" smtClean="0"/>
-            <a:t>Domains master actor</a:t>
-          </a:r>
-          <a:endParaRPr lang="en-US" sz="2800" kern="1200" dirty="0"/>
-        </a:p>
-      </dsp:txBody>
-      <dsp:txXfrm>
-        <a:off x="51116" y="3624604"/>
-        <a:ext cx="1909160" cy="1545293"/>
-      </dsp:txXfrm>
-    </dsp:sp>
-    <dsp:sp modelId="{F6653453-890A-4D8E-B313-B7F3B07ED0C6}">
-      <dsp:nvSpPr>
-        <dsp:cNvPr id="0" name=""/>
-        <dsp:cNvSpPr/>
-      </dsp:nvSpPr>
-      <dsp:spPr>
-        <a:xfrm>
-          <a:off x="2092575" y="3576528"/>
-          <a:ext cx="2005312" cy="1641445"/>
-        </a:xfrm>
-        <a:prstGeom prst="roundRect">
-          <a:avLst>
-            <a:gd name="adj" fmla="val 10000"/>
-          </a:avLst>
-        </a:prstGeom>
-        <a:solidFill>
-          <a:schemeClr val="lt1">
-            <a:hueOff val="0"/>
-            <a:satOff val="0"/>
-            <a:lumOff val="0"/>
-            <a:alphaOff val="0"/>
-          </a:schemeClr>
-        </a:solidFill>
-        <a:ln w="38100" cap="flat" cmpd="sng" algn="ctr">
-          <a:solidFill>
-            <a:schemeClr val="accent1">
-              <a:shade val="80000"/>
-              <a:hueOff val="0"/>
-              <a:satOff val="0"/>
-              <a:lumOff val="0"/>
-              <a:alphaOff val="0"/>
-            </a:schemeClr>
-          </a:solidFill>
-          <a:prstDash val="solid"/>
-        </a:ln>
-        <a:effectLst>
-          <a:outerShdw blurRad="40000" dist="20000" dir="5400000" rotWithShape="0">
-            <a:srgbClr val="000000">
-              <a:alpha val="38000"/>
-            </a:srgbClr>
-          </a:outerShdw>
-        </a:effectLst>
-      </dsp:spPr>
-      <dsp:style>
-        <a:lnRef idx="3">
-          <a:scrgbClr r="0" g="0" b="0"/>
-        </a:lnRef>
-        <a:fillRef idx="1">
-          <a:scrgbClr r="0" g="0" b="0"/>
-        </a:fillRef>
-        <a:effectRef idx="1">
-          <a:scrgbClr r="0" g="0" b="0"/>
-        </a:effectRef>
-        <a:fontRef idx="minor">
-          <a:schemeClr val="lt1"/>
-        </a:fontRef>
-      </dsp:style>
-      <dsp:txBody>
-        <a:bodyPr spcFirstLastPara="0" vert="horz" wrap="square" lIns="106680" tIns="106680" rIns="106680" bIns="106680" numCol="1" spcCol="1270" anchor="ctr" anchorCtr="0">
-          <a:noAutofit/>
-        </a:bodyPr>
-        <a:lstStyle/>
-        <a:p>
-          <a:pPr lvl="0" algn="ctr" defTabSz="1244600">
-            <a:lnSpc>
-              <a:spcPct val="90000"/>
-            </a:lnSpc>
-            <a:spcBef>
-              <a:spcPct val="0"/>
-            </a:spcBef>
-            <a:spcAft>
-              <a:spcPct val="35000"/>
-            </a:spcAft>
-          </a:pPr>
-          <a:r>
-            <a:rPr lang="en-US" sz="2800" kern="1200" dirty="0" smtClean="0"/>
-            <a:t>Processing master actor</a:t>
-          </a:r>
-          <a:endParaRPr lang="en-US" sz="2800" kern="1200" dirty="0"/>
-        </a:p>
-      </dsp:txBody>
-      <dsp:txXfrm>
-        <a:off x="2140651" y="3624604"/>
-        <a:ext cx="1909160" cy="1545293"/>
-      </dsp:txXfrm>
-    </dsp:sp>
-    <dsp:sp modelId="{611F3984-0478-4EF2-9DB8-5842DBF9AE1F}">
-      <dsp:nvSpPr>
-        <dsp:cNvPr id="0" name=""/>
-        <dsp:cNvSpPr/>
-      </dsp:nvSpPr>
-      <dsp:spPr>
-        <a:xfrm>
-          <a:off x="4182111" y="3576528"/>
-          <a:ext cx="2005312" cy="1641445"/>
-        </a:xfrm>
-        <a:prstGeom prst="roundRect">
-          <a:avLst>
-            <a:gd name="adj" fmla="val 10000"/>
-          </a:avLst>
-        </a:prstGeom>
-        <a:solidFill>
-          <a:schemeClr val="lt1">
-            <a:hueOff val="0"/>
-            <a:satOff val="0"/>
-            <a:lumOff val="0"/>
-            <a:alphaOff val="0"/>
-          </a:schemeClr>
-        </a:solidFill>
-        <a:ln w="38100" cap="flat" cmpd="sng" algn="ctr">
-          <a:solidFill>
-            <a:schemeClr val="accent1">
-              <a:shade val="80000"/>
-              <a:hueOff val="0"/>
-              <a:satOff val="0"/>
-              <a:lumOff val="0"/>
-              <a:alphaOff val="0"/>
-            </a:schemeClr>
-          </a:solidFill>
-          <a:prstDash val="solid"/>
-        </a:ln>
-        <a:effectLst>
-          <a:outerShdw blurRad="40000" dist="20000" dir="5400000" rotWithShape="0">
-            <a:srgbClr val="000000">
-              <a:alpha val="38000"/>
-            </a:srgbClr>
-          </a:outerShdw>
-        </a:effectLst>
-      </dsp:spPr>
-      <dsp:style>
-        <a:lnRef idx="3">
-          <a:scrgbClr r="0" g="0" b="0"/>
-        </a:lnRef>
-        <a:fillRef idx="1">
-          <a:scrgbClr r="0" g="0" b="0"/>
-        </a:fillRef>
-        <a:effectRef idx="1">
-          <a:scrgbClr r="0" g="0" b="0"/>
-        </a:effectRef>
-        <a:fontRef idx="minor">
-          <a:schemeClr val="lt1"/>
-        </a:fontRef>
-      </dsp:style>
-      <dsp:txBody>
-        <a:bodyPr spcFirstLastPara="0" vert="horz" wrap="square" lIns="106680" tIns="106680" rIns="106680" bIns="106680" numCol="1" spcCol="1270" anchor="ctr" anchorCtr="0">
-          <a:noAutofit/>
-        </a:bodyPr>
-        <a:lstStyle/>
-        <a:p>
-          <a:pPr lvl="0" algn="ctr" defTabSz="1244600">
-            <a:lnSpc>
-              <a:spcPct val="90000"/>
-            </a:lnSpc>
-            <a:spcBef>
-              <a:spcPct val="0"/>
-            </a:spcBef>
-            <a:spcAft>
-              <a:spcPct val="35000"/>
-            </a:spcAft>
-          </a:pPr>
-          <a:r>
-            <a:rPr lang="en-US" sz="2800" kern="1200" dirty="0" smtClean="0"/>
-            <a:t>Persistence master actor</a:t>
-          </a:r>
-          <a:endParaRPr lang="en-US" sz="2800" kern="1200" dirty="0"/>
-        </a:p>
-      </dsp:txBody>
-      <dsp:txXfrm>
-        <a:off x="4230187" y="3624604"/>
-        <a:ext cx="1909160" cy="1545293"/>
-      </dsp:txXfrm>
-    </dsp:sp>
-    <dsp:sp modelId="{E968C166-6356-4807-98C8-4F079C69E92C}">
-      <dsp:nvSpPr>
-        <dsp:cNvPr id="0" name=""/>
-        <dsp:cNvSpPr/>
-      </dsp:nvSpPr>
-      <dsp:spPr>
-        <a:xfrm>
-          <a:off x="6271647" y="3576528"/>
-          <a:ext cx="2005312" cy="1641445"/>
-        </a:xfrm>
-        <a:prstGeom prst="roundRect">
-          <a:avLst>
-            <a:gd name="adj" fmla="val 10000"/>
-          </a:avLst>
-        </a:prstGeom>
-        <a:solidFill>
-          <a:schemeClr val="lt1">
-            <a:hueOff val="0"/>
-            <a:satOff val="0"/>
-            <a:lumOff val="0"/>
-            <a:alphaOff val="0"/>
-          </a:schemeClr>
-        </a:solidFill>
-        <a:ln w="38100" cap="flat" cmpd="sng" algn="ctr">
-          <a:solidFill>
-            <a:schemeClr val="accent1">
-              <a:shade val="80000"/>
-              <a:hueOff val="0"/>
-              <a:satOff val="0"/>
-              <a:lumOff val="0"/>
-              <a:alphaOff val="0"/>
-            </a:schemeClr>
-          </a:solidFill>
-          <a:prstDash val="solid"/>
-        </a:ln>
-        <a:effectLst>
-          <a:outerShdw blurRad="40000" dist="20000" dir="5400000" rotWithShape="0">
-            <a:srgbClr val="000000">
-              <a:alpha val="38000"/>
-            </a:srgbClr>
-          </a:outerShdw>
-        </a:effectLst>
-      </dsp:spPr>
-      <dsp:style>
-        <a:lnRef idx="3">
-          <a:scrgbClr r="0" g="0" b="0"/>
-        </a:lnRef>
-        <a:fillRef idx="1">
-          <a:scrgbClr r="0" g="0" b="0"/>
-        </a:fillRef>
-        <a:effectRef idx="1">
-          <a:scrgbClr r="0" g="0" b="0"/>
-        </a:effectRef>
-        <a:fontRef idx="minor">
-          <a:schemeClr val="lt1"/>
-        </a:fontRef>
-      </dsp:style>
-      <dsp:txBody>
-        <a:bodyPr spcFirstLastPara="0" vert="horz" wrap="square" lIns="106680" tIns="106680" rIns="106680" bIns="106680" numCol="1" spcCol="1270" anchor="ctr" anchorCtr="0">
-          <a:noAutofit/>
-        </a:bodyPr>
-        <a:lstStyle/>
-        <a:p>
-          <a:pPr lvl="0" algn="ctr" defTabSz="1244600">
-            <a:lnSpc>
-              <a:spcPct val="90000"/>
-            </a:lnSpc>
-            <a:spcBef>
-              <a:spcPct val="0"/>
-            </a:spcBef>
-            <a:spcAft>
-              <a:spcPct val="35000"/>
-            </a:spcAft>
-          </a:pPr>
-          <a:r>
-            <a:rPr lang="en-US" sz="2800" kern="1200" dirty="0" smtClean="0"/>
-            <a:t>Download router</a:t>
-          </a:r>
-          <a:endParaRPr lang="en-US" sz="2800" kern="1200" dirty="0"/>
-        </a:p>
-      </dsp:txBody>
-      <dsp:txXfrm>
-        <a:off x="6319723" y="3624604"/>
-        <a:ext cx="1909160" cy="1545293"/>
-      </dsp:txXfrm>
-    </dsp:sp>
   </dsp:spTree>
 </dsp:drawing>
 </file>
@@ -5926,716 +5411,6 @@
       <dsp:cNvGrpSpPr/>
     </dsp:nvGrpSpPr>
     <dsp:grpSpPr/>
-    <dsp:sp modelId="{E428EA10-02C6-47D4-94EA-1963F7040D2B}">
-      <dsp:nvSpPr>
-        <dsp:cNvPr id="0" name=""/>
-        <dsp:cNvSpPr/>
-      </dsp:nvSpPr>
-      <dsp:spPr>
-        <a:xfrm>
-          <a:off x="7202" y="1209"/>
-          <a:ext cx="4758886" cy="2497851"/>
-        </a:xfrm>
-        <a:prstGeom prst="roundRect">
-          <a:avLst>
-            <a:gd name="adj" fmla="val 10000"/>
-          </a:avLst>
-        </a:prstGeom>
-        <a:solidFill>
-          <a:schemeClr val="lt1">
-            <a:hueOff val="0"/>
-            <a:satOff val="0"/>
-            <a:lumOff val="0"/>
-            <a:alphaOff val="0"/>
-          </a:schemeClr>
-        </a:solidFill>
-        <a:ln w="38100" cap="flat" cmpd="sng" algn="ctr">
-          <a:solidFill>
-            <a:schemeClr val="accent1">
-              <a:shade val="80000"/>
-              <a:hueOff val="0"/>
-              <a:satOff val="0"/>
-              <a:lumOff val="0"/>
-              <a:alphaOff val="0"/>
-            </a:schemeClr>
-          </a:solidFill>
-          <a:prstDash val="solid"/>
-        </a:ln>
-        <a:effectLst>
-          <a:outerShdw blurRad="40000" dist="20000" dir="5400000" rotWithShape="0">
-            <a:srgbClr val="000000">
-              <a:alpha val="38000"/>
-            </a:srgbClr>
-          </a:outerShdw>
-        </a:effectLst>
-      </dsp:spPr>
-      <dsp:style>
-        <a:lnRef idx="3">
-          <a:scrgbClr r="0" g="0" b="0"/>
-        </a:lnRef>
-        <a:fillRef idx="1">
-          <a:scrgbClr r="0" g="0" b="0"/>
-        </a:fillRef>
-        <a:effectRef idx="1">
-          <a:scrgbClr r="0" g="0" b="0"/>
-        </a:effectRef>
-        <a:fontRef idx="minor">
-          <a:schemeClr val="lt1"/>
-        </a:fontRef>
-      </dsp:style>
-      <dsp:txBody>
-        <a:bodyPr spcFirstLastPara="0" vert="horz" wrap="square" lIns="190500" tIns="190500" rIns="190500" bIns="190500" numCol="1" spcCol="1270" anchor="ctr" anchorCtr="0">
-          <a:noAutofit/>
-        </a:bodyPr>
-        <a:lstStyle/>
-        <a:p>
-          <a:pPr lvl="0" algn="ctr" defTabSz="2222500">
-            <a:lnSpc>
-              <a:spcPct val="90000"/>
-            </a:lnSpc>
-            <a:spcBef>
-              <a:spcPct val="0"/>
-            </a:spcBef>
-            <a:spcAft>
-              <a:spcPct val="35000"/>
-            </a:spcAft>
-          </a:pPr>
-          <a:r>
-            <a:rPr lang="en-US" sz="5000" kern="1200" dirty="0" smtClean="0"/>
-            <a:t>Domains master actor</a:t>
-          </a:r>
-          <a:endParaRPr lang="en-US" sz="5000" kern="1200" dirty="0"/>
-        </a:p>
-      </dsp:txBody>
-      <dsp:txXfrm>
-        <a:off x="80362" y="74369"/>
-        <a:ext cx="4612566" cy="2351531"/>
-      </dsp:txXfrm>
-    </dsp:sp>
-    <dsp:sp modelId="{3FDFCB31-4CAF-45E6-8ECC-D60C4DA7C2E6}">
-      <dsp:nvSpPr>
-        <dsp:cNvPr id="0" name=""/>
-        <dsp:cNvSpPr/>
-      </dsp:nvSpPr>
-      <dsp:spPr>
-        <a:xfrm>
-          <a:off x="7202" y="2720939"/>
-          <a:ext cx="1546547" cy="2497851"/>
-        </a:xfrm>
-        <a:prstGeom prst="roundRect">
-          <a:avLst>
-            <a:gd name="adj" fmla="val 10000"/>
-          </a:avLst>
-        </a:prstGeom>
-        <a:solidFill>
-          <a:schemeClr val="lt1">
-            <a:hueOff val="0"/>
-            <a:satOff val="0"/>
-            <a:lumOff val="0"/>
-            <a:alphaOff val="0"/>
-          </a:schemeClr>
-        </a:solidFill>
-        <a:ln w="38100" cap="flat" cmpd="sng" algn="ctr">
-          <a:solidFill>
-            <a:schemeClr val="accent1">
-              <a:shade val="80000"/>
-              <a:hueOff val="0"/>
-              <a:satOff val="0"/>
-              <a:lumOff val="0"/>
-              <a:alphaOff val="0"/>
-            </a:schemeClr>
-          </a:solidFill>
-          <a:prstDash val="solid"/>
-        </a:ln>
-        <a:effectLst>
-          <a:outerShdw blurRad="40000" dist="20000" dir="5400000" rotWithShape="0">
-            <a:srgbClr val="000000">
-              <a:alpha val="38000"/>
-            </a:srgbClr>
-          </a:outerShdw>
-        </a:effectLst>
-      </dsp:spPr>
-      <dsp:style>
-        <a:lnRef idx="3">
-          <a:scrgbClr r="0" g="0" b="0"/>
-        </a:lnRef>
-        <a:fillRef idx="1">
-          <a:scrgbClr r="0" g="0" b="0"/>
-        </a:fillRef>
-        <a:effectRef idx="1">
-          <a:scrgbClr r="0" g="0" b="0"/>
-        </a:effectRef>
-        <a:fontRef idx="minor">
-          <a:schemeClr val="lt1"/>
-        </a:fontRef>
-      </dsp:style>
-      <dsp:txBody>
-        <a:bodyPr spcFirstLastPara="0" vert="horz" wrap="square" lIns="53340" tIns="53340" rIns="53340" bIns="53340" numCol="1" spcCol="1270" anchor="ctr" anchorCtr="0">
-          <a:noAutofit/>
-        </a:bodyPr>
-        <a:lstStyle/>
-        <a:p>
-          <a:pPr lvl="0" algn="ctr" defTabSz="622300">
-            <a:lnSpc>
-              <a:spcPct val="90000"/>
-            </a:lnSpc>
-            <a:spcBef>
-              <a:spcPct val="0"/>
-            </a:spcBef>
-            <a:spcAft>
-              <a:spcPct val="35000"/>
-            </a:spcAft>
-          </a:pPr>
-          <a:r>
-            <a:rPr lang="en-US" sz="1400" kern="1200" dirty="0" smtClean="0"/>
-            <a:t>Domain actor 1</a:t>
-          </a:r>
-          <a:endParaRPr lang="en-US" sz="1400" kern="1200" dirty="0"/>
-        </a:p>
-      </dsp:txBody>
-      <dsp:txXfrm>
-        <a:off x="52499" y="2766236"/>
-        <a:ext cx="1455953" cy="2407257"/>
-      </dsp:txXfrm>
-    </dsp:sp>
-    <dsp:sp modelId="{4FB20A84-89EB-4533-81AB-084DA21A87C2}">
-      <dsp:nvSpPr>
-        <dsp:cNvPr id="0" name=""/>
-        <dsp:cNvSpPr/>
-      </dsp:nvSpPr>
-      <dsp:spPr>
-        <a:xfrm>
-          <a:off x="1642047" y="2720939"/>
-          <a:ext cx="1587742" cy="2497851"/>
-        </a:xfrm>
-        <a:prstGeom prst="roundRect">
-          <a:avLst>
-            <a:gd name="adj" fmla="val 10000"/>
-          </a:avLst>
-        </a:prstGeom>
-        <a:solidFill>
-          <a:schemeClr val="lt1">
-            <a:hueOff val="0"/>
-            <a:satOff val="0"/>
-            <a:lumOff val="0"/>
-            <a:alphaOff val="0"/>
-          </a:schemeClr>
-        </a:solidFill>
-        <a:ln w="38100" cap="flat" cmpd="sng" algn="ctr">
-          <a:solidFill>
-            <a:schemeClr val="accent1">
-              <a:shade val="80000"/>
-              <a:hueOff val="0"/>
-              <a:satOff val="0"/>
-              <a:lumOff val="0"/>
-              <a:alphaOff val="0"/>
-            </a:schemeClr>
-          </a:solidFill>
-          <a:prstDash val="solid"/>
-        </a:ln>
-        <a:effectLst>
-          <a:outerShdw blurRad="40000" dist="20000" dir="5400000" rotWithShape="0">
-            <a:srgbClr val="000000">
-              <a:alpha val="38000"/>
-            </a:srgbClr>
-          </a:outerShdw>
-        </a:effectLst>
-      </dsp:spPr>
-      <dsp:style>
-        <a:lnRef idx="3">
-          <a:scrgbClr r="0" g="0" b="0"/>
-        </a:lnRef>
-        <a:fillRef idx="1">
-          <a:scrgbClr r="0" g="0" b="0"/>
-        </a:fillRef>
-        <a:effectRef idx="1">
-          <a:scrgbClr r="0" g="0" b="0"/>
-        </a:effectRef>
-        <a:fontRef idx="minor">
-          <a:schemeClr val="lt1"/>
-        </a:fontRef>
-      </dsp:style>
-      <dsp:txBody>
-        <a:bodyPr spcFirstLastPara="0" vert="horz" wrap="square" lIns="53340" tIns="53340" rIns="53340" bIns="53340" numCol="1" spcCol="1270" anchor="ctr" anchorCtr="0">
-          <a:noAutofit/>
-        </a:bodyPr>
-        <a:lstStyle/>
-        <a:p>
-          <a:pPr lvl="0" algn="ctr" defTabSz="622300">
-            <a:lnSpc>
-              <a:spcPct val="90000"/>
-            </a:lnSpc>
-            <a:spcBef>
-              <a:spcPct val="0"/>
-            </a:spcBef>
-            <a:spcAft>
-              <a:spcPct val="35000"/>
-            </a:spcAft>
-          </a:pPr>
-          <a:r>
-            <a:rPr lang="en-US" sz="1400" kern="1200" dirty="0" smtClean="0"/>
-            <a:t>…</a:t>
-          </a:r>
-          <a:endParaRPr lang="en-US" sz="1400" kern="1200" dirty="0"/>
-        </a:p>
-      </dsp:txBody>
-      <dsp:txXfrm>
-        <a:off x="1688550" y="2767442"/>
-        <a:ext cx="1494736" cy="2404845"/>
-      </dsp:txXfrm>
-    </dsp:sp>
-    <dsp:sp modelId="{1F43AA5B-7DB0-45C7-94C8-0DB52549744F}">
-      <dsp:nvSpPr>
-        <dsp:cNvPr id="0" name=""/>
-        <dsp:cNvSpPr/>
-      </dsp:nvSpPr>
-      <dsp:spPr>
-        <a:xfrm>
-          <a:off x="3318088" y="2720939"/>
-          <a:ext cx="1447999" cy="2497851"/>
-        </a:xfrm>
-        <a:prstGeom prst="roundRect">
-          <a:avLst>
-            <a:gd name="adj" fmla="val 10000"/>
-          </a:avLst>
-        </a:prstGeom>
-        <a:solidFill>
-          <a:schemeClr val="lt1">
-            <a:hueOff val="0"/>
-            <a:satOff val="0"/>
-            <a:lumOff val="0"/>
-            <a:alphaOff val="0"/>
-          </a:schemeClr>
-        </a:solidFill>
-        <a:ln w="38100" cap="flat" cmpd="sng" algn="ctr">
-          <a:solidFill>
-            <a:schemeClr val="accent1">
-              <a:shade val="80000"/>
-              <a:hueOff val="0"/>
-              <a:satOff val="0"/>
-              <a:lumOff val="0"/>
-              <a:alphaOff val="0"/>
-            </a:schemeClr>
-          </a:solidFill>
-          <a:prstDash val="solid"/>
-        </a:ln>
-        <a:effectLst>
-          <a:outerShdw blurRad="40000" dist="20000" dir="5400000" rotWithShape="0">
-            <a:srgbClr val="000000">
-              <a:alpha val="38000"/>
-            </a:srgbClr>
-          </a:outerShdw>
-        </a:effectLst>
-      </dsp:spPr>
-      <dsp:style>
-        <a:lnRef idx="3">
-          <a:scrgbClr r="0" g="0" b="0"/>
-        </a:lnRef>
-        <a:fillRef idx="1">
-          <a:scrgbClr r="0" g="0" b="0"/>
-        </a:fillRef>
-        <a:effectRef idx="1">
-          <a:scrgbClr r="0" g="0" b="0"/>
-        </a:effectRef>
-        <a:fontRef idx="minor">
-          <a:schemeClr val="lt1"/>
-        </a:fontRef>
-      </dsp:style>
-      <dsp:txBody>
-        <a:bodyPr spcFirstLastPara="0" vert="horz" wrap="square" lIns="53340" tIns="53340" rIns="53340" bIns="53340" numCol="1" spcCol="1270" anchor="ctr" anchorCtr="0">
-          <a:noAutofit/>
-        </a:bodyPr>
-        <a:lstStyle/>
-        <a:p>
-          <a:pPr lvl="0" algn="ctr" defTabSz="622300">
-            <a:lnSpc>
-              <a:spcPct val="90000"/>
-            </a:lnSpc>
-            <a:spcBef>
-              <a:spcPct val="0"/>
-            </a:spcBef>
-            <a:spcAft>
-              <a:spcPct val="35000"/>
-            </a:spcAft>
-          </a:pPr>
-          <a:r>
-            <a:rPr lang="en-US" sz="1400" kern="1200" dirty="0" smtClean="0"/>
-            <a:t>Domain actor n</a:t>
-          </a:r>
-          <a:endParaRPr lang="en-US" sz="1400" kern="1200" dirty="0"/>
-        </a:p>
-      </dsp:txBody>
-      <dsp:txXfrm>
-        <a:off x="3360498" y="2763349"/>
-        <a:ext cx="1363179" cy="2413031"/>
-      </dsp:txXfrm>
-    </dsp:sp>
-    <dsp:sp modelId="{35E6013D-4AC1-42F3-9B5C-CBD879F14F6C}">
-      <dsp:nvSpPr>
-        <dsp:cNvPr id="0" name=""/>
-        <dsp:cNvSpPr/>
-      </dsp:nvSpPr>
-      <dsp:spPr>
-        <a:xfrm>
-          <a:off x="4942685" y="1209"/>
-          <a:ext cx="3330112" cy="2497851"/>
-        </a:xfrm>
-        <a:prstGeom prst="roundRect">
-          <a:avLst>
-            <a:gd name="adj" fmla="val 10000"/>
-          </a:avLst>
-        </a:prstGeom>
-        <a:solidFill>
-          <a:schemeClr val="lt1">
-            <a:hueOff val="0"/>
-            <a:satOff val="0"/>
-            <a:lumOff val="0"/>
-            <a:alphaOff val="0"/>
-          </a:schemeClr>
-        </a:solidFill>
-        <a:ln w="38100" cap="flat" cmpd="sng" algn="ctr">
-          <a:solidFill>
-            <a:schemeClr val="accent5"/>
-          </a:solidFill>
-          <a:prstDash val="solid"/>
-        </a:ln>
-        <a:effectLst>
-          <a:outerShdw blurRad="40000" dist="20000" dir="5400000" rotWithShape="0">
-            <a:srgbClr val="000000">
-              <a:alpha val="38000"/>
-            </a:srgbClr>
-          </a:outerShdw>
-        </a:effectLst>
-      </dsp:spPr>
-      <dsp:style>
-        <a:lnRef idx="3">
-          <a:scrgbClr r="0" g="0" b="0"/>
-        </a:lnRef>
-        <a:fillRef idx="1">
-          <a:scrgbClr r="0" g="0" b="0"/>
-        </a:fillRef>
-        <a:effectRef idx="1">
-          <a:scrgbClr r="0" g="0" b="0"/>
-        </a:effectRef>
-        <a:fontRef idx="minor">
-          <a:schemeClr val="lt1"/>
-        </a:fontRef>
-      </dsp:style>
-      <dsp:txBody>
-        <a:bodyPr spcFirstLastPara="0" vert="horz" wrap="square" lIns="152400" tIns="152400" rIns="152400" bIns="152400" numCol="1" spcCol="1270" anchor="ctr" anchorCtr="0">
-          <a:noAutofit/>
-        </a:bodyPr>
-        <a:lstStyle/>
-        <a:p>
-          <a:pPr lvl="0" algn="ctr" defTabSz="1778000">
-            <a:lnSpc>
-              <a:spcPct val="90000"/>
-            </a:lnSpc>
-            <a:spcBef>
-              <a:spcPct val="0"/>
-            </a:spcBef>
-            <a:spcAft>
-              <a:spcPct val="35000"/>
-            </a:spcAft>
-          </a:pPr>
-          <a:r>
-            <a:rPr lang="ro-RO" sz="4000" kern="1200" dirty="0" smtClean="0"/>
-            <a:t>Download</a:t>
-          </a:r>
-          <a:r>
-            <a:rPr lang="en-US" sz="4000" kern="1200" dirty="0" smtClean="0"/>
-            <a:t> router</a:t>
-          </a:r>
-          <a:endParaRPr lang="en-US" sz="4000" kern="1200" dirty="0"/>
-        </a:p>
-      </dsp:txBody>
-      <dsp:txXfrm>
-        <a:off x="5015845" y="74369"/>
-        <a:ext cx="3183792" cy="2351531"/>
-      </dsp:txXfrm>
-    </dsp:sp>
-    <dsp:sp modelId="{19A6AB63-BD54-4626-8521-776BEA3CDBE8}">
-      <dsp:nvSpPr>
-        <dsp:cNvPr id="0" name=""/>
-        <dsp:cNvSpPr/>
-      </dsp:nvSpPr>
-      <dsp:spPr>
-        <a:xfrm>
-          <a:off x="4942685" y="2720939"/>
-          <a:ext cx="1051171" cy="2497851"/>
-        </a:xfrm>
-        <a:prstGeom prst="roundRect">
-          <a:avLst>
-            <a:gd name="adj" fmla="val 10000"/>
-          </a:avLst>
-        </a:prstGeom>
-        <a:solidFill>
-          <a:schemeClr val="lt1">
-            <a:hueOff val="0"/>
-            <a:satOff val="0"/>
-            <a:lumOff val="0"/>
-            <a:alphaOff val="0"/>
-          </a:schemeClr>
-        </a:solidFill>
-        <a:ln w="38100" cap="flat" cmpd="sng" algn="ctr">
-          <a:solidFill>
-            <a:schemeClr val="accent1">
-              <a:shade val="80000"/>
-              <a:hueOff val="0"/>
-              <a:satOff val="0"/>
-              <a:lumOff val="0"/>
-              <a:alphaOff val="0"/>
-            </a:schemeClr>
-          </a:solidFill>
-          <a:prstDash val="solid"/>
-        </a:ln>
-        <a:effectLst>
-          <a:outerShdw blurRad="40000" dist="20000" dir="5400000" rotWithShape="0">
-            <a:srgbClr val="000000">
-              <a:alpha val="38000"/>
-            </a:srgbClr>
-          </a:outerShdw>
-        </a:effectLst>
-      </dsp:spPr>
-      <dsp:style>
-        <a:lnRef idx="3">
-          <a:scrgbClr r="0" g="0" b="0"/>
-        </a:lnRef>
-        <a:fillRef idx="1">
-          <a:scrgbClr r="0" g="0" b="0"/>
-        </a:fillRef>
-        <a:effectRef idx="1">
-          <a:scrgbClr r="0" g="0" b="0"/>
-        </a:effectRef>
-        <a:fontRef idx="minor">
-          <a:schemeClr val="lt1"/>
-        </a:fontRef>
-      </dsp:style>
-      <dsp:txBody>
-        <a:bodyPr spcFirstLastPara="0" vert="horz" wrap="square" lIns="53340" tIns="53340" rIns="53340" bIns="53340" numCol="1" spcCol="1270" anchor="ctr" anchorCtr="0">
-          <a:noAutofit/>
-        </a:bodyPr>
-        <a:lstStyle/>
-        <a:p>
-          <a:pPr lvl="0" algn="ctr" defTabSz="622300">
-            <a:lnSpc>
-              <a:spcPct val="90000"/>
-            </a:lnSpc>
-            <a:spcBef>
-              <a:spcPct val="0"/>
-            </a:spcBef>
-            <a:spcAft>
-              <a:spcPct val="35000"/>
-            </a:spcAft>
-          </a:pPr>
-          <a:r>
-            <a:rPr lang="ro-RO" sz="1400" kern="1200" dirty="0" smtClean="0"/>
-            <a:t>Download</a:t>
-          </a:r>
-          <a:r>
-            <a:rPr lang="en-US" sz="1400" kern="1200" dirty="0" smtClean="0"/>
-            <a:t> a</a:t>
-          </a:r>
-          <a:r>
-            <a:rPr lang="ro-RO" sz="1400" kern="1200" dirty="0" smtClean="0"/>
-            <a:t>ctor</a:t>
-          </a:r>
-          <a:r>
-            <a:rPr lang="en-US" sz="1400" kern="1200" dirty="0" smtClean="0"/>
-            <a:t> 1</a:t>
-          </a:r>
-          <a:endParaRPr lang="en-US" sz="1400" kern="1200" dirty="0"/>
-        </a:p>
-      </dsp:txBody>
-      <dsp:txXfrm>
-        <a:off x="4973473" y="2751727"/>
-        <a:ext cx="989595" cy="2436275"/>
-      </dsp:txXfrm>
-    </dsp:sp>
-    <dsp:sp modelId="{99ECB54A-EAC2-42BF-89A0-526C88D7FEFC}">
-      <dsp:nvSpPr>
-        <dsp:cNvPr id="0" name=""/>
-        <dsp:cNvSpPr/>
-      </dsp:nvSpPr>
-      <dsp:spPr>
-        <a:xfrm>
-          <a:off x="6082155" y="2720939"/>
-          <a:ext cx="1051171" cy="2497851"/>
-        </a:xfrm>
-        <a:prstGeom prst="roundRect">
-          <a:avLst>
-            <a:gd name="adj" fmla="val 10000"/>
-          </a:avLst>
-        </a:prstGeom>
-        <a:solidFill>
-          <a:schemeClr val="lt1">
-            <a:hueOff val="0"/>
-            <a:satOff val="0"/>
-            <a:lumOff val="0"/>
-            <a:alphaOff val="0"/>
-          </a:schemeClr>
-        </a:solidFill>
-        <a:ln w="38100" cap="flat" cmpd="sng" algn="ctr">
-          <a:solidFill>
-            <a:schemeClr val="accent1">
-              <a:shade val="80000"/>
-              <a:hueOff val="0"/>
-              <a:satOff val="0"/>
-              <a:lumOff val="0"/>
-              <a:alphaOff val="0"/>
-            </a:schemeClr>
-          </a:solidFill>
-          <a:prstDash val="solid"/>
-        </a:ln>
-        <a:effectLst>
-          <a:outerShdw blurRad="40000" dist="20000" dir="5400000" rotWithShape="0">
-            <a:srgbClr val="000000">
-              <a:alpha val="38000"/>
-            </a:srgbClr>
-          </a:outerShdw>
-        </a:effectLst>
-      </dsp:spPr>
-      <dsp:style>
-        <a:lnRef idx="3">
-          <a:scrgbClr r="0" g="0" b="0"/>
-        </a:lnRef>
-        <a:fillRef idx="1">
-          <a:scrgbClr r="0" g="0" b="0"/>
-        </a:fillRef>
-        <a:effectRef idx="1">
-          <a:scrgbClr r="0" g="0" b="0"/>
-        </a:effectRef>
-        <a:fontRef idx="minor">
-          <a:schemeClr val="lt1"/>
-        </a:fontRef>
-      </dsp:style>
-      <dsp:txBody>
-        <a:bodyPr spcFirstLastPara="0" vert="horz" wrap="square" lIns="53340" tIns="53340" rIns="53340" bIns="53340" numCol="1" spcCol="1270" anchor="ctr" anchorCtr="0">
-          <a:noAutofit/>
-        </a:bodyPr>
-        <a:lstStyle/>
-        <a:p>
-          <a:pPr lvl="0" algn="ctr" defTabSz="622300">
-            <a:lnSpc>
-              <a:spcPct val="90000"/>
-            </a:lnSpc>
-            <a:spcBef>
-              <a:spcPct val="0"/>
-            </a:spcBef>
-            <a:spcAft>
-              <a:spcPct val="35000"/>
-            </a:spcAft>
-          </a:pPr>
-          <a:r>
-            <a:rPr lang="en-US" sz="1400" kern="1200" dirty="0" smtClean="0"/>
-            <a:t>…</a:t>
-          </a:r>
-          <a:endParaRPr lang="en-US" sz="1400" kern="1200" dirty="0"/>
-        </a:p>
-      </dsp:txBody>
-      <dsp:txXfrm>
-        <a:off x="6112943" y="2751727"/>
-        <a:ext cx="989595" cy="2436275"/>
-      </dsp:txXfrm>
-    </dsp:sp>
-    <dsp:sp modelId="{81B36AB4-AC2B-4666-BF6D-F6B21E087B39}">
-      <dsp:nvSpPr>
-        <dsp:cNvPr id="0" name=""/>
-        <dsp:cNvSpPr/>
-      </dsp:nvSpPr>
-      <dsp:spPr>
-        <a:xfrm>
-          <a:off x="7221625" y="2720939"/>
-          <a:ext cx="1051171" cy="2497851"/>
-        </a:xfrm>
-        <a:prstGeom prst="roundRect">
-          <a:avLst>
-            <a:gd name="adj" fmla="val 10000"/>
-          </a:avLst>
-        </a:prstGeom>
-        <a:solidFill>
-          <a:schemeClr val="lt1">
-            <a:hueOff val="0"/>
-            <a:satOff val="0"/>
-            <a:lumOff val="0"/>
-            <a:alphaOff val="0"/>
-          </a:schemeClr>
-        </a:solidFill>
-        <a:ln w="38100" cap="flat" cmpd="sng" algn="ctr">
-          <a:solidFill>
-            <a:schemeClr val="accent1">
-              <a:shade val="80000"/>
-              <a:hueOff val="0"/>
-              <a:satOff val="0"/>
-              <a:lumOff val="0"/>
-              <a:alphaOff val="0"/>
-            </a:schemeClr>
-          </a:solidFill>
-          <a:prstDash val="solid"/>
-        </a:ln>
-        <a:effectLst>
-          <a:outerShdw blurRad="40000" dist="20000" dir="5400000" rotWithShape="0">
-            <a:srgbClr val="000000">
-              <a:alpha val="38000"/>
-            </a:srgbClr>
-          </a:outerShdw>
-        </a:effectLst>
-      </dsp:spPr>
-      <dsp:style>
-        <a:lnRef idx="3">
-          <a:scrgbClr r="0" g="0" b="0"/>
-        </a:lnRef>
-        <a:fillRef idx="1">
-          <a:scrgbClr r="0" g="0" b="0"/>
-        </a:fillRef>
-        <a:effectRef idx="1">
-          <a:scrgbClr r="0" g="0" b="0"/>
-        </a:effectRef>
-        <a:fontRef idx="minor">
-          <a:schemeClr val="lt1"/>
-        </a:fontRef>
-      </dsp:style>
-      <dsp:txBody>
-        <a:bodyPr spcFirstLastPara="0" vert="horz" wrap="square" lIns="53340" tIns="53340" rIns="53340" bIns="53340" numCol="1" spcCol="1270" anchor="ctr" anchorCtr="0">
-          <a:noAutofit/>
-        </a:bodyPr>
-        <a:lstStyle/>
-        <a:p>
-          <a:pPr lvl="0" algn="ctr" defTabSz="622300">
-            <a:lnSpc>
-              <a:spcPct val="90000"/>
-            </a:lnSpc>
-            <a:spcBef>
-              <a:spcPct val="0"/>
-            </a:spcBef>
-            <a:spcAft>
-              <a:spcPct val="35000"/>
-            </a:spcAft>
-          </a:pPr>
-          <a:r>
-            <a:rPr lang="ro-RO" sz="1400" kern="1200" dirty="0" smtClean="0"/>
-            <a:t>Download</a:t>
-          </a:r>
-          <a:r>
-            <a:rPr lang="en-US" sz="1400" kern="1200" dirty="0" smtClean="0"/>
-            <a:t> a</a:t>
-          </a:r>
-          <a:r>
-            <a:rPr lang="ro-RO" sz="1400" kern="1200" dirty="0" smtClean="0"/>
-            <a:t>ctor</a:t>
-          </a:r>
-          <a:r>
-            <a:rPr lang="en-US" sz="1400" kern="1200" dirty="0" smtClean="0"/>
-            <a:t> m</a:t>
-          </a:r>
-          <a:endParaRPr lang="en-US" sz="1400" kern="1200" dirty="0"/>
-        </a:p>
-      </dsp:txBody>
-      <dsp:txXfrm>
-        <a:off x="7252413" y="2751727"/>
-        <a:ext cx="989595" cy="2436275"/>
-      </dsp:txXfrm>
-    </dsp:sp>
   </dsp:spTree>
 </dsp:drawing>
 </file>
@@ -6648,780 +5423,6 @@
       <dsp:cNvGrpSpPr/>
     </dsp:nvGrpSpPr>
     <dsp:grpSpPr/>
-    <dsp:sp modelId="{E428EA10-02C6-47D4-94EA-1963F7040D2B}">
-      <dsp:nvSpPr>
-        <dsp:cNvPr id="0" name=""/>
-        <dsp:cNvSpPr/>
-      </dsp:nvSpPr>
-      <dsp:spPr>
-        <a:xfrm>
-          <a:off x="950" y="2026"/>
-          <a:ext cx="8278099" cy="1641445"/>
-        </a:xfrm>
-        <a:prstGeom prst="roundRect">
-          <a:avLst>
-            <a:gd name="adj" fmla="val 10000"/>
-          </a:avLst>
-        </a:prstGeom>
-        <a:solidFill>
-          <a:schemeClr val="lt1">
-            <a:hueOff val="0"/>
-            <a:satOff val="0"/>
-            <a:lumOff val="0"/>
-            <a:alphaOff val="0"/>
-          </a:schemeClr>
-        </a:solidFill>
-        <a:ln w="38100" cap="flat" cmpd="sng" algn="ctr">
-          <a:solidFill>
-            <a:schemeClr val="accent1">
-              <a:shade val="80000"/>
-              <a:hueOff val="0"/>
-              <a:satOff val="0"/>
-              <a:lumOff val="0"/>
-              <a:alphaOff val="0"/>
-            </a:schemeClr>
-          </a:solidFill>
-          <a:prstDash val="solid"/>
-        </a:ln>
-        <a:effectLst>
-          <a:outerShdw blurRad="40000" dist="20000" dir="5400000" rotWithShape="0">
-            <a:srgbClr val="000000">
-              <a:alpha val="38000"/>
-            </a:srgbClr>
-          </a:outerShdw>
-        </a:effectLst>
-      </dsp:spPr>
-      <dsp:style>
-        <a:lnRef idx="3">
-          <a:scrgbClr r="0" g="0" b="0"/>
-        </a:lnRef>
-        <a:fillRef idx="1">
-          <a:scrgbClr r="0" g="0" b="0"/>
-        </a:fillRef>
-        <a:effectRef idx="1">
-          <a:scrgbClr r="0" g="0" b="0"/>
-        </a:effectRef>
-        <a:fontRef idx="minor">
-          <a:schemeClr val="lt1"/>
-        </a:fontRef>
-      </dsp:style>
-      <dsp:txBody>
-        <a:bodyPr spcFirstLastPara="0" vert="horz" wrap="square" lIns="190500" tIns="190500" rIns="190500" bIns="190500" numCol="1" spcCol="1270" anchor="ctr" anchorCtr="0">
-          <a:noAutofit/>
-        </a:bodyPr>
-        <a:lstStyle/>
-        <a:p>
-          <a:pPr lvl="0" algn="ctr" defTabSz="2222500">
-            <a:lnSpc>
-              <a:spcPct val="90000"/>
-            </a:lnSpc>
-            <a:spcBef>
-              <a:spcPct val="0"/>
-            </a:spcBef>
-            <a:spcAft>
-              <a:spcPct val="35000"/>
-            </a:spcAft>
-          </a:pPr>
-          <a:r>
-            <a:rPr lang="en-US" sz="5000" kern="1200" dirty="0" smtClean="0"/>
-            <a:t>Processing master actor</a:t>
-          </a:r>
-          <a:endParaRPr lang="en-US" sz="5000" kern="1200" dirty="0"/>
-        </a:p>
-      </dsp:txBody>
-      <dsp:txXfrm>
-        <a:off x="49026" y="50102"/>
-        <a:ext cx="8181947" cy="1545293"/>
-      </dsp:txXfrm>
-    </dsp:sp>
-    <dsp:sp modelId="{3FDFCB31-4CAF-45E6-8ECC-D60C4DA7C2E6}">
-      <dsp:nvSpPr>
-        <dsp:cNvPr id="0" name=""/>
-        <dsp:cNvSpPr/>
-      </dsp:nvSpPr>
-      <dsp:spPr>
-        <a:xfrm>
-          <a:off x="950" y="1789277"/>
-          <a:ext cx="4083438" cy="1641445"/>
-        </a:xfrm>
-        <a:prstGeom prst="roundRect">
-          <a:avLst>
-            <a:gd name="adj" fmla="val 10000"/>
-          </a:avLst>
-        </a:prstGeom>
-        <a:solidFill>
-          <a:schemeClr val="lt1">
-            <a:hueOff val="0"/>
-            <a:satOff val="0"/>
-            <a:lumOff val="0"/>
-            <a:alphaOff val="0"/>
-          </a:schemeClr>
-        </a:solidFill>
-        <a:ln w="38100" cap="flat" cmpd="sng" algn="ctr">
-          <a:solidFill>
-            <a:schemeClr val="accent5"/>
-          </a:solidFill>
-          <a:prstDash val="solid"/>
-        </a:ln>
-        <a:effectLst>
-          <a:outerShdw blurRad="40000" dist="20000" dir="5400000" rotWithShape="0">
-            <a:srgbClr val="000000">
-              <a:alpha val="38000"/>
-            </a:srgbClr>
-          </a:outerShdw>
-        </a:effectLst>
-      </dsp:spPr>
-      <dsp:style>
-        <a:lnRef idx="3">
-          <a:scrgbClr r="0" g="0" b="0"/>
-        </a:lnRef>
-        <a:fillRef idx="1">
-          <a:scrgbClr r="0" g="0" b="0"/>
-        </a:fillRef>
-        <a:effectRef idx="1">
-          <a:scrgbClr r="0" g="0" b="0"/>
-        </a:effectRef>
-        <a:fontRef idx="minor">
-          <a:schemeClr val="lt1"/>
-        </a:fontRef>
-      </dsp:style>
-      <dsp:txBody>
-        <a:bodyPr spcFirstLastPara="0" vert="horz" wrap="square" lIns="163830" tIns="163830" rIns="163830" bIns="163830" numCol="1" spcCol="1270" anchor="ctr" anchorCtr="0">
-          <a:noAutofit/>
-        </a:bodyPr>
-        <a:lstStyle/>
-        <a:p>
-          <a:pPr lvl="0" algn="ctr" defTabSz="1911350">
-            <a:lnSpc>
-              <a:spcPct val="90000"/>
-            </a:lnSpc>
-            <a:spcBef>
-              <a:spcPct val="0"/>
-            </a:spcBef>
-            <a:spcAft>
-              <a:spcPct val="35000"/>
-            </a:spcAft>
-          </a:pPr>
-          <a:r>
-            <a:rPr lang="en-US" sz="4300" kern="1200" dirty="0" smtClean="0">
-              <a:sym typeface="Wingdings" pitchFamily="2" charset="2"/>
-            </a:rPr>
-            <a:t>Identify links router</a:t>
-          </a:r>
-          <a:endParaRPr lang="en-US" sz="4300" kern="1200" dirty="0"/>
-        </a:p>
-      </dsp:txBody>
-      <dsp:txXfrm>
-        <a:off x="49026" y="1837353"/>
-        <a:ext cx="3987286" cy="1545293"/>
-      </dsp:txXfrm>
-    </dsp:sp>
-    <dsp:sp modelId="{A5A8D1E8-66DF-4EF7-B718-2F6C9435D6CD}">
-      <dsp:nvSpPr>
-        <dsp:cNvPr id="0" name=""/>
-        <dsp:cNvSpPr/>
-      </dsp:nvSpPr>
-      <dsp:spPr>
-        <a:xfrm>
-          <a:off x="950" y="3576528"/>
-          <a:ext cx="1324072" cy="1641445"/>
-        </a:xfrm>
-        <a:prstGeom prst="roundRect">
-          <a:avLst>
-            <a:gd name="adj" fmla="val 10000"/>
-          </a:avLst>
-        </a:prstGeom>
-        <a:solidFill>
-          <a:schemeClr val="lt1">
-            <a:hueOff val="0"/>
-            <a:satOff val="0"/>
-            <a:lumOff val="0"/>
-            <a:alphaOff val="0"/>
-          </a:schemeClr>
-        </a:solidFill>
-        <a:ln w="38100" cap="flat" cmpd="sng" algn="ctr">
-          <a:solidFill>
-            <a:schemeClr val="accent1">
-              <a:shade val="80000"/>
-              <a:hueOff val="0"/>
-              <a:satOff val="0"/>
-              <a:lumOff val="0"/>
-              <a:alphaOff val="0"/>
-            </a:schemeClr>
-          </a:solidFill>
-          <a:prstDash val="solid"/>
-        </a:ln>
-        <a:effectLst>
-          <a:outerShdw blurRad="40000" dist="20000" dir="5400000" rotWithShape="0">
-            <a:srgbClr val="000000">
-              <a:alpha val="38000"/>
-            </a:srgbClr>
-          </a:outerShdw>
-        </a:effectLst>
-      </dsp:spPr>
-      <dsp:style>
-        <a:lnRef idx="3">
-          <a:scrgbClr r="0" g="0" b="0"/>
-        </a:lnRef>
-        <a:fillRef idx="1">
-          <a:scrgbClr r="0" g="0" b="0"/>
-        </a:fillRef>
-        <a:effectRef idx="1">
-          <a:scrgbClr r="0" g="0" b="0"/>
-        </a:effectRef>
-        <a:fontRef idx="minor">
-          <a:schemeClr val="lt1"/>
-        </a:fontRef>
-      </dsp:style>
-      <dsp:txBody>
-        <a:bodyPr spcFirstLastPara="0" vert="horz" wrap="square" lIns="53340" tIns="53340" rIns="53340" bIns="53340" numCol="1" spcCol="1270" anchor="ctr" anchorCtr="0">
-          <a:noAutofit/>
-        </a:bodyPr>
-        <a:lstStyle/>
-        <a:p>
-          <a:pPr lvl="0" algn="ctr" defTabSz="622300">
-            <a:lnSpc>
-              <a:spcPct val="90000"/>
-            </a:lnSpc>
-            <a:spcBef>
-              <a:spcPct val="0"/>
-            </a:spcBef>
-            <a:spcAft>
-              <a:spcPct val="35000"/>
-            </a:spcAft>
-          </a:pPr>
-          <a:r>
-            <a:rPr lang="en-US" sz="1400" kern="1200" dirty="0" smtClean="0">
-              <a:sym typeface="Wingdings" pitchFamily="2" charset="2"/>
-            </a:rPr>
-            <a:t>Identify links actor  1</a:t>
-          </a:r>
-          <a:endParaRPr lang="en-US" sz="1400" kern="1200" dirty="0"/>
-        </a:p>
-      </dsp:txBody>
-      <dsp:txXfrm>
-        <a:off x="39731" y="3615309"/>
-        <a:ext cx="1246510" cy="1563883"/>
-      </dsp:txXfrm>
-    </dsp:sp>
-    <dsp:sp modelId="{B7476488-3479-4404-A2ED-A41E22421981}">
-      <dsp:nvSpPr>
-        <dsp:cNvPr id="0" name=""/>
-        <dsp:cNvSpPr/>
-      </dsp:nvSpPr>
-      <dsp:spPr>
-        <a:xfrm>
-          <a:off x="1380633" y="3576528"/>
-          <a:ext cx="1324072" cy="1641445"/>
-        </a:xfrm>
-        <a:prstGeom prst="roundRect">
-          <a:avLst>
-            <a:gd name="adj" fmla="val 10000"/>
-          </a:avLst>
-        </a:prstGeom>
-        <a:solidFill>
-          <a:schemeClr val="lt1">
-            <a:hueOff val="0"/>
-            <a:satOff val="0"/>
-            <a:lumOff val="0"/>
-            <a:alphaOff val="0"/>
-          </a:schemeClr>
-        </a:solidFill>
-        <a:ln w="38100" cap="flat" cmpd="sng" algn="ctr">
-          <a:solidFill>
-            <a:schemeClr val="accent1">
-              <a:shade val="80000"/>
-              <a:hueOff val="0"/>
-              <a:satOff val="0"/>
-              <a:lumOff val="0"/>
-              <a:alphaOff val="0"/>
-            </a:schemeClr>
-          </a:solidFill>
-          <a:prstDash val="solid"/>
-        </a:ln>
-        <a:effectLst>
-          <a:outerShdw blurRad="40000" dist="20000" dir="5400000" rotWithShape="0">
-            <a:srgbClr val="000000">
-              <a:alpha val="38000"/>
-            </a:srgbClr>
-          </a:outerShdw>
-        </a:effectLst>
-      </dsp:spPr>
-      <dsp:style>
-        <a:lnRef idx="3">
-          <a:scrgbClr r="0" g="0" b="0"/>
-        </a:lnRef>
-        <a:fillRef idx="1">
-          <a:scrgbClr r="0" g="0" b="0"/>
-        </a:fillRef>
-        <a:effectRef idx="1">
-          <a:scrgbClr r="0" g="0" b="0"/>
-        </a:effectRef>
-        <a:fontRef idx="minor">
-          <a:schemeClr val="lt1"/>
-        </a:fontRef>
-      </dsp:style>
-      <dsp:txBody>
-        <a:bodyPr spcFirstLastPara="0" vert="horz" wrap="square" lIns="53340" tIns="53340" rIns="53340" bIns="53340" numCol="1" spcCol="1270" anchor="ctr" anchorCtr="0">
-          <a:noAutofit/>
-        </a:bodyPr>
-        <a:lstStyle/>
-        <a:p>
-          <a:pPr lvl="0" algn="ctr" defTabSz="622300">
-            <a:lnSpc>
-              <a:spcPct val="90000"/>
-            </a:lnSpc>
-            <a:spcBef>
-              <a:spcPct val="0"/>
-            </a:spcBef>
-            <a:spcAft>
-              <a:spcPct val="35000"/>
-            </a:spcAft>
-          </a:pPr>
-          <a:r>
-            <a:rPr lang="en-US" sz="1400" kern="1200" dirty="0" smtClean="0"/>
-            <a:t>…</a:t>
-          </a:r>
-          <a:endParaRPr lang="en-US" sz="1400" kern="1200" dirty="0"/>
-        </a:p>
-      </dsp:txBody>
-      <dsp:txXfrm>
-        <a:off x="1419414" y="3615309"/>
-        <a:ext cx="1246510" cy="1563883"/>
-      </dsp:txXfrm>
-    </dsp:sp>
-    <dsp:sp modelId="{457B7E6C-2106-42DE-ADA4-A53A4D93BD98}">
-      <dsp:nvSpPr>
-        <dsp:cNvPr id="0" name=""/>
-        <dsp:cNvSpPr/>
-      </dsp:nvSpPr>
-      <dsp:spPr>
-        <a:xfrm>
-          <a:off x="2760316" y="3576528"/>
-          <a:ext cx="1324072" cy="1641445"/>
-        </a:xfrm>
-        <a:prstGeom prst="roundRect">
-          <a:avLst>
-            <a:gd name="adj" fmla="val 10000"/>
-          </a:avLst>
-        </a:prstGeom>
-        <a:solidFill>
-          <a:schemeClr val="lt1">
-            <a:hueOff val="0"/>
-            <a:satOff val="0"/>
-            <a:lumOff val="0"/>
-            <a:alphaOff val="0"/>
-          </a:schemeClr>
-        </a:solidFill>
-        <a:ln w="38100" cap="flat" cmpd="sng" algn="ctr">
-          <a:solidFill>
-            <a:schemeClr val="accent1">
-              <a:shade val="80000"/>
-              <a:hueOff val="0"/>
-              <a:satOff val="0"/>
-              <a:lumOff val="0"/>
-              <a:alphaOff val="0"/>
-            </a:schemeClr>
-          </a:solidFill>
-          <a:prstDash val="solid"/>
-        </a:ln>
-        <a:effectLst>
-          <a:outerShdw blurRad="40000" dist="20000" dir="5400000" rotWithShape="0">
-            <a:srgbClr val="000000">
-              <a:alpha val="38000"/>
-            </a:srgbClr>
-          </a:outerShdw>
-        </a:effectLst>
-      </dsp:spPr>
-      <dsp:style>
-        <a:lnRef idx="3">
-          <a:scrgbClr r="0" g="0" b="0"/>
-        </a:lnRef>
-        <a:fillRef idx="1">
-          <a:scrgbClr r="0" g="0" b="0"/>
-        </a:fillRef>
-        <a:effectRef idx="1">
-          <a:scrgbClr r="0" g="0" b="0"/>
-        </a:effectRef>
-        <a:fontRef idx="minor">
-          <a:schemeClr val="lt1"/>
-        </a:fontRef>
-      </dsp:style>
-      <dsp:txBody>
-        <a:bodyPr spcFirstLastPara="0" vert="horz" wrap="square" lIns="53340" tIns="53340" rIns="53340" bIns="53340" numCol="1" spcCol="1270" anchor="ctr" anchorCtr="0">
-          <a:noAutofit/>
-        </a:bodyPr>
-        <a:lstStyle/>
-        <a:p>
-          <a:pPr lvl="0" algn="ctr" defTabSz="622300">
-            <a:lnSpc>
-              <a:spcPct val="90000"/>
-            </a:lnSpc>
-            <a:spcBef>
-              <a:spcPct val="0"/>
-            </a:spcBef>
-            <a:spcAft>
-              <a:spcPct val="35000"/>
-            </a:spcAft>
-          </a:pPr>
-          <a:r>
-            <a:rPr lang="en-US" sz="1400" kern="1200" dirty="0" smtClean="0">
-              <a:sym typeface="Wingdings" pitchFamily="2" charset="2"/>
-            </a:rPr>
-            <a:t>Identify links actor  n</a:t>
-          </a:r>
-          <a:endParaRPr lang="en-US" sz="1400" kern="1200" dirty="0"/>
-        </a:p>
-      </dsp:txBody>
-      <dsp:txXfrm>
-        <a:off x="2799097" y="3615309"/>
-        <a:ext cx="1246510" cy="1563883"/>
-      </dsp:txXfrm>
-    </dsp:sp>
-    <dsp:sp modelId="{692EBED8-40A7-45F4-8621-8E74E305145C}">
-      <dsp:nvSpPr>
-        <dsp:cNvPr id="0" name=""/>
-        <dsp:cNvSpPr/>
-      </dsp:nvSpPr>
-      <dsp:spPr>
-        <a:xfrm>
-          <a:off x="4195611" y="1789277"/>
-          <a:ext cx="4083438" cy="1641445"/>
-        </a:xfrm>
-        <a:prstGeom prst="roundRect">
-          <a:avLst>
-            <a:gd name="adj" fmla="val 10000"/>
-          </a:avLst>
-        </a:prstGeom>
-        <a:solidFill>
-          <a:schemeClr val="lt1">
-            <a:hueOff val="0"/>
-            <a:satOff val="0"/>
-            <a:lumOff val="0"/>
-            <a:alphaOff val="0"/>
-          </a:schemeClr>
-        </a:solidFill>
-        <a:ln w="38100" cap="flat" cmpd="sng" algn="ctr">
-          <a:solidFill>
-            <a:schemeClr val="accent5"/>
-          </a:solidFill>
-          <a:prstDash val="solid"/>
-        </a:ln>
-        <a:effectLst>
-          <a:outerShdw blurRad="40000" dist="20000" dir="5400000" rotWithShape="0">
-            <a:srgbClr val="000000">
-              <a:alpha val="38000"/>
-            </a:srgbClr>
-          </a:outerShdw>
-        </a:effectLst>
-      </dsp:spPr>
-      <dsp:style>
-        <a:lnRef idx="3">
-          <a:scrgbClr r="0" g="0" b="0"/>
-        </a:lnRef>
-        <a:fillRef idx="1">
-          <a:scrgbClr r="0" g="0" b="0"/>
-        </a:fillRef>
-        <a:effectRef idx="1">
-          <a:scrgbClr r="0" g="0" b="0"/>
-        </a:effectRef>
-        <a:fontRef idx="minor">
-          <a:schemeClr val="lt1"/>
-        </a:fontRef>
-      </dsp:style>
-      <dsp:txBody>
-        <a:bodyPr spcFirstLastPara="0" vert="horz" wrap="square" lIns="163830" tIns="163830" rIns="163830" bIns="163830" numCol="1" spcCol="1270" anchor="ctr" anchorCtr="0">
-          <a:noAutofit/>
-        </a:bodyPr>
-        <a:lstStyle/>
-        <a:p>
-          <a:pPr lvl="0" algn="ctr" defTabSz="1911350">
-            <a:lnSpc>
-              <a:spcPct val="90000"/>
-            </a:lnSpc>
-            <a:spcBef>
-              <a:spcPct val="0"/>
-            </a:spcBef>
-            <a:spcAft>
-              <a:spcPct val="35000"/>
-            </a:spcAft>
-          </a:pPr>
-          <a:r>
-            <a:rPr lang="en-US" sz="4300" kern="1200" dirty="0" smtClean="0">
-              <a:sym typeface="Wingdings" pitchFamily="2" charset="2"/>
-            </a:rPr>
-            <a:t>Data extractor router</a:t>
-          </a:r>
-          <a:endParaRPr lang="en-US" sz="4300" kern="1200" dirty="0"/>
-        </a:p>
-      </dsp:txBody>
-      <dsp:txXfrm>
-        <a:off x="4243687" y="1837353"/>
-        <a:ext cx="3987286" cy="1545293"/>
-      </dsp:txXfrm>
-    </dsp:sp>
-    <dsp:sp modelId="{0AE94CED-B444-4B46-B056-AD9B63599F27}">
-      <dsp:nvSpPr>
-        <dsp:cNvPr id="0" name=""/>
-        <dsp:cNvSpPr/>
-      </dsp:nvSpPr>
-      <dsp:spPr>
-        <a:xfrm>
-          <a:off x="4195611" y="3576528"/>
-          <a:ext cx="1324072" cy="1641445"/>
-        </a:xfrm>
-        <a:prstGeom prst="roundRect">
-          <a:avLst>
-            <a:gd name="adj" fmla="val 10000"/>
-          </a:avLst>
-        </a:prstGeom>
-        <a:solidFill>
-          <a:schemeClr val="lt1">
-            <a:hueOff val="0"/>
-            <a:satOff val="0"/>
-            <a:lumOff val="0"/>
-            <a:alphaOff val="0"/>
-          </a:schemeClr>
-        </a:solidFill>
-        <a:ln w="38100" cap="flat" cmpd="sng" algn="ctr">
-          <a:solidFill>
-            <a:schemeClr val="accent1">
-              <a:shade val="80000"/>
-              <a:hueOff val="0"/>
-              <a:satOff val="0"/>
-              <a:lumOff val="0"/>
-              <a:alphaOff val="0"/>
-            </a:schemeClr>
-          </a:solidFill>
-          <a:prstDash val="solid"/>
-        </a:ln>
-        <a:effectLst>
-          <a:outerShdw blurRad="40000" dist="20000" dir="5400000" rotWithShape="0">
-            <a:srgbClr val="000000">
-              <a:alpha val="38000"/>
-            </a:srgbClr>
-          </a:outerShdw>
-        </a:effectLst>
-      </dsp:spPr>
-      <dsp:style>
-        <a:lnRef idx="3">
-          <a:scrgbClr r="0" g="0" b="0"/>
-        </a:lnRef>
-        <a:fillRef idx="1">
-          <a:scrgbClr r="0" g="0" b="0"/>
-        </a:fillRef>
-        <a:effectRef idx="1">
-          <a:scrgbClr r="0" g="0" b="0"/>
-        </a:effectRef>
-        <a:fontRef idx="minor">
-          <a:schemeClr val="lt1"/>
-        </a:fontRef>
-      </dsp:style>
-      <dsp:txBody>
-        <a:bodyPr spcFirstLastPara="0" vert="horz" wrap="square" lIns="53340" tIns="53340" rIns="53340" bIns="53340" numCol="1" spcCol="1270" anchor="ctr" anchorCtr="0">
-          <a:noAutofit/>
-        </a:bodyPr>
-        <a:lstStyle/>
-        <a:p>
-          <a:pPr lvl="0" algn="ctr" defTabSz="622300">
-            <a:lnSpc>
-              <a:spcPct val="90000"/>
-            </a:lnSpc>
-            <a:spcBef>
-              <a:spcPct val="0"/>
-            </a:spcBef>
-            <a:spcAft>
-              <a:spcPct val="35000"/>
-            </a:spcAft>
-          </a:pPr>
-          <a:r>
-            <a:rPr lang="en-US" sz="1400" kern="1200" dirty="0" smtClean="0">
-              <a:sym typeface="Wingdings" pitchFamily="2" charset="2"/>
-            </a:rPr>
-            <a:t>Data extractor actor 1</a:t>
-          </a:r>
-          <a:endParaRPr lang="en-US" sz="1400" kern="1200" dirty="0"/>
-        </a:p>
-      </dsp:txBody>
-      <dsp:txXfrm>
-        <a:off x="4234392" y="3615309"/>
-        <a:ext cx="1246510" cy="1563883"/>
-      </dsp:txXfrm>
-    </dsp:sp>
-    <dsp:sp modelId="{F8FBA849-4974-4207-B018-C37A0A5E519A}">
-      <dsp:nvSpPr>
-        <dsp:cNvPr id="0" name=""/>
-        <dsp:cNvSpPr/>
-      </dsp:nvSpPr>
-      <dsp:spPr>
-        <a:xfrm>
-          <a:off x="5575294" y="3576528"/>
-          <a:ext cx="1324072" cy="1641445"/>
-        </a:xfrm>
-        <a:prstGeom prst="roundRect">
-          <a:avLst>
-            <a:gd name="adj" fmla="val 10000"/>
-          </a:avLst>
-        </a:prstGeom>
-        <a:solidFill>
-          <a:schemeClr val="lt1">
-            <a:hueOff val="0"/>
-            <a:satOff val="0"/>
-            <a:lumOff val="0"/>
-            <a:alphaOff val="0"/>
-          </a:schemeClr>
-        </a:solidFill>
-        <a:ln w="38100" cap="flat" cmpd="sng" algn="ctr">
-          <a:solidFill>
-            <a:schemeClr val="accent1">
-              <a:shade val="80000"/>
-              <a:hueOff val="0"/>
-              <a:satOff val="0"/>
-              <a:lumOff val="0"/>
-              <a:alphaOff val="0"/>
-            </a:schemeClr>
-          </a:solidFill>
-          <a:prstDash val="solid"/>
-        </a:ln>
-        <a:effectLst>
-          <a:outerShdw blurRad="40000" dist="20000" dir="5400000" rotWithShape="0">
-            <a:srgbClr val="000000">
-              <a:alpha val="38000"/>
-            </a:srgbClr>
-          </a:outerShdw>
-        </a:effectLst>
-      </dsp:spPr>
-      <dsp:style>
-        <a:lnRef idx="3">
-          <a:scrgbClr r="0" g="0" b="0"/>
-        </a:lnRef>
-        <a:fillRef idx="1">
-          <a:scrgbClr r="0" g="0" b="0"/>
-        </a:fillRef>
-        <a:effectRef idx="1">
-          <a:scrgbClr r="0" g="0" b="0"/>
-        </a:effectRef>
-        <a:fontRef idx="minor">
-          <a:schemeClr val="lt1"/>
-        </a:fontRef>
-      </dsp:style>
-      <dsp:txBody>
-        <a:bodyPr spcFirstLastPara="0" vert="horz" wrap="square" lIns="53340" tIns="53340" rIns="53340" bIns="53340" numCol="1" spcCol="1270" anchor="ctr" anchorCtr="0">
-          <a:noAutofit/>
-        </a:bodyPr>
-        <a:lstStyle/>
-        <a:p>
-          <a:pPr lvl="0" algn="ctr" defTabSz="622300">
-            <a:lnSpc>
-              <a:spcPct val="90000"/>
-            </a:lnSpc>
-            <a:spcBef>
-              <a:spcPct val="0"/>
-            </a:spcBef>
-            <a:spcAft>
-              <a:spcPct val="35000"/>
-            </a:spcAft>
-          </a:pPr>
-          <a:r>
-            <a:rPr lang="en-US" sz="1400" kern="1200" dirty="0" smtClean="0"/>
-            <a:t>…</a:t>
-          </a:r>
-          <a:endParaRPr lang="en-US" sz="1400" kern="1200" dirty="0"/>
-        </a:p>
-      </dsp:txBody>
-      <dsp:txXfrm>
-        <a:off x="5614075" y="3615309"/>
-        <a:ext cx="1246510" cy="1563883"/>
-      </dsp:txXfrm>
-    </dsp:sp>
-    <dsp:sp modelId="{50523C8D-6152-4C40-AE2C-EB3625435564}">
-      <dsp:nvSpPr>
-        <dsp:cNvPr id="0" name=""/>
-        <dsp:cNvSpPr/>
-      </dsp:nvSpPr>
-      <dsp:spPr>
-        <a:xfrm>
-          <a:off x="6954977" y="3576528"/>
-          <a:ext cx="1324072" cy="1641445"/>
-        </a:xfrm>
-        <a:prstGeom prst="roundRect">
-          <a:avLst>
-            <a:gd name="adj" fmla="val 10000"/>
-          </a:avLst>
-        </a:prstGeom>
-        <a:solidFill>
-          <a:schemeClr val="lt1">
-            <a:hueOff val="0"/>
-            <a:satOff val="0"/>
-            <a:lumOff val="0"/>
-            <a:alphaOff val="0"/>
-          </a:schemeClr>
-        </a:solidFill>
-        <a:ln w="38100" cap="flat" cmpd="sng" algn="ctr">
-          <a:solidFill>
-            <a:schemeClr val="accent1">
-              <a:shade val="80000"/>
-              <a:hueOff val="0"/>
-              <a:satOff val="0"/>
-              <a:lumOff val="0"/>
-              <a:alphaOff val="0"/>
-            </a:schemeClr>
-          </a:solidFill>
-          <a:prstDash val="solid"/>
-        </a:ln>
-        <a:effectLst>
-          <a:outerShdw blurRad="40000" dist="20000" dir="5400000" rotWithShape="0">
-            <a:srgbClr val="000000">
-              <a:alpha val="38000"/>
-            </a:srgbClr>
-          </a:outerShdw>
-        </a:effectLst>
-      </dsp:spPr>
-      <dsp:style>
-        <a:lnRef idx="3">
-          <a:scrgbClr r="0" g="0" b="0"/>
-        </a:lnRef>
-        <a:fillRef idx="1">
-          <a:scrgbClr r="0" g="0" b="0"/>
-        </a:fillRef>
-        <a:effectRef idx="1">
-          <a:scrgbClr r="0" g="0" b="0"/>
-        </a:effectRef>
-        <a:fontRef idx="minor">
-          <a:schemeClr val="lt1"/>
-        </a:fontRef>
-      </dsp:style>
-      <dsp:txBody>
-        <a:bodyPr spcFirstLastPara="0" vert="horz" wrap="square" lIns="53340" tIns="53340" rIns="53340" bIns="53340" numCol="1" spcCol="1270" anchor="ctr" anchorCtr="0">
-          <a:noAutofit/>
-        </a:bodyPr>
-        <a:lstStyle/>
-        <a:p>
-          <a:pPr lvl="0" algn="ctr" defTabSz="622300">
-            <a:lnSpc>
-              <a:spcPct val="90000"/>
-            </a:lnSpc>
-            <a:spcBef>
-              <a:spcPct val="0"/>
-            </a:spcBef>
-            <a:spcAft>
-              <a:spcPct val="35000"/>
-            </a:spcAft>
-          </a:pPr>
-          <a:r>
-            <a:rPr lang="en-US" sz="1400" kern="1200" dirty="0" smtClean="0">
-              <a:sym typeface="Wingdings" pitchFamily="2" charset="2"/>
-            </a:rPr>
-            <a:t>Data extractor actor m</a:t>
-          </a:r>
-          <a:endParaRPr lang="en-US" sz="1400" kern="1200" dirty="0"/>
-        </a:p>
-      </dsp:txBody>
-      <dsp:txXfrm>
-        <a:off x="6993758" y="3615309"/>
-        <a:ext cx="1246510" cy="1563883"/>
-      </dsp:txXfrm>
-    </dsp:sp>
   </dsp:spTree>
 </dsp:drawing>
 </file>
@@ -7434,195 +5435,6 @@
       <dsp:cNvGrpSpPr/>
     </dsp:nvGrpSpPr>
     <dsp:grpSpPr/>
-    <dsp:sp modelId="{E428EA10-02C6-47D4-94EA-1963F7040D2B}">
-      <dsp:nvSpPr>
-        <dsp:cNvPr id="0" name=""/>
-        <dsp:cNvSpPr/>
-      </dsp:nvSpPr>
-      <dsp:spPr>
-        <a:xfrm>
-          <a:off x="4042" y="1209"/>
-          <a:ext cx="8271914" cy="2497851"/>
-        </a:xfrm>
-        <a:prstGeom prst="roundRect">
-          <a:avLst>
-            <a:gd name="adj" fmla="val 10000"/>
-          </a:avLst>
-        </a:prstGeom>
-        <a:solidFill>
-          <a:schemeClr val="lt1">
-            <a:hueOff val="0"/>
-            <a:satOff val="0"/>
-            <a:lumOff val="0"/>
-            <a:alphaOff val="0"/>
-          </a:schemeClr>
-        </a:solidFill>
-        <a:ln w="38100" cap="flat" cmpd="sng" algn="ctr">
-          <a:solidFill>
-            <a:schemeClr val="accent1">
-              <a:shade val="80000"/>
-              <a:hueOff val="0"/>
-              <a:satOff val="0"/>
-              <a:lumOff val="0"/>
-              <a:alphaOff val="0"/>
-            </a:schemeClr>
-          </a:solidFill>
-          <a:prstDash val="solid"/>
-        </a:ln>
-        <a:effectLst>
-          <a:outerShdw blurRad="40000" dist="20000" dir="5400000" rotWithShape="0">
-            <a:srgbClr val="000000">
-              <a:alpha val="38000"/>
-            </a:srgbClr>
-          </a:outerShdw>
-        </a:effectLst>
-      </dsp:spPr>
-      <dsp:style>
-        <a:lnRef idx="3">
-          <a:scrgbClr r="0" g="0" b="0"/>
-        </a:lnRef>
-        <a:fillRef idx="1">
-          <a:scrgbClr r="0" g="0" b="0"/>
-        </a:fillRef>
-        <a:effectRef idx="1">
-          <a:scrgbClr r="0" g="0" b="0"/>
-        </a:effectRef>
-        <a:fontRef idx="minor">
-          <a:schemeClr val="lt1"/>
-        </a:fontRef>
-      </dsp:style>
-      <dsp:txBody>
-        <a:bodyPr spcFirstLastPara="0" vert="horz" wrap="square" lIns="247650" tIns="247650" rIns="247650" bIns="247650" numCol="1" spcCol="1270" anchor="ctr" anchorCtr="0">
-          <a:noAutofit/>
-        </a:bodyPr>
-        <a:lstStyle/>
-        <a:p>
-          <a:pPr lvl="0" algn="ctr" defTabSz="2889250">
-            <a:lnSpc>
-              <a:spcPct val="90000"/>
-            </a:lnSpc>
-            <a:spcBef>
-              <a:spcPct val="0"/>
-            </a:spcBef>
-            <a:spcAft>
-              <a:spcPct val="35000"/>
-            </a:spcAft>
-          </a:pPr>
-          <a:r>
-            <a:rPr lang="en-US" sz="6500" kern="1200" dirty="0" smtClean="0"/>
-            <a:t>Persistence master actor</a:t>
-          </a:r>
-          <a:endParaRPr lang="en-US" sz="6500" kern="1200" dirty="0"/>
-        </a:p>
-      </dsp:txBody>
-      <dsp:txXfrm>
-        <a:off x="77202" y="74369"/>
-        <a:ext cx="8125594" cy="2351531"/>
-      </dsp:txXfrm>
-    </dsp:sp>
-    <dsp:sp modelId="{3FDFCB31-4CAF-45E6-8ECC-D60C4DA7C2E6}">
-      <dsp:nvSpPr>
-        <dsp:cNvPr id="0" name=""/>
-        <dsp:cNvSpPr/>
-      </dsp:nvSpPr>
-      <dsp:spPr>
-        <a:xfrm>
-          <a:off x="4042" y="2720939"/>
-          <a:ext cx="8271914" cy="2497851"/>
-        </a:xfrm>
-        <a:prstGeom prst="roundRect">
-          <a:avLst>
-            <a:gd name="adj" fmla="val 10000"/>
-          </a:avLst>
-        </a:prstGeom>
-        <a:solidFill>
-          <a:schemeClr val="lt1">
-            <a:hueOff val="0"/>
-            <a:satOff val="0"/>
-            <a:lumOff val="0"/>
-            <a:alphaOff val="0"/>
-          </a:schemeClr>
-        </a:solidFill>
-        <a:ln w="38100" cap="flat" cmpd="sng" algn="ctr">
-          <a:solidFill>
-            <a:schemeClr val="accent1">
-              <a:shade val="80000"/>
-              <a:hueOff val="0"/>
-              <a:satOff val="0"/>
-              <a:lumOff val="0"/>
-              <a:alphaOff val="0"/>
-            </a:schemeClr>
-          </a:solidFill>
-          <a:prstDash val="solid"/>
-        </a:ln>
-        <a:effectLst>
-          <a:outerShdw blurRad="40000" dist="20000" dir="5400000" rotWithShape="0">
-            <a:srgbClr val="000000">
-              <a:alpha val="38000"/>
-            </a:srgbClr>
-          </a:outerShdw>
-        </a:effectLst>
-      </dsp:spPr>
-      <dsp:style>
-        <a:lnRef idx="3">
-          <a:scrgbClr r="0" g="0" b="0"/>
-        </a:lnRef>
-        <a:fillRef idx="1">
-          <a:scrgbClr r="0" g="0" b="0"/>
-        </a:fillRef>
-        <a:effectRef idx="1">
-          <a:scrgbClr r="0" g="0" b="0"/>
-        </a:effectRef>
-        <a:fontRef idx="minor">
-          <a:schemeClr val="lt1"/>
-        </a:fontRef>
-      </dsp:style>
-      <dsp:txBody>
-        <a:bodyPr spcFirstLastPara="0" vert="horz" wrap="square" lIns="152400" tIns="152400" rIns="152400" bIns="152400" numCol="1" spcCol="1270" anchor="ctr" anchorCtr="0">
-          <a:noAutofit/>
-        </a:bodyPr>
-        <a:lstStyle/>
-        <a:p>
-          <a:pPr lvl="0" algn="ctr" defTabSz="1778000">
-            <a:lnSpc>
-              <a:spcPct val="90000"/>
-            </a:lnSpc>
-            <a:spcBef>
-              <a:spcPct val="0"/>
-            </a:spcBef>
-            <a:spcAft>
-              <a:spcPct val="35000"/>
-            </a:spcAft>
-          </a:pPr>
-          <a:r>
-            <a:rPr lang="en-US" sz="4000" kern="1200" dirty="0" smtClean="0"/>
-            <a:t>Persistence actor</a:t>
-          </a:r>
-        </a:p>
-        <a:p>
-          <a:pPr lvl="0" algn="ctr" defTabSz="1778000">
-            <a:lnSpc>
-              <a:spcPct val="90000"/>
-            </a:lnSpc>
-            <a:spcBef>
-              <a:spcPct val="0"/>
-            </a:spcBef>
-            <a:spcAft>
-              <a:spcPct val="35000"/>
-            </a:spcAft>
-          </a:pPr>
-          <a:r>
-            <a:rPr lang="en-US" sz="3200" kern="1200" dirty="0" smtClean="0"/>
-            <a:t>- handles all persistence requests -</a:t>
-          </a:r>
-          <a:endParaRPr lang="en-US" sz="3200" kern="1200" dirty="0"/>
-        </a:p>
-      </dsp:txBody>
-      <dsp:txXfrm>
-        <a:off x="77202" y="2794099"/>
-        <a:ext cx="8125594" cy="2351531"/>
-      </dsp:txXfrm>
-    </dsp:sp>
   </dsp:spTree>
 </dsp:drawing>
 </file>
@@ -14534,7 +12346,7 @@
             <a:fld id="{7DBBEE7F-6418-4528-B369-45DA9DE66461}" type="slidenum">
               <a:rPr lang="en-US" smtClean="0"/>
               <a:pPr/>
-              <a:t>22</a:t>
+              <a:t>23</a:t>
             </a:fld>
             <a:endParaRPr lang="en-US"/>
           </a:p>
@@ -16750,13 +14562,22 @@
         </p:nvSpPr>
         <p:spPr/>
         <p:txBody>
-          <a:bodyPr/>
+          <a:bodyPr>
+            <a:normAutofit fontScale="85000" lnSpcReduction="20000"/>
+          </a:bodyPr>
           <a:lstStyle/>
           <a:p>
             <a:r>
               <a:rPr lang="en-US" dirty="0" smtClean="0"/>
-              <a:t>Presenters:</a:t>
-            </a:r>
+              <a:t>Presenters</a:t>
+            </a:r>
+            <a:r>
+              <a:rPr lang="en-US" dirty="0" smtClean="0"/>
+              <a:t>:</a:t>
+            </a:r>
+          </a:p>
+          <a:p>
+            <a:endParaRPr lang="en-US" dirty="0" smtClean="0"/>
           </a:p>
           <a:p>
             <a:pPr marL="342900" indent="-342900">
@@ -16775,6 +14596,20 @@
               <a:rPr lang="en-US" dirty="0" err="1" smtClean="0"/>
               <a:t>Ciumag</a:t>
             </a:r>
+            <a:endParaRPr lang="en-US" dirty="0"/>
+          </a:p>
+          <a:p>
+            <a:pPr lvl="1"/>
+            <a:r>
+              <a:rPr lang="en-US" dirty="0" smtClean="0">
+                <a:hlinkClick r:id="rId2"/>
+              </a:rPr>
+              <a:t>radu.ciumag@endava.com</a:t>
+            </a:r>
+            <a:endParaRPr lang="en-US" dirty="0" smtClean="0"/>
+          </a:p>
+          <a:p>
+            <a:pPr lvl="1"/>
             <a:endParaRPr lang="en-US" dirty="0" smtClean="0"/>
           </a:p>
           <a:p>
@@ -16784,8 +14619,25 @@
             </a:pPr>
             <a:r>
               <a:rPr lang="en-US" dirty="0" smtClean="0"/>
-              <a:t>Marian Matei</a:t>
-            </a:r>
+              <a:t>Marian </a:t>
+            </a:r>
+            <a:r>
+              <a:rPr lang="en-US" dirty="0" smtClean="0"/>
+              <a:t>Matei</a:t>
+            </a:r>
+          </a:p>
+          <a:p>
+            <a:pPr lvl="1"/>
+            <a:r>
+              <a:rPr lang="en-US" dirty="0" smtClean="0">
+                <a:hlinkClick r:id="rId3"/>
+              </a:rPr>
+              <a:t>marian.matei@endava.com</a:t>
+            </a:r>
+            <a:endParaRPr lang="en-US" dirty="0" smtClean="0"/>
+          </a:p>
+          <a:p>
+            <a:pPr lvl="1"/>
             <a:endParaRPr lang="en-US" dirty="0"/>
           </a:p>
         </p:txBody>
@@ -17659,11 +15511,23 @@
           <a:p>
             <a:r>
               <a:rPr lang="en-US" sz="2400" b="1" dirty="0" smtClean="0"/>
-              <a:t> Give </a:t>
+              <a:t> </a:t>
+            </a:r>
+            <a:r>
+              <a:rPr lang="en-US" sz="2400" dirty="0" smtClean="0"/>
+              <a:t>Give </a:t>
+            </a:r>
+            <a:r>
+              <a:rPr lang="en-US" sz="2400" dirty="0"/>
+              <a:t>up and </a:t>
             </a:r>
             <a:r>
               <a:rPr lang="en-US" sz="2400" b="1" dirty="0"/>
-              <a:t>up and escalate to the supervisor</a:t>
+              <a:t>escalate</a:t>
+            </a:r>
+            <a:r>
+              <a:rPr lang="en-US" sz="2400" dirty="0"/>
+              <a:t> to the supervisor</a:t>
             </a:r>
           </a:p>
         </p:txBody>
@@ -18119,7 +15983,7 @@
         <p:spPr/>
         <p:txBody>
           <a:bodyPr>
-            <a:normAutofit fontScale="70000" lnSpcReduction="20000"/>
+            <a:normAutofit fontScale="85000" lnSpcReduction="10000"/>
           </a:bodyPr>
           <a:lstStyle/>
           <a:p>
@@ -18227,61 +16091,9 @@
               <a:t>forwards the same message to all the </a:t>
             </a:r>
             <a:r>
-              <a:rPr lang="en-US" sz="2400" dirty="0" err="1"/>
+              <a:rPr lang="en-US" sz="2400" dirty="0" err="1" smtClean="0"/>
               <a:t>routees</a:t>
             </a:r>
-            <a:endParaRPr lang="en-US" sz="2400" dirty="0"/>
-          </a:p>
-          <a:p>
-            <a:r>
-              <a:rPr lang="en-US" sz="2400" b="1" dirty="0"/>
-              <a:t>Scatter gather first completed router:</a:t>
-            </a:r>
-            <a:r>
-              <a:rPr lang="en-US" sz="2400" dirty="0"/>
-              <a:t> </a:t>
-            </a:r>
-            <a:endParaRPr lang="en-US" sz="2400" dirty="0" smtClean="0"/>
-          </a:p>
-          <a:p>
-            <a:pPr lvl="3"/>
-            <a:r>
-              <a:rPr lang="en-US" sz="2400" dirty="0" smtClean="0"/>
-              <a:t>It </a:t>
-            </a:r>
-            <a:r>
-              <a:rPr lang="en-US" sz="2400" dirty="0"/>
-              <a:t>forwards the message to all its </a:t>
-            </a:r>
-            <a:r>
-              <a:rPr lang="en-US" sz="2400" dirty="0" err="1"/>
-              <a:t>routees</a:t>
-            </a:r>
-            <a:r>
-              <a:rPr lang="en-US" sz="2400" dirty="0"/>
-              <a:t> as a </a:t>
-            </a:r>
-            <a:r>
-              <a:rPr lang="en-US" sz="2400" i="1" dirty="0"/>
-              <a:t>future</a:t>
-            </a:r>
-            <a:r>
-              <a:rPr lang="en-US" sz="2400" dirty="0"/>
-              <a:t>, then whichever </a:t>
-            </a:r>
-            <a:r>
-              <a:rPr lang="en-US" sz="2400" dirty="0" err="1"/>
-              <a:t>routee</a:t>
-            </a:r>
-            <a:r>
-              <a:rPr lang="en-US" sz="2400" dirty="0"/>
-              <a:t> actor responds back, it takes the results and sends them back to the caller</a:t>
-            </a:r>
-          </a:p>
-          <a:p>
-            <a:pPr marL="0" indent="0">
-              <a:buNone/>
-            </a:pPr>
             <a:endParaRPr lang="en-US" sz="2400" dirty="0"/>
           </a:p>
         </p:txBody>
@@ -18344,7 +16156,7 @@
             </a:r>
             <a:r>
               <a:rPr lang="en-US" dirty="0" smtClean="0"/>
-              <a:t> Dispatchers</a:t>
+              <a:t> Routers - Types</a:t>
             </a:r>
             <a:endParaRPr lang="en-US" dirty="0"/>
           </a:p>
@@ -18387,53 +16199,141 @@
         <p:spPr/>
         <p:txBody>
           <a:bodyPr>
-            <a:normAutofit/>
+            <a:normAutofit fontScale="85000" lnSpcReduction="10000"/>
           </a:bodyPr>
           <a:lstStyle/>
           <a:p>
             <a:r>
+              <a:rPr lang="en-US" sz="2400" b="1" dirty="0" smtClean="0"/>
+              <a:t>Scatter </a:t>
+            </a:r>
+            <a:r>
+              <a:rPr lang="en-US" sz="2400" b="1" dirty="0"/>
+              <a:t>gather first completed router:</a:t>
+            </a:r>
+            <a:r>
+              <a:rPr lang="en-US" sz="2400" dirty="0"/>
+              <a:t> </a:t>
+            </a:r>
+            <a:endParaRPr lang="en-US" sz="2400" dirty="0" smtClean="0"/>
+          </a:p>
+          <a:p>
+            <a:pPr lvl="3"/>
+            <a:r>
               <a:rPr lang="en-US" sz="2400" dirty="0" smtClean="0"/>
-              <a:t> Based </a:t>
+              <a:t>It </a:t>
             </a:r>
             <a:r>
               <a:rPr lang="en-US" sz="2400" dirty="0"/>
-              <a:t>on the Java Executor framework - execution of </a:t>
-            </a:r>
-            <a:r>
-              <a:rPr lang="en-US" sz="2400" b="1" dirty="0"/>
-              <a:t>asynchronous</a:t>
+              <a:t>forwards the message to all its </a:t>
+            </a:r>
+            <a:r>
+              <a:rPr lang="en-US" sz="2400" dirty="0" err="1"/>
+              <a:t>routees</a:t>
             </a:r>
             <a:r>
               <a:rPr lang="en-US" sz="2400" dirty="0"/>
-              <a:t> tasks</a:t>
-            </a:r>
-          </a:p>
-          <a:p>
+              <a:t> as a </a:t>
+            </a:r>
+            <a:r>
+              <a:rPr lang="en-US" sz="2400" i="1" dirty="0"/>
+              <a:t>future</a:t>
+            </a:r>
+            <a:r>
+              <a:rPr lang="en-US" sz="2400" dirty="0"/>
+              <a:t>, then whichever </a:t>
+            </a:r>
+            <a:r>
+              <a:rPr lang="en-US" sz="2400" dirty="0" err="1"/>
+              <a:t>routee</a:t>
+            </a:r>
+            <a:r>
+              <a:rPr lang="en-US" sz="2400" dirty="0"/>
+              <a:t> actor responds back, it takes the results and sends them back to the </a:t>
+            </a:r>
             <a:r>
               <a:rPr lang="en-US" sz="2400" dirty="0" smtClean="0"/>
-              <a:t> Controls </a:t>
+              <a:t>caller</a:t>
+            </a:r>
+          </a:p>
+          <a:p>
+            <a:r>
+              <a:rPr lang="en-US" sz="2400" b="1" dirty="0" smtClean="0"/>
+              <a:t>Tail chopping router</a:t>
+            </a:r>
+            <a:endParaRPr lang="en-US" sz="2400" dirty="0"/>
+          </a:p>
+          <a:p>
+            <a:pPr lvl="3"/>
+            <a:r>
+              <a:rPr lang="en-US" sz="2400" dirty="0" smtClean="0"/>
+              <a:t>Since </a:t>
+            </a:r>
+            <a:r>
+              <a:rPr lang="en-US" sz="2400" dirty="0" err="1" smtClean="0"/>
+              <a:t>Akka</a:t>
+            </a:r>
+            <a:r>
+              <a:rPr lang="en-US" sz="2400" dirty="0" smtClean="0"/>
+              <a:t> 2.3.5</a:t>
+            </a:r>
+          </a:p>
+          <a:p>
+            <a:pPr lvl="3"/>
+            <a:r>
+              <a:rPr lang="en-US" sz="2400" dirty="0" smtClean="0"/>
+              <a:t>Will </a:t>
             </a:r>
             <a:r>
               <a:rPr lang="en-US" sz="2400" dirty="0"/>
-              <a:t>and coordinates the message dispatching to the actors mapped on the underlying threads</a:t>
-            </a:r>
-          </a:p>
-          <a:p>
-            <a:r>
-              <a:rPr lang="en-US" sz="2400" dirty="0" smtClean="0"/>
-              <a:t> The </a:t>
+              <a:t>first send the message to one, randomly picked, </a:t>
+            </a:r>
+            <a:r>
+              <a:rPr lang="en-US" sz="2400" dirty="0" err="1"/>
+              <a:t>routee</a:t>
             </a:r>
             <a:r>
               <a:rPr lang="en-US" sz="2400" dirty="0"/>
-              <a:t>application needs to specify which dispatcher policy is used for which actors</a:t>
-            </a:r>
+              <a:t> and then after a small delay to </a:t>
+            </a:r>
+            <a:r>
+              <a:rPr lang="en-US" sz="2400" dirty="0" err="1"/>
+              <a:t>to</a:t>
+            </a:r>
+            <a:r>
+              <a:rPr lang="en-US" sz="2400" dirty="0"/>
+              <a:t> a second </a:t>
+            </a:r>
+            <a:r>
+              <a:rPr lang="en-US" sz="2400" dirty="0" err="1"/>
+              <a:t>routee</a:t>
+            </a:r>
+            <a:r>
+              <a:rPr lang="en-US" sz="2400" dirty="0"/>
+              <a:t> (picked randomly from the remaining </a:t>
+            </a:r>
+            <a:r>
+              <a:rPr lang="en-US" sz="2400" dirty="0" err="1"/>
+              <a:t>routees</a:t>
+            </a:r>
+            <a:r>
+              <a:rPr lang="en-US" sz="2400" dirty="0"/>
+              <a:t>) and so on. It waits for first reply it gets back and forwards it back to original sender. Other replies are discarded.</a:t>
+            </a:r>
+            <a:endParaRPr lang="en-US" sz="2400" dirty="0"/>
+          </a:p>
+          <a:p>
+            <a:pPr marL="0" indent="0">
+              <a:buNone/>
+            </a:pPr>
+            <a:endParaRPr lang="en-US" sz="2400" dirty="0"/>
           </a:p>
         </p:txBody>
       </p:sp>
     </p:spTree>
     <p:extLst>
       <p:ext uri="{BB962C8B-B14F-4D97-AF65-F5344CB8AC3E}">
-        <p14:creationId xmlns:p14="http://schemas.microsoft.com/office/powerpoint/2010/main" val="630845680"/>
+        <p14:creationId xmlns:p14="http://schemas.microsoft.com/office/powerpoint/2010/main" val="3600427366"/>
       </p:ext>
     </p:extLst>
   </p:cSld>
@@ -18513,6 +16413,150 @@
               <a:rPr lang="en-US" smtClean="0"/>
               <a:pPr/>
               <a:t>18</a:t>
+            </a:fld>
+            <a:endParaRPr lang="en-US" dirty="0"/>
+          </a:p>
+        </p:txBody>
+      </p:sp>
+      <p:sp>
+        <p:nvSpPr>
+          <p:cNvPr id="4" name="Content Placeholder 3"/>
+          <p:cNvSpPr>
+            <a:spLocks noGrp="1"/>
+          </p:cNvSpPr>
+          <p:nvPr>
+            <p:ph idx="1"/>
+          </p:nvPr>
+        </p:nvSpPr>
+        <p:spPr/>
+        <p:txBody>
+          <a:bodyPr>
+            <a:normAutofit/>
+          </a:bodyPr>
+          <a:lstStyle/>
+          <a:p>
+            <a:r>
+              <a:rPr lang="en-US" sz="2400" dirty="0" smtClean="0"/>
+              <a:t> Based </a:t>
+            </a:r>
+            <a:r>
+              <a:rPr lang="en-US" sz="2400" dirty="0"/>
+              <a:t>on the Java Executor framework - execution of </a:t>
+            </a:r>
+            <a:r>
+              <a:rPr lang="en-US" sz="2400" b="1" dirty="0"/>
+              <a:t>asynchronous</a:t>
+            </a:r>
+            <a:r>
+              <a:rPr lang="en-US" sz="2400" dirty="0"/>
+              <a:t> tasks</a:t>
+            </a:r>
+          </a:p>
+          <a:p>
+            <a:r>
+              <a:rPr lang="en-US" sz="2400" dirty="0" smtClean="0"/>
+              <a:t> Controls </a:t>
+            </a:r>
+            <a:r>
+              <a:rPr lang="en-US" sz="2400" dirty="0"/>
+              <a:t>and coordinates the message dispatching to the actors mapped on the underlying threads</a:t>
+            </a:r>
+          </a:p>
+          <a:p>
+            <a:r>
+              <a:rPr lang="en-US" sz="2400" dirty="0" smtClean="0"/>
+              <a:t> The </a:t>
+            </a:r>
+            <a:r>
+              <a:rPr lang="en-US" sz="2400" dirty="0"/>
+              <a:t>application needs to specify which dispatcher policy is used for which actors</a:t>
+            </a:r>
+          </a:p>
+        </p:txBody>
+      </p:sp>
+    </p:spTree>
+    <p:extLst>
+      <p:ext uri="{BB962C8B-B14F-4D97-AF65-F5344CB8AC3E}">
+        <p14:creationId xmlns:p14="http://schemas.microsoft.com/office/powerpoint/2010/main" val="630845680"/>
+      </p:ext>
+    </p:extLst>
+  </p:cSld>
+  <p:clrMapOvr>
+    <a:masterClrMapping/>
+  </p:clrMapOvr>
+  <p:timing>
+    <p:tnLst>
+      <p:par>
+        <p:cTn id="1" dur="indefinite" restart="never" nodeType="tmRoot"/>
+      </p:par>
+    </p:tnLst>
+  </p:timing>
+</p:sld>
+</file>
+
+<file path=ppt/slides/slide19.xml><?xml version="1.0" encoding="utf-8"?>
+<p:sld xmlns:a="http://schemas.openxmlformats.org/drawingml/2006/main" xmlns:r="http://schemas.openxmlformats.org/officeDocument/2006/relationships" xmlns:p="http://schemas.openxmlformats.org/presentationml/2006/main">
+  <p:cSld>
+    <p:spTree>
+      <p:nvGrpSpPr>
+        <p:cNvPr id="1" name=""/>
+        <p:cNvGrpSpPr/>
+        <p:nvPr/>
+      </p:nvGrpSpPr>
+      <p:grpSpPr>
+        <a:xfrm>
+          <a:off x="0" y="0"/>
+          <a:ext cx="0" cy="0"/>
+          <a:chOff x="0" y="0"/>
+          <a:chExt cx="0" cy="0"/>
+        </a:xfrm>
+      </p:grpSpPr>
+      <p:sp>
+        <p:nvSpPr>
+          <p:cNvPr id="2" name="Title 1"/>
+          <p:cNvSpPr>
+            <a:spLocks noGrp="1"/>
+          </p:cNvSpPr>
+          <p:nvPr>
+            <p:ph type="title"/>
+          </p:nvPr>
+        </p:nvSpPr>
+        <p:spPr/>
+        <p:txBody>
+          <a:bodyPr/>
+          <a:lstStyle/>
+          <a:p>
+            <a:r>
+              <a:rPr lang="en-US" dirty="0" err="1" smtClean="0"/>
+              <a:t>Akka</a:t>
+            </a:r>
+            <a:r>
+              <a:rPr lang="en-US" dirty="0" smtClean="0"/>
+              <a:t> Dispatchers</a:t>
+            </a:r>
+            <a:endParaRPr lang="en-US" dirty="0"/>
+          </a:p>
+        </p:txBody>
+      </p:sp>
+      <p:sp>
+        <p:nvSpPr>
+          <p:cNvPr id="3" name="Slide Number Placeholder 2"/>
+          <p:cNvSpPr>
+            <a:spLocks noGrp="1"/>
+          </p:cNvSpPr>
+          <p:nvPr>
+            <p:ph type="sldNum" sz="quarter" idx="11"/>
+          </p:nvPr>
+        </p:nvSpPr>
+        <p:spPr/>
+        <p:txBody>
+          <a:bodyPr/>
+          <a:lstStyle/>
+          <a:p>
+            <a:fld id="{7F7B3305-BBBC-4059-8348-D8C96BE08C53}" type="slidenum">
+              <a:rPr lang="en-US" smtClean="0"/>
+              <a:pPr/>
+              <a:t>19</a:t>
             </a:fld>
             <a:endParaRPr lang="en-US" dirty="0"/>
           </a:p>
@@ -18706,176 +16750,6 @@
 </p:sld>
 </file>
 
-<file path=ppt/slides/slide19.xml><?xml version="1.0" encoding="utf-8"?>
-<p:sld xmlns:a="http://schemas.openxmlformats.org/drawingml/2006/main" xmlns:r="http://schemas.openxmlformats.org/officeDocument/2006/relationships" xmlns:p="http://schemas.openxmlformats.org/presentationml/2006/main">
-  <p:cSld>
-    <p:spTree>
-      <p:nvGrpSpPr>
-        <p:cNvPr id="1" name=""/>
-        <p:cNvGrpSpPr/>
-        <p:nvPr/>
-      </p:nvGrpSpPr>
-      <p:grpSpPr>
-        <a:xfrm>
-          <a:off x="0" y="0"/>
-          <a:ext cx="0" cy="0"/>
-          <a:chOff x="0" y="0"/>
-          <a:chExt cx="0" cy="0"/>
-        </a:xfrm>
-      </p:grpSpPr>
-      <p:sp>
-        <p:nvSpPr>
-          <p:cNvPr id="2" name="Title 1"/>
-          <p:cNvSpPr>
-            <a:spLocks noGrp="1"/>
-          </p:cNvSpPr>
-          <p:nvPr>
-            <p:ph type="title"/>
-          </p:nvPr>
-        </p:nvSpPr>
-        <p:spPr/>
-        <p:txBody>
-          <a:bodyPr/>
-          <a:lstStyle/>
-          <a:p>
-            <a:r>
-              <a:rPr lang="en-US" dirty="0" err="1" smtClean="0"/>
-              <a:t>Akka</a:t>
-            </a:r>
-            <a:r>
-              <a:rPr lang="en-US" dirty="0" smtClean="0"/>
-              <a:t> </a:t>
-            </a:r>
-            <a:r>
-              <a:rPr lang="en-US" dirty="0" err="1" smtClean="0"/>
-              <a:t>Remoting</a:t>
-            </a:r>
-            <a:endParaRPr lang="en-US" dirty="0"/>
-          </a:p>
-        </p:txBody>
-      </p:sp>
-      <p:sp>
-        <p:nvSpPr>
-          <p:cNvPr id="3" name="Slide Number Placeholder 2"/>
-          <p:cNvSpPr>
-            <a:spLocks noGrp="1"/>
-          </p:cNvSpPr>
-          <p:nvPr>
-            <p:ph type="sldNum" sz="quarter" idx="11"/>
-          </p:nvPr>
-        </p:nvSpPr>
-        <p:spPr/>
-        <p:txBody>
-          <a:bodyPr/>
-          <a:lstStyle/>
-          <a:p>
-            <a:fld id="{7F7B3305-BBBC-4059-8348-D8C96BE08C53}" type="slidenum">
-              <a:rPr lang="en-US" smtClean="0"/>
-              <a:pPr/>
-              <a:t>19</a:t>
-            </a:fld>
-            <a:endParaRPr lang="en-US" dirty="0"/>
-          </a:p>
-        </p:txBody>
-      </p:sp>
-      <p:sp>
-        <p:nvSpPr>
-          <p:cNvPr id="4" name="Content Placeholder 3"/>
-          <p:cNvSpPr>
-            <a:spLocks noGrp="1"/>
-          </p:cNvSpPr>
-          <p:nvPr>
-            <p:ph idx="1"/>
-          </p:nvPr>
-        </p:nvSpPr>
-        <p:spPr/>
-        <p:txBody>
-          <a:bodyPr>
-            <a:normAutofit/>
-          </a:bodyPr>
-          <a:lstStyle/>
-          <a:p>
-            <a:r>
-              <a:rPr lang="en-US" sz="2000" b="1" dirty="0"/>
-              <a:t>Distributed by </a:t>
-            </a:r>
-            <a:r>
-              <a:rPr lang="en-US" sz="2000" b="1" dirty="0" smtClean="0"/>
-              <a:t>Default</a:t>
-            </a:r>
-          </a:p>
-          <a:p>
-            <a:pPr lvl="2"/>
-            <a:r>
-              <a:rPr lang="en-US" sz="2000" dirty="0" smtClean="0"/>
-              <a:t>use </a:t>
-            </a:r>
-            <a:r>
-              <a:rPr lang="en-US" sz="2000" dirty="0"/>
-              <a:t>purely message passing and everything is </a:t>
-            </a:r>
-            <a:r>
-              <a:rPr lang="en-US" sz="2000" dirty="0" smtClean="0"/>
-              <a:t>asynchronous</a:t>
-            </a:r>
-          </a:p>
-          <a:p>
-            <a:pPr lvl="2"/>
-            <a:r>
-              <a:rPr lang="en-US" sz="2000" dirty="0"/>
-              <a:t>all functions are available equally when running within a single JVM or on a cluster of hundreds of machines</a:t>
-            </a:r>
-            <a:endParaRPr lang="en-US" sz="2000" b="1" dirty="0"/>
-          </a:p>
-          <a:p>
-            <a:r>
-              <a:rPr lang="en-US" sz="2000" b="1" dirty="0"/>
-              <a:t>Ways in which Transparency is </a:t>
-            </a:r>
-            <a:r>
-              <a:rPr lang="en-US" sz="2000" b="1" dirty="0" smtClean="0"/>
-              <a:t>Broken</a:t>
-            </a:r>
-          </a:p>
-          <a:p>
-            <a:pPr lvl="2"/>
-            <a:r>
-              <a:rPr lang="en-US" sz="2000" dirty="0"/>
-              <a:t>all messages sent over the wire must be </a:t>
-            </a:r>
-            <a:r>
-              <a:rPr lang="en-US" sz="2000" dirty="0" err="1" smtClean="0"/>
-              <a:t>serializable</a:t>
-            </a:r>
-            <a:endParaRPr lang="en-US" sz="2000" dirty="0" smtClean="0"/>
-          </a:p>
-          <a:p>
-            <a:pPr lvl="2"/>
-            <a:r>
-              <a:rPr lang="en-US" sz="2000" dirty="0"/>
-              <a:t>everything needs to be aware of all interactions being fully </a:t>
-            </a:r>
-            <a:r>
-              <a:rPr lang="en-US" sz="2000" dirty="0" smtClean="0"/>
-              <a:t>asynchronous: network delay, probability for a message to be lost</a:t>
-            </a:r>
-            <a:endParaRPr lang="en-US" sz="2000" b="1" dirty="0"/>
-          </a:p>
-        </p:txBody>
-      </p:sp>
-    </p:spTree>
-    <p:extLst>
-      <p:ext uri="{BB962C8B-B14F-4D97-AF65-F5344CB8AC3E}">
-        <p14:creationId xmlns:p14="http://schemas.microsoft.com/office/powerpoint/2010/main" val="3294328621"/>
-      </p:ext>
-    </p:extLst>
-  </p:cSld>
-  <p:clrMapOvr>
-    <a:masterClrMapping/>
-  </p:clrMapOvr>
-</p:sld>
-</file>
-
 <file path=ppt/slides/slide2.xml><?xml version="1.0" encoding="utf-8"?>
 <p:sld xmlns:a="http://schemas.openxmlformats.org/drawingml/2006/main" xmlns:r="http://schemas.openxmlformats.org/officeDocument/2006/relationships" xmlns:p="http://schemas.openxmlformats.org/presentationml/2006/main">
   <p:cSld>
@@ -19313,117 +17187,77 @@
           <a:lstStyle/>
           <a:p>
             <a:r>
+              <a:rPr lang="en-US" sz="2000" b="1" dirty="0"/>
+              <a:t>Distributed by </a:t>
+            </a:r>
+            <a:r>
               <a:rPr lang="en-US" sz="2000" b="1" dirty="0" smtClean="0"/>
-              <a:t>How </a:t>
-            </a:r>
+              <a:t>Default</a:t>
+            </a:r>
+          </a:p>
+          <a:p>
+            <a:pPr lvl="2"/>
+            <a:r>
+              <a:rPr lang="en-US" sz="2000" dirty="0" smtClean="0"/>
+              <a:t>use </a:t>
+            </a:r>
+            <a:r>
+              <a:rPr lang="en-US" sz="2000" dirty="0"/>
+              <a:t>purely message passing and everything is </a:t>
+            </a:r>
+            <a:r>
+              <a:rPr lang="en-US" sz="2000" dirty="0" smtClean="0"/>
+              <a:t>asynchronous</a:t>
+            </a:r>
+          </a:p>
+          <a:p>
+            <a:pPr lvl="2"/>
+            <a:r>
+              <a:rPr lang="en-US" sz="2000" dirty="0"/>
+              <a:t>all functions are available equally when running within a single JVM or on a cluster of hundreds of machines</a:t>
+            </a:r>
+            <a:endParaRPr lang="en-US" sz="2000" b="1" dirty="0"/>
+          </a:p>
+          <a:p>
             <a:r>
               <a:rPr lang="en-US" sz="2000" b="1" dirty="0"/>
-              <a:t>is Remoting Used</a:t>
+              <a:t>Ways in which Transparency is </a:t>
             </a:r>
             <a:r>
               <a:rPr lang="en-US" sz="2000" b="1" dirty="0" smtClean="0"/>
-              <a:t>?</a:t>
-            </a:r>
-          </a:p>
-          <a:p>
-            <a:pPr lvl="3"/>
+              <a:t>Broken</a:t>
+            </a:r>
+          </a:p>
+          <a:p>
+            <a:pPr lvl="2"/>
             <a:r>
               <a:rPr lang="en-US" sz="2000" dirty="0"/>
-              <a:t>nearly no API for the </a:t>
-            </a:r>
-            <a:r>
-              <a:rPr lang="en-US" sz="2000" dirty="0" err="1"/>
-              <a:t>remoting</a:t>
-            </a:r>
+              <a:t>all messages sent over the wire must be </a:t>
+            </a:r>
+            <a:r>
+              <a:rPr lang="en-US" sz="2000" dirty="0" err="1" smtClean="0"/>
+              <a:t>serializable</a:t>
+            </a:r>
+            <a:endParaRPr lang="en-US" sz="2000" dirty="0" smtClean="0"/>
+          </a:p>
+          <a:p>
+            <a:pPr lvl="2"/>
             <a:r>
               <a:rPr lang="en-US" sz="2000" dirty="0"/>
-              <a:t> </a:t>
+              <a:t>everything needs to be aware of all interactions being fully </a:t>
             </a:r>
             <a:r>
               <a:rPr lang="en-US" sz="2000" dirty="0" smtClean="0"/>
-              <a:t>layer</a:t>
-            </a:r>
-          </a:p>
-          <a:p>
-            <a:pPr lvl="3"/>
-            <a:r>
-              <a:rPr lang="en-US" sz="2000" dirty="0"/>
-              <a:t>purely driven by configuration</a:t>
+              <a:t>asynchronous: network delay, probability for a message to be lost</a:t>
             </a:r>
             <a:endParaRPr lang="en-US" sz="2000" b="1" dirty="0"/>
-          </a:p>
-          <a:p>
-            <a:r>
-              <a:rPr lang="en-US" sz="2000" b="1" dirty="0"/>
-              <a:t>Peer-to-Peer vs. </a:t>
-            </a:r>
-            <a:r>
-              <a:rPr lang="en-US" sz="2000" b="1" dirty="0" smtClean="0"/>
-              <a:t>Client-Server</a:t>
-            </a:r>
-          </a:p>
-          <a:p>
-            <a:pPr lvl="3"/>
-            <a:r>
-              <a:rPr lang="en-US" sz="2000" dirty="0"/>
-              <a:t>Communication between involved systems is </a:t>
-            </a:r>
-            <a:r>
-              <a:rPr lang="en-US" sz="2000" dirty="0" smtClean="0"/>
-              <a:t>symmetric</a:t>
-            </a:r>
-          </a:p>
-          <a:p>
-            <a:pPr lvl="4"/>
-            <a:r>
-              <a:rPr lang="en-US" sz="1800" dirty="0"/>
-              <a:t>if a system A can connect to a system B then system B must also be able to connect to system A </a:t>
-            </a:r>
-            <a:r>
-              <a:rPr lang="en-US" sz="1800" dirty="0" smtClean="0"/>
-              <a:t>independently</a:t>
-            </a:r>
-          </a:p>
-          <a:p>
-            <a:pPr lvl="4"/>
-            <a:r>
-              <a:rPr lang="en-US" sz="1800" dirty="0" smtClean="0"/>
-              <a:t>Not suitable for Network </a:t>
-            </a:r>
-            <a:r>
-              <a:rPr lang="en-US" sz="1800" dirty="0"/>
-              <a:t>Address Translation or Load </a:t>
-            </a:r>
-            <a:r>
-              <a:rPr lang="en-US" sz="1800" dirty="0" smtClean="0"/>
-              <a:t>Balancers</a:t>
-            </a:r>
-          </a:p>
-          <a:p>
-            <a:pPr lvl="3"/>
-            <a:r>
-              <a:rPr lang="en-US" sz="2000" dirty="0"/>
-              <a:t>T</a:t>
-            </a:r>
-            <a:r>
-              <a:rPr lang="en-US" sz="2000" dirty="0" smtClean="0"/>
-              <a:t>here </a:t>
-            </a:r>
-            <a:r>
-              <a:rPr lang="en-US" sz="2000" dirty="0"/>
-              <a:t>is no system that only accepts connections, and there is no system that only initiates connections</a:t>
-            </a:r>
-            <a:endParaRPr lang="en-US" sz="2000" b="1" dirty="0"/>
-          </a:p>
-          <a:p>
-            <a:endParaRPr lang="en-US" sz="2000" dirty="0"/>
           </a:p>
         </p:txBody>
       </p:sp>
     </p:spTree>
     <p:extLst>
       <p:ext uri="{BB962C8B-B14F-4D97-AF65-F5344CB8AC3E}">
-        <p14:creationId xmlns:p14="http://schemas.microsoft.com/office/powerpoint/2010/main" val="3854031024"/>
+        <p14:creationId xmlns:p14="http://schemas.microsoft.com/office/powerpoint/2010/main" val="3294328621"/>
       </p:ext>
     </p:extLst>
   </p:cSld>
@@ -19471,7 +17305,11 @@
             </a:r>
             <a:r>
               <a:rPr lang="en-US" dirty="0" smtClean="0"/>
-              <a:t> Drawbacks</a:t>
+              <a:t> </a:t>
+            </a:r>
+            <a:r>
+              <a:rPr lang="en-US" dirty="0" err="1" smtClean="0"/>
+              <a:t>Remoting</a:t>
             </a:r>
             <a:endParaRPr lang="en-US" dirty="0"/>
           </a:p>
@@ -19513,6 +17351,212 @@
         </p:nvSpPr>
         <p:spPr/>
         <p:txBody>
+          <a:bodyPr>
+            <a:normAutofit/>
+          </a:bodyPr>
+          <a:lstStyle/>
+          <a:p>
+            <a:r>
+              <a:rPr lang="en-US" sz="2000" b="1" dirty="0" smtClean="0"/>
+              <a:t>How </a:t>
+            </a:r>
+            <a:r>
+              <a:rPr lang="en-US" sz="2000" b="1" dirty="0"/>
+              <a:t>is Remoting Used</a:t>
+            </a:r>
+            <a:r>
+              <a:rPr lang="en-US" sz="2000" b="1" dirty="0" smtClean="0"/>
+              <a:t>?</a:t>
+            </a:r>
+          </a:p>
+          <a:p>
+            <a:pPr lvl="3"/>
+            <a:r>
+              <a:rPr lang="en-US" sz="2000" dirty="0"/>
+              <a:t>nearly no API for the </a:t>
+            </a:r>
+            <a:r>
+              <a:rPr lang="en-US" sz="2000" dirty="0" err="1"/>
+              <a:t>remoting</a:t>
+            </a:r>
+            <a:r>
+              <a:rPr lang="en-US" sz="2000" dirty="0"/>
+              <a:t> </a:t>
+            </a:r>
+            <a:r>
+              <a:rPr lang="en-US" sz="2000" dirty="0" smtClean="0"/>
+              <a:t>layer</a:t>
+            </a:r>
+          </a:p>
+          <a:p>
+            <a:pPr lvl="3"/>
+            <a:r>
+              <a:rPr lang="en-US" sz="2000" dirty="0"/>
+              <a:t>purely driven by configuration</a:t>
+            </a:r>
+            <a:endParaRPr lang="en-US" sz="2000" b="1" dirty="0"/>
+          </a:p>
+          <a:p>
+            <a:r>
+              <a:rPr lang="en-US" sz="2000" b="1" dirty="0"/>
+              <a:t>Peer-to-Peer vs. </a:t>
+            </a:r>
+            <a:r>
+              <a:rPr lang="en-US" sz="2000" b="1" dirty="0" smtClean="0"/>
+              <a:t>Client-Server</a:t>
+            </a:r>
+          </a:p>
+          <a:p>
+            <a:pPr lvl="3"/>
+            <a:r>
+              <a:rPr lang="en-US" sz="2000" dirty="0"/>
+              <a:t>Communication between involved systems is </a:t>
+            </a:r>
+            <a:r>
+              <a:rPr lang="en-US" sz="2000" dirty="0" smtClean="0"/>
+              <a:t>symmetric</a:t>
+            </a:r>
+          </a:p>
+          <a:p>
+            <a:pPr lvl="4"/>
+            <a:r>
+              <a:rPr lang="en-US" sz="1800" dirty="0"/>
+              <a:t>if a system A can connect to a system B then system B must also be able to connect to system A </a:t>
+            </a:r>
+            <a:r>
+              <a:rPr lang="en-US" sz="1800" dirty="0" smtClean="0"/>
+              <a:t>independently</a:t>
+            </a:r>
+          </a:p>
+          <a:p>
+            <a:pPr lvl="4"/>
+            <a:r>
+              <a:rPr lang="en-US" sz="1800" dirty="0" smtClean="0"/>
+              <a:t>Not suitable for Network </a:t>
+            </a:r>
+            <a:r>
+              <a:rPr lang="en-US" sz="1800" dirty="0"/>
+              <a:t>Address Translation or Load </a:t>
+            </a:r>
+            <a:r>
+              <a:rPr lang="en-US" sz="1800" dirty="0" smtClean="0"/>
+              <a:t>Balancers</a:t>
+            </a:r>
+          </a:p>
+          <a:p>
+            <a:pPr lvl="3"/>
+            <a:r>
+              <a:rPr lang="en-US" sz="2000" dirty="0"/>
+              <a:t>T</a:t>
+            </a:r>
+            <a:r>
+              <a:rPr lang="en-US" sz="2000" dirty="0" smtClean="0"/>
+              <a:t>here </a:t>
+            </a:r>
+            <a:r>
+              <a:rPr lang="en-US" sz="2000" dirty="0"/>
+              <a:t>is no system that only accepts connections, and there is no system that only initiates connections</a:t>
+            </a:r>
+            <a:endParaRPr lang="en-US" sz="2000" b="1" dirty="0"/>
+          </a:p>
+          <a:p>
+            <a:endParaRPr lang="en-US" sz="2000" dirty="0"/>
+          </a:p>
+        </p:txBody>
+      </p:sp>
+    </p:spTree>
+    <p:extLst>
+      <p:ext uri="{BB962C8B-B14F-4D97-AF65-F5344CB8AC3E}">
+        <p14:creationId xmlns:p14="http://schemas.microsoft.com/office/powerpoint/2010/main" val="3854031024"/>
+      </p:ext>
+    </p:extLst>
+  </p:cSld>
+  <p:clrMapOvr>
+    <a:masterClrMapping/>
+  </p:clrMapOvr>
+</p:sld>
+</file>
+
+<file path=ppt/slides/slide22.xml><?xml version="1.0" encoding="utf-8"?>
+<p:sld xmlns:a="http://schemas.openxmlformats.org/drawingml/2006/main" xmlns:r="http://schemas.openxmlformats.org/officeDocument/2006/relationships" xmlns:p="http://schemas.openxmlformats.org/presentationml/2006/main">
+  <p:cSld>
+    <p:spTree>
+      <p:nvGrpSpPr>
+        <p:cNvPr id="1" name=""/>
+        <p:cNvGrpSpPr/>
+        <p:nvPr/>
+      </p:nvGrpSpPr>
+      <p:grpSpPr>
+        <a:xfrm>
+          <a:off x="0" y="0"/>
+          <a:ext cx="0" cy="0"/>
+          <a:chOff x="0" y="0"/>
+          <a:chExt cx="0" cy="0"/>
+        </a:xfrm>
+      </p:grpSpPr>
+      <p:sp>
+        <p:nvSpPr>
+          <p:cNvPr id="2" name="Title 1"/>
+          <p:cNvSpPr>
+            <a:spLocks noGrp="1"/>
+          </p:cNvSpPr>
+          <p:nvPr>
+            <p:ph type="title"/>
+          </p:nvPr>
+        </p:nvSpPr>
+        <p:spPr/>
+        <p:txBody>
+          <a:bodyPr/>
+          <a:lstStyle/>
+          <a:p>
+            <a:r>
+              <a:rPr lang="en-US" dirty="0" err="1" smtClean="0"/>
+              <a:t>Akka</a:t>
+            </a:r>
+            <a:r>
+              <a:rPr lang="en-US" dirty="0" smtClean="0"/>
+              <a:t> Drawbacks</a:t>
+            </a:r>
+            <a:endParaRPr lang="en-US" dirty="0"/>
+          </a:p>
+        </p:txBody>
+      </p:sp>
+      <p:sp>
+        <p:nvSpPr>
+          <p:cNvPr id="3" name="Slide Number Placeholder 2"/>
+          <p:cNvSpPr>
+            <a:spLocks noGrp="1"/>
+          </p:cNvSpPr>
+          <p:nvPr>
+            <p:ph type="sldNum" sz="quarter" idx="11"/>
+          </p:nvPr>
+        </p:nvSpPr>
+        <p:spPr/>
+        <p:txBody>
+          <a:bodyPr/>
+          <a:lstStyle/>
+          <a:p>
+            <a:fld id="{7F7B3305-BBBC-4059-8348-D8C96BE08C53}" type="slidenum">
+              <a:rPr lang="en-US" smtClean="0"/>
+              <a:pPr/>
+              <a:t>22</a:t>
+            </a:fld>
+            <a:endParaRPr lang="en-US" dirty="0"/>
+          </a:p>
+        </p:txBody>
+      </p:sp>
+      <p:sp>
+        <p:nvSpPr>
+          <p:cNvPr id="4" name="Content Placeholder 3"/>
+          <p:cNvSpPr>
+            <a:spLocks noGrp="1"/>
+          </p:cNvSpPr>
+          <p:nvPr>
+            <p:ph idx="1"/>
+          </p:nvPr>
+        </p:nvSpPr>
+        <p:spPr/>
+        <p:txBody>
           <a:bodyPr/>
           <a:lstStyle/>
           <a:p>
@@ -19601,7 +17645,7 @@
 </p:sld>
 </file>
 
-<file path=ppt/slides/slide22.xml><?xml version="1.0" encoding="utf-8"?>
+<file path=ppt/slides/slide23.xml><?xml version="1.0" encoding="utf-8"?>
 <p:sld xmlns:a="http://schemas.openxmlformats.org/drawingml/2006/main" xmlns:r="http://schemas.openxmlformats.org/officeDocument/2006/relationships" xmlns:p="http://schemas.openxmlformats.org/presentationml/2006/main">
   <p:cSld>
     <p:spTree>
@@ -19857,7 +17901,7 @@
             <a:fld id="{8D501372-CB35-474E-99C1-A19BDDB726E1}" type="slidenum">
               <a:rPr lang="en-US" smtClean="0"/>
               <a:pPr/>
-              <a:t>22</a:t>
+              <a:t>23</a:t>
             </a:fld>
             <a:endParaRPr lang="en-US" dirty="0"/>
           </a:p>
@@ -19880,166 +17924,6 @@
       </p:par>
     </p:tnLst>
   </p:timing>
-</p:sld>
-</file>
-
-<file path=ppt/slides/slide23.xml><?xml version="1.0" encoding="utf-8"?>
-<p:sld xmlns:a="http://schemas.openxmlformats.org/drawingml/2006/main" xmlns:r="http://schemas.openxmlformats.org/officeDocument/2006/relationships" xmlns:p="http://schemas.openxmlformats.org/presentationml/2006/main">
-  <p:cSld>
-    <p:spTree>
-      <p:nvGrpSpPr>
-        <p:cNvPr id="1" name=""/>
-        <p:cNvGrpSpPr/>
-        <p:nvPr/>
-      </p:nvGrpSpPr>
-      <p:grpSpPr>
-        <a:xfrm>
-          <a:off x="0" y="0"/>
-          <a:ext cx="0" cy="0"/>
-          <a:chOff x="0" y="0"/>
-          <a:chExt cx="0" cy="0"/>
-        </a:xfrm>
-      </p:grpSpPr>
-      <p:sp>
-        <p:nvSpPr>
-          <p:cNvPr id="2" name="Title 1"/>
-          <p:cNvSpPr>
-            <a:spLocks noGrp="1"/>
-          </p:cNvSpPr>
-          <p:nvPr>
-            <p:ph type="title"/>
-          </p:nvPr>
-        </p:nvSpPr>
-        <p:spPr/>
-        <p:txBody>
-          <a:bodyPr/>
-          <a:lstStyle/>
-          <a:p>
-            <a:r>
-              <a:rPr lang="en-US" dirty="0" smtClean="0"/>
-              <a:t>Source Code and Tools</a:t>
-            </a:r>
-            <a:endParaRPr lang="en-US" dirty="0"/>
-          </a:p>
-        </p:txBody>
-      </p:sp>
-      <p:sp>
-        <p:nvSpPr>
-          <p:cNvPr id="3" name="Slide Number Placeholder 2"/>
-          <p:cNvSpPr>
-            <a:spLocks noGrp="1"/>
-          </p:cNvSpPr>
-          <p:nvPr>
-            <p:ph type="sldNum" sz="quarter" idx="11"/>
-          </p:nvPr>
-        </p:nvSpPr>
-        <p:spPr/>
-        <p:txBody>
-          <a:bodyPr/>
-          <a:lstStyle/>
-          <a:p>
-            <a:fld id="{7F7B3305-BBBC-4059-8348-D8C96BE08C53}" type="slidenum">
-              <a:rPr lang="en-US" smtClean="0"/>
-              <a:pPr/>
-              <a:t>23</a:t>
-            </a:fld>
-            <a:endParaRPr lang="en-US" dirty="0"/>
-          </a:p>
-        </p:txBody>
-      </p:sp>
-      <p:sp>
-        <p:nvSpPr>
-          <p:cNvPr id="4" name="Content Placeholder 3"/>
-          <p:cNvSpPr>
-            <a:spLocks noGrp="1"/>
-          </p:cNvSpPr>
-          <p:nvPr>
-            <p:ph idx="1"/>
-          </p:nvPr>
-        </p:nvSpPr>
-        <p:spPr/>
-        <p:txBody>
-          <a:bodyPr/>
-          <a:lstStyle/>
-          <a:p>
-            <a:r>
-              <a:rPr lang="en-US" sz="2000" dirty="0" smtClean="0"/>
-              <a:t>Build requirements:</a:t>
-            </a:r>
-          </a:p>
-          <a:p>
-            <a:pPr lvl="2"/>
-            <a:r>
-              <a:rPr lang="en-US" sz="2000" dirty="0" smtClean="0"/>
-              <a:t>JDK 1.7</a:t>
-            </a:r>
-          </a:p>
-          <a:p>
-            <a:pPr lvl="2"/>
-            <a:r>
-              <a:rPr lang="en-US" sz="2000" dirty="0" smtClean="0"/>
-              <a:t>Maven 3+</a:t>
-            </a:r>
-          </a:p>
-          <a:p>
-            <a:r>
-              <a:rPr lang="en-US" sz="2000" dirty="0" smtClean="0"/>
-              <a:t>Source code: </a:t>
-            </a:r>
-            <a:endParaRPr lang="en-US" sz="2000" dirty="0"/>
-          </a:p>
-          <a:p>
-            <a:pPr marL="0" lvl="0" indent="0">
-              <a:buNone/>
-            </a:pPr>
-            <a:r>
-              <a:rPr lang="en-GB" sz="2000" dirty="0"/>
-              <a:t>	</a:t>
-            </a:r>
-            <a:r>
-              <a:rPr lang="en-GB" sz="2000" u="sng" dirty="0">
-                <a:hlinkClick r:id="rId2"/>
-              </a:rPr>
-              <a:t>https://github.com/ActorModelWorkshop/AKKAWorkshop/</a:t>
-            </a:r>
-            <a:endParaRPr lang="en-GB" sz="2000" u="sng" dirty="0" smtClean="0"/>
-          </a:p>
-          <a:p>
-            <a:r>
-              <a:rPr lang="en-GB" sz="2000" dirty="0" smtClean="0"/>
-              <a:t>Checkout:</a:t>
-            </a:r>
-          </a:p>
-          <a:p>
-            <a:pPr lvl="2"/>
-            <a:r>
-              <a:rPr lang="en-GB" sz="2000" dirty="0" smtClean="0"/>
-              <a:t>Git clone</a:t>
-            </a:r>
-          </a:p>
-          <a:p>
-            <a:pPr lvl="2"/>
-            <a:r>
-              <a:rPr lang="en-GB" sz="2000" dirty="0" smtClean="0"/>
-              <a:t>Download zip using a browser</a:t>
-            </a:r>
-            <a:endParaRPr lang="en-GB" sz="2000" dirty="0"/>
-          </a:p>
-          <a:p>
-            <a:endParaRPr lang="en-US" dirty="0"/>
-          </a:p>
-        </p:txBody>
-      </p:sp>
-    </p:spTree>
-    <p:extLst>
-      <p:ext uri="{BB962C8B-B14F-4D97-AF65-F5344CB8AC3E}">
-        <p14:creationId xmlns:p14="http://schemas.microsoft.com/office/powerpoint/2010/main" val="2236535493"/>
-      </p:ext>
-    </p:extLst>
-  </p:cSld>
-  <p:clrMapOvr>
-    <a:masterClrMapping/>
-  </p:clrMapOvr>
 </p:sld>
 </file>
 
@@ -20072,21 +17956,20 @@
         </p:nvSpPr>
         <p:spPr/>
         <p:txBody>
-          <a:bodyPr>
-            <a:normAutofit/>
-          </a:bodyPr>
+          <a:bodyPr/>
           <a:lstStyle/>
           <a:p>
             <a:r>
-              <a:rPr lang="en-US" dirty="0"/>
-              <a:t>Module Scope And Objectives</a:t>
-            </a:r>
+              <a:rPr lang="en-US" dirty="0" smtClean="0"/>
+              <a:t>Source Code and Tools</a:t>
+            </a:r>
+            <a:endParaRPr lang="en-US" dirty="0"/>
           </a:p>
         </p:txBody>
       </p:sp>
       <p:sp>
         <p:nvSpPr>
-          <p:cNvPr id="5" name="Slide Number Placeholder 4"/>
+          <p:cNvPr id="3" name="Slide Number Placeholder 2"/>
           <p:cNvSpPr>
             <a:spLocks noGrp="1"/>
           </p:cNvSpPr>
@@ -20110,7 +17993,7 @@
       </p:sp>
       <p:sp>
         <p:nvSpPr>
-          <p:cNvPr id="3" name="Content Placeholder 2"/>
+          <p:cNvPr id="4" name="Content Placeholder 3"/>
           <p:cNvSpPr>
             <a:spLocks noGrp="1"/>
           </p:cNvSpPr>
@@ -20118,90 +18001,89 @@
             <p:ph idx="1"/>
           </p:nvPr>
         </p:nvSpPr>
-        <p:spPr>
-          <a:xfrm>
-            <a:off x="430567" y="1143000"/>
-            <a:ext cx="8367204" cy="5181599"/>
-          </a:xfrm>
-        </p:spPr>
+        <p:spPr/>
         <p:txBody>
-          <a:bodyPr>
-            <a:noAutofit/>
-          </a:bodyPr>
+          <a:bodyPr/>
           <a:lstStyle/>
           <a:p>
             <a:r>
-              <a:rPr lang="en-US" sz="2300" dirty="0" smtClean="0"/>
-              <a:t>Creating a parallel and distributed system able to read and process the web page content for specific sites using the actor model</a:t>
-            </a:r>
-          </a:p>
-          <a:p>
-            <a:r>
-              <a:rPr lang="en-US" sz="2300" dirty="0" smtClean="0"/>
-              <a:t>Use of </a:t>
-            </a:r>
-            <a:r>
-              <a:rPr lang="en-US" sz="2300" dirty="0" err="1" smtClean="0"/>
-              <a:t>Akka</a:t>
-            </a:r>
-            <a:r>
-              <a:rPr lang="en-US" sz="2300" dirty="0" smtClean="0"/>
-              <a:t> actor system as a implementation for the actor model</a:t>
-            </a:r>
-          </a:p>
-          <a:p>
-            <a:r>
-              <a:rPr lang="en-US" sz="2300" dirty="0" smtClean="0"/>
-              <a:t>Evaluate </a:t>
-            </a:r>
-            <a:r>
-              <a:rPr lang="en-US" sz="2300" dirty="0" err="1" smtClean="0"/>
-              <a:t>Akka</a:t>
-            </a:r>
-            <a:r>
-              <a:rPr lang="en-US" sz="2300" dirty="0" smtClean="0"/>
-              <a:t> in the specific conditions of web crawl and content processing with emphasis on parallelization</a:t>
-            </a:r>
-          </a:p>
-          <a:p>
-            <a:r>
-              <a:rPr lang="en-US" sz="2300" dirty="0" smtClean="0"/>
-              <a:t>Restrictions:</a:t>
-            </a:r>
-          </a:p>
-          <a:p>
-            <a:pPr lvl="1"/>
-            <a:r>
-              <a:rPr lang="en-US" sz="2300" dirty="0" smtClean="0"/>
-              <a:t>Do not overload a domain with requests</a:t>
-            </a:r>
-          </a:p>
-          <a:p>
-            <a:pPr lvl="1"/>
-            <a:r>
-              <a:rPr lang="en-US" sz="2300" dirty="0" smtClean="0"/>
-              <a:t>Create a dynamic lists of domains and links to crawl using the information found in the processed pages</a:t>
-            </a:r>
+              <a:rPr lang="en-US" sz="2000" dirty="0" smtClean="0"/>
+              <a:t>Build requirements:</a:t>
+            </a:r>
+          </a:p>
+          <a:p>
+            <a:pPr lvl="2"/>
+            <a:r>
+              <a:rPr lang="en-US" sz="2000" dirty="0" smtClean="0"/>
+              <a:t>JDK 1.7</a:t>
+            </a:r>
+          </a:p>
+          <a:p>
+            <a:pPr lvl="2"/>
+            <a:r>
+              <a:rPr lang="en-US" sz="2000" dirty="0" smtClean="0"/>
+              <a:t>Maven 3+</a:t>
+            </a:r>
+          </a:p>
+          <a:p>
+            <a:r>
+              <a:rPr lang="en-US" sz="2000" dirty="0" smtClean="0"/>
+              <a:t>Source code: </a:t>
+            </a:r>
+            <a:endParaRPr lang="en-US" sz="2000" dirty="0"/>
+          </a:p>
+          <a:p>
+            <a:pPr marL="0" lvl="0" indent="0">
+              <a:buNone/>
+            </a:pPr>
+            <a:r>
+              <a:rPr lang="en-GB" sz="2000" dirty="0"/>
+              <a:t>	</a:t>
+            </a:r>
+            <a:r>
+              <a:rPr lang="en-GB" sz="2000" u="sng" dirty="0">
+                <a:hlinkClick r:id="rId2"/>
+              </a:rPr>
+              <a:t>https://github.com/ActorModelWorkshop/AKKAWorkshop/</a:t>
+            </a:r>
+            <a:endParaRPr lang="en-GB" sz="2000" u="sng" dirty="0" smtClean="0"/>
+          </a:p>
+          <a:p>
+            <a:r>
+              <a:rPr lang="en-GB" sz="2000" dirty="0" smtClean="0"/>
+              <a:t>Checkout:</a:t>
+            </a:r>
+          </a:p>
+          <a:p>
+            <a:pPr lvl="2"/>
+            <a:r>
+              <a:rPr lang="en-GB" sz="2000" dirty="0" smtClean="0"/>
+              <a:t>Git clone</a:t>
+            </a:r>
+          </a:p>
+          <a:p>
+            <a:pPr lvl="2"/>
+            <a:r>
+              <a:rPr lang="en-GB" sz="2000" dirty="0" smtClean="0"/>
+              <a:t>Download zip using a browser</a:t>
+            </a:r>
+            <a:endParaRPr lang="en-GB" sz="2000" dirty="0"/>
+          </a:p>
+          <a:p>
+            <a:endParaRPr lang="en-US" dirty="0"/>
           </a:p>
         </p:txBody>
       </p:sp>
     </p:spTree>
     <p:extLst>
       <p:ext uri="{BB962C8B-B14F-4D97-AF65-F5344CB8AC3E}">
-        <p14:creationId xmlns:p14="http://schemas.microsoft.com/office/powerpoint/2010/main" val="556699787"/>
+        <p14:creationId xmlns:p14="http://schemas.microsoft.com/office/powerpoint/2010/main" val="2236535493"/>
       </p:ext>
     </p:extLst>
   </p:cSld>
   <p:clrMapOvr>
     <a:masterClrMapping/>
   </p:clrMapOvr>
-  <p:timing>
-    <p:tnLst>
-      <p:par>
-        <p:cTn id="1" dur="indefinite" restart="never" nodeType="tmRoot"/>
-      </p:par>
-    </p:tnLst>
-  </p:timing>
 </p:sld>
 </file>
 
@@ -20232,12 +18114,7 @@
             <p:ph type="title"/>
           </p:nvPr>
         </p:nvSpPr>
-        <p:spPr>
-          <a:xfrm>
-            <a:off x="428984" y="385862"/>
-            <a:ext cx="6951328" cy="738882"/>
-          </a:xfrm>
-        </p:spPr>
+        <p:spPr/>
         <p:txBody>
           <a:bodyPr>
             <a:normAutofit/>
@@ -20246,7 +18123,7 @@
           <a:p>
             <a:r>
               <a:rPr lang="en-US" dirty="0"/>
-              <a:t>How AKKA actor system helps</a:t>
+              <a:t>Module Scope And Objectives</a:t>
             </a:r>
           </a:p>
         </p:txBody>
@@ -20277,7 +18154,7 @@
       </p:sp>
       <p:sp>
         <p:nvSpPr>
-          <p:cNvPr id="6" name="Content Placeholder 2"/>
+          <p:cNvPr id="3" name="Content Placeholder 2"/>
           <p:cNvSpPr>
             <a:spLocks noGrp="1"/>
           </p:cNvSpPr>
@@ -20287,63 +18164,75 @@
         </p:nvSpPr>
         <p:spPr>
           <a:xfrm>
-            <a:off x="430213" y="1143000"/>
-            <a:ext cx="8367712" cy="5181600"/>
+            <a:off x="430567" y="1143000"/>
+            <a:ext cx="8367204" cy="5181599"/>
           </a:xfrm>
         </p:spPr>
         <p:txBody>
           <a:bodyPr>
-            <a:normAutofit/>
+            <a:noAutofit/>
           </a:bodyPr>
           <a:lstStyle/>
           <a:p>
             <a:r>
-              <a:rPr lang="en-US" sz="2400" dirty="0"/>
-              <a:t>Hierarchical </a:t>
-            </a:r>
-            <a:r>
-              <a:rPr lang="en-US" sz="2400" dirty="0" smtClean="0"/>
-              <a:t>structure </a:t>
-            </a:r>
-            <a:r>
-              <a:rPr lang="en-US" sz="2400" dirty="0"/>
-              <a:t>of </a:t>
-            </a:r>
-            <a:r>
-              <a:rPr lang="en-US" sz="2400" dirty="0" smtClean="0"/>
-              <a:t>actors – used for actor control and supervising</a:t>
-            </a:r>
-          </a:p>
-          <a:p>
-            <a:r>
-              <a:rPr lang="en-US" sz="2400" dirty="0" smtClean="0"/>
-              <a:t>Routers to manage the messages to and from an actor pool</a:t>
-            </a:r>
-          </a:p>
-          <a:p>
-            <a:r>
-              <a:rPr lang="en-US" sz="2400" dirty="0" smtClean="0"/>
-              <a:t>Supervisor strategies to handle exception</a:t>
-            </a:r>
-          </a:p>
-          <a:p>
-            <a:r>
-              <a:rPr lang="en-US" sz="2400" dirty="0" smtClean="0"/>
-              <a:t>Performance and scalability in the context of high traffic message exchange</a:t>
-            </a:r>
-          </a:p>
-          <a:p>
-            <a:endParaRPr lang="en-US" sz="2400" dirty="0"/>
-          </a:p>
-          <a:p>
-            <a:endParaRPr lang="en-US" sz="2400" dirty="0" smtClean="0"/>
+              <a:rPr lang="en-US" sz="2300" dirty="0" smtClean="0"/>
+              <a:t>Creating a parallel and distributed system able to read and process the web page content for specific sites using the actor model</a:t>
+            </a:r>
+          </a:p>
+          <a:p>
+            <a:r>
+              <a:rPr lang="en-US" sz="2300" dirty="0" smtClean="0"/>
+              <a:t>Use of </a:t>
+            </a:r>
+            <a:r>
+              <a:rPr lang="en-US" sz="2300" dirty="0" err="1" smtClean="0"/>
+              <a:t>Akka</a:t>
+            </a:r>
+            <a:r>
+              <a:rPr lang="en-US" sz="2300" dirty="0" smtClean="0"/>
+              <a:t> actor system as a implementation for the actor model</a:t>
+            </a:r>
+          </a:p>
+          <a:p>
+            <a:r>
+              <a:rPr lang="en-US" sz="2300" dirty="0" smtClean="0"/>
+              <a:t>Evaluate </a:t>
+            </a:r>
+            <a:r>
+              <a:rPr lang="en-US" sz="2300" dirty="0" err="1" smtClean="0"/>
+              <a:t>Akka</a:t>
+            </a:r>
+            <a:r>
+              <a:rPr lang="en-US" sz="2300" dirty="0" smtClean="0"/>
+              <a:t> in the specific conditions of web crawl and content processing with emphasis on parallelization</a:t>
+            </a:r>
+          </a:p>
+          <a:p>
+            <a:r>
+              <a:rPr lang="en-US" sz="2300" dirty="0" smtClean="0"/>
+              <a:t>Restrictions:</a:t>
+            </a:r>
+          </a:p>
+          <a:p>
+            <a:pPr lvl="1"/>
+            <a:r>
+              <a:rPr lang="en-US" sz="2300" dirty="0" smtClean="0"/>
+              <a:t>Do not overload a domain with requests</a:t>
+            </a:r>
+          </a:p>
+          <a:p>
+            <a:pPr lvl="1"/>
+            <a:r>
+              <a:rPr lang="en-US" sz="2300" dirty="0" smtClean="0"/>
+              <a:t>Create a dynamic lists of domains and links to crawl using the information found in the processed pages</a:t>
+            </a:r>
           </a:p>
         </p:txBody>
       </p:sp>
     </p:spTree>
     <p:extLst>
       <p:ext uri="{BB962C8B-B14F-4D97-AF65-F5344CB8AC3E}">
-        <p14:creationId xmlns:p14="http://schemas.microsoft.com/office/powerpoint/2010/main" val="1894829053"/>
+        <p14:creationId xmlns:p14="http://schemas.microsoft.com/office/powerpoint/2010/main" val="556699787"/>
       </p:ext>
     </p:extLst>
   </p:cSld>
@@ -20387,22 +18276,28 @@
             <p:ph type="title"/>
           </p:nvPr>
         </p:nvSpPr>
-        <p:spPr/>
+        <p:spPr>
+          <a:xfrm>
+            <a:off x="428984" y="385862"/>
+            <a:ext cx="6951328" cy="738882"/>
+          </a:xfrm>
+        </p:spPr>
         <p:txBody>
-          <a:bodyPr/>
+          <a:bodyPr>
+            <a:normAutofit/>
+          </a:bodyPr>
           <a:lstStyle/>
           <a:p>
             <a:r>
               <a:rPr lang="en-US" dirty="0"/>
-              <a:t>The actors hierarchy</a:t>
-            </a:r>
-            <a:endParaRPr lang="en-GB" dirty="0"/>
+              <a:t>How AKKA actor system helps</a:t>
+            </a:r>
           </a:p>
         </p:txBody>
       </p:sp>
       <p:sp>
         <p:nvSpPr>
-          <p:cNvPr id="3" name="Slide Number Placeholder 2"/>
+          <p:cNvPr id="5" name="Slide Number Placeholder 4"/>
           <p:cNvSpPr>
             <a:spLocks noGrp="1"/>
           </p:cNvSpPr>
@@ -20424,32 +18319,75 @@
           </a:p>
         </p:txBody>
       </p:sp>
-      <p:graphicFrame>
-        <p:nvGraphicFramePr>
-          <p:cNvPr id="4" name="Diagram 3"/>
-          <p:cNvGraphicFramePr/>
+      <p:sp>
+        <p:nvSpPr>
+          <p:cNvPr id="6" name="Content Placeholder 2"/>
+          <p:cNvSpPr>
+            <a:spLocks noGrp="1"/>
+          </p:cNvSpPr>
           <p:nvPr>
-            <p:extLst>
-              <p:ext uri="{D42A27DB-BD31-4B8C-83A1-F6EECF244321}">
-                <p14:modId xmlns:p14="http://schemas.microsoft.com/office/powerpoint/2010/main" val="3288156487"/>
-              </p:ext>
-            </p:extLst>
+            <p:ph idx="1"/>
           </p:nvPr>
-        </p:nvGraphicFramePr>
-        <p:xfrm>
-          <a:off x="432000" y="1071546"/>
-          <a:ext cx="8280000" cy="5220000"/>
-        </p:xfrm>
-        <a:graphic>
-          <a:graphicData uri="http://schemas.openxmlformats.org/drawingml/2006/diagram">
-            <dgm:relIds xmlns:dgm="http://schemas.openxmlformats.org/drawingml/2006/diagram" xmlns:r="http://schemas.openxmlformats.org/officeDocument/2006/relationships" r:dm="rId2" r:lo="rId3" r:qs="rId4" r:cs="rId5"/>
-          </a:graphicData>
-        </a:graphic>
-      </p:graphicFrame>
+        </p:nvSpPr>
+        <p:spPr>
+          <a:xfrm>
+            <a:off x="430213" y="1143000"/>
+            <a:ext cx="8367712" cy="5181600"/>
+          </a:xfrm>
+        </p:spPr>
+        <p:txBody>
+          <a:bodyPr>
+            <a:normAutofit/>
+          </a:bodyPr>
+          <a:lstStyle/>
+          <a:p>
+            <a:r>
+              <a:rPr lang="en-US" sz="2400" dirty="0"/>
+              <a:t>Hierarchical </a:t>
+            </a:r>
+            <a:r>
+              <a:rPr lang="en-US" sz="2400" dirty="0" smtClean="0"/>
+              <a:t>structure </a:t>
+            </a:r>
+            <a:r>
+              <a:rPr lang="en-US" sz="2400" dirty="0"/>
+              <a:t>of </a:t>
+            </a:r>
+            <a:r>
+              <a:rPr lang="en-US" sz="2400" dirty="0" smtClean="0"/>
+              <a:t>actors – used for actor control and supervising</a:t>
+            </a:r>
+          </a:p>
+          <a:p>
+            <a:r>
+              <a:rPr lang="en-US" sz="2400" dirty="0" smtClean="0"/>
+              <a:t>Routers to manage the messages to and from an actor pool</a:t>
+            </a:r>
+          </a:p>
+          <a:p>
+            <a:r>
+              <a:rPr lang="en-US" sz="2400" dirty="0" smtClean="0"/>
+              <a:t>Supervisor strategies to handle exception</a:t>
+            </a:r>
+          </a:p>
+          <a:p>
+            <a:r>
+              <a:rPr lang="en-US" sz="2400" dirty="0" smtClean="0"/>
+              <a:t>Performance and scalability in the context of high traffic message exchange</a:t>
+            </a:r>
+          </a:p>
+          <a:p>
+            <a:endParaRPr lang="en-US" sz="2400" dirty="0"/>
+          </a:p>
+          <a:p>
+            <a:endParaRPr lang="en-US" sz="2400" dirty="0" smtClean="0"/>
+          </a:p>
+        </p:txBody>
+      </p:sp>
     </p:spTree>
     <p:extLst>
       <p:ext uri="{BB962C8B-B14F-4D97-AF65-F5344CB8AC3E}">
-        <p14:creationId xmlns:p14="http://schemas.microsoft.com/office/powerpoint/2010/main" val="1082807780"/>
+        <p14:creationId xmlns:p14="http://schemas.microsoft.com/office/powerpoint/2010/main" val="1894829053"/>
       </p:ext>
     </p:extLst>
   </p:cSld>
@@ -20495,23 +18433,12 @@
         </p:nvSpPr>
         <p:spPr/>
         <p:txBody>
-          <a:bodyPr>
-            <a:normAutofit/>
-          </a:bodyPr>
+          <a:bodyPr/>
           <a:lstStyle/>
           <a:p>
-            <a:pPr lvl="0"/>
-            <a:r>
-              <a:rPr lang="en-US" dirty="0" smtClean="0"/>
-              <a:t>Hierarchy – Domains </a:t>
-            </a:r>
             <a:r>
               <a:rPr lang="en-US" dirty="0"/>
-              <a:t>master </a:t>
-            </a:r>
-            <a:r>
-              <a:rPr lang="en-US" dirty="0" smtClean="0"/>
-              <a:t>actor</a:t>
+              <a:t>The actors hierarchy</a:t>
             </a:r>
             <a:endParaRPr lang="en-GB" dirty="0"/>
           </a:p>
@@ -20548,7 +18475,7 @@
           <p:nvPr>
             <p:extLst>
               <p:ext uri="{D42A27DB-BD31-4B8C-83A1-F6EECF244321}">
-                <p14:modId xmlns:p14="http://schemas.microsoft.com/office/powerpoint/2010/main" val="3122618500"/>
+                <p14:modId xmlns:p14="http://schemas.microsoft.com/office/powerpoint/2010/main" val="3288156487"/>
               </p:ext>
             </p:extLst>
           </p:nvPr>
@@ -20566,7 +18493,7 @@
     </p:spTree>
     <p:extLst>
       <p:ext uri="{BB962C8B-B14F-4D97-AF65-F5344CB8AC3E}">
-        <p14:creationId xmlns:p14="http://schemas.microsoft.com/office/powerpoint/2010/main" val="1934297146"/>
+        <p14:creationId xmlns:p14="http://schemas.microsoft.com/office/powerpoint/2010/main" val="1082807780"/>
       </p:ext>
     </p:extLst>
   </p:cSld>
@@ -20617,9 +18544,10 @@
           </a:bodyPr>
           <a:lstStyle/>
           <a:p>
+            <a:pPr lvl="0"/>
             <a:r>
               <a:rPr lang="en-US" dirty="0" smtClean="0"/>
-              <a:t>Hierarchy – Processing </a:t>
+              <a:t>Hierarchy – Domains </a:t>
             </a:r>
             <a:r>
               <a:rPr lang="en-US" dirty="0"/>
@@ -20664,7 +18592,7 @@
           <p:nvPr>
             <p:extLst>
               <p:ext uri="{D42A27DB-BD31-4B8C-83A1-F6EECF244321}">
-                <p14:modId xmlns:p14="http://schemas.microsoft.com/office/powerpoint/2010/main" val="2807683686"/>
+                <p14:modId xmlns:p14="http://schemas.microsoft.com/office/powerpoint/2010/main" val="3122618500"/>
               </p:ext>
             </p:extLst>
           </p:nvPr>
@@ -20682,7 +18610,7 @@
     </p:spTree>
     <p:extLst>
       <p:ext uri="{BB962C8B-B14F-4D97-AF65-F5344CB8AC3E}">
-        <p14:creationId xmlns:p14="http://schemas.microsoft.com/office/powerpoint/2010/main" val="2569404417"/>
+        <p14:creationId xmlns:p14="http://schemas.microsoft.com/office/powerpoint/2010/main" val="1934297146"/>
       </p:ext>
     </p:extLst>
   </p:cSld>
@@ -20735,7 +18663,7 @@
           <a:p>
             <a:r>
               <a:rPr lang="en-US" dirty="0" smtClean="0"/>
-              <a:t>Hierarchy – Persistence </a:t>
+              <a:t>Hierarchy – Processing </a:t>
             </a:r>
             <a:r>
               <a:rPr lang="en-US" dirty="0"/>
@@ -20780,7 +18708,7 @@
           <p:nvPr>
             <p:extLst>
               <p:ext uri="{D42A27DB-BD31-4B8C-83A1-F6EECF244321}">
-                <p14:modId xmlns:p14="http://schemas.microsoft.com/office/powerpoint/2010/main" val="2946471185"/>
+                <p14:modId xmlns:p14="http://schemas.microsoft.com/office/powerpoint/2010/main" val="2807683686"/>
               </p:ext>
             </p:extLst>
           </p:nvPr>
@@ -20798,7 +18726,7 @@
     </p:spTree>
     <p:extLst>
       <p:ext uri="{BB962C8B-B14F-4D97-AF65-F5344CB8AC3E}">
-        <p14:creationId xmlns:p14="http://schemas.microsoft.com/office/powerpoint/2010/main" val="2460126592"/>
+        <p14:creationId xmlns:p14="http://schemas.microsoft.com/office/powerpoint/2010/main" val="2569404417"/>
       </p:ext>
     </p:extLst>
   </p:cSld>
@@ -21187,12 +19115,7 @@
             <p:ph type="title"/>
           </p:nvPr>
         </p:nvSpPr>
-        <p:spPr>
-          <a:xfrm>
-            <a:off x="428984" y="385862"/>
-            <a:ext cx="6951328" cy="738882"/>
-          </a:xfrm>
-        </p:spPr>
+        <p:spPr/>
         <p:txBody>
           <a:bodyPr>
             <a:normAutofit/>
@@ -21200,15 +19123,24 @@
           <a:lstStyle/>
           <a:p>
             <a:r>
+              <a:rPr lang="en-US" dirty="0" smtClean="0"/>
+              <a:t>Hierarchy – Persistence </a:t>
+            </a:r>
+            <a:r>
               <a:rPr lang="en-US" dirty="0"/>
-              <a:t>Application data flow</a:t>
-            </a:r>
+              <a:t>master </a:t>
+            </a:r>
+            <a:r>
+              <a:rPr lang="en-US" dirty="0" smtClean="0"/>
+              <a:t>actor</a:t>
+            </a:r>
+            <a:endParaRPr lang="en-GB" dirty="0"/>
           </a:p>
         </p:txBody>
       </p:sp>
       <p:sp>
         <p:nvSpPr>
-          <p:cNvPr id="5" name="Slide Number Placeholder 4"/>
+          <p:cNvPr id="3" name="Slide Number Placeholder 2"/>
           <p:cNvSpPr>
             <a:spLocks noGrp="1"/>
           </p:cNvSpPr>
@@ -21230,170 +19162,32 @@
           </a:p>
         </p:txBody>
       </p:sp>
-      <p:sp>
-        <p:nvSpPr>
-          <p:cNvPr id="6" name="Content Placeholder 2"/>
-          <p:cNvSpPr>
-            <a:spLocks noGrp="1"/>
-          </p:cNvSpPr>
+      <p:graphicFrame>
+        <p:nvGraphicFramePr>
+          <p:cNvPr id="4" name="Diagram 3"/>
+          <p:cNvGraphicFramePr/>
           <p:nvPr>
-            <p:ph idx="1"/>
+            <p:extLst>
+              <p:ext uri="{D42A27DB-BD31-4B8C-83A1-F6EECF244321}">
+                <p14:modId xmlns:p14="http://schemas.microsoft.com/office/powerpoint/2010/main" val="2946471185"/>
+              </p:ext>
+            </p:extLst>
           </p:nvPr>
-        </p:nvSpPr>
-        <p:spPr>
-          <a:xfrm>
-            <a:off x="430213" y="1143000"/>
-            <a:ext cx="8367712" cy="5181600"/>
-          </a:xfrm>
-        </p:spPr>
-        <p:txBody>
-          <a:bodyPr>
-            <a:normAutofit fontScale="85000" lnSpcReduction="10000"/>
-          </a:bodyPr>
-          <a:lstStyle/>
-          <a:p>
-            <a:r>
-              <a:rPr lang="en-US" sz="2400" dirty="0" smtClean="0"/>
-              <a:t>Startup actors creation: </a:t>
-            </a:r>
-          </a:p>
-          <a:p>
-            <a:pPr lvl="1"/>
-            <a:r>
-              <a:rPr lang="en-US" sz="2400" b="1" dirty="0" err="1" smtClean="0"/>
-              <a:t>MasterActor</a:t>
-            </a:r>
-            <a:endParaRPr lang="en-US" sz="2400" b="1" dirty="0" smtClean="0"/>
-          </a:p>
-          <a:p>
-            <a:r>
-              <a:rPr lang="en-US" sz="2400" b="1" dirty="0" err="1" smtClean="0"/>
-              <a:t>MasterActor</a:t>
-            </a:r>
-            <a:r>
-              <a:rPr lang="en-US" sz="2400" dirty="0" smtClean="0"/>
-              <a:t> will create:</a:t>
-            </a:r>
-          </a:p>
-          <a:p>
-            <a:pPr lvl="1"/>
-            <a:r>
-              <a:rPr lang="en-US" sz="2400" b="1" dirty="0" err="1" smtClean="0"/>
-              <a:t>DomainMasterActor</a:t>
-            </a:r>
-            <a:r>
-              <a:rPr lang="en-US" sz="2400" dirty="0"/>
-              <a:t>, </a:t>
-            </a:r>
-            <a:r>
-              <a:rPr lang="en-US" sz="2400" b="1" dirty="0" err="1" smtClean="0"/>
-              <a:t>DownloadUrlActor</a:t>
-            </a:r>
-            <a:r>
-              <a:rPr lang="en-US" sz="2400" dirty="0" smtClean="0"/>
-              <a:t> router, </a:t>
-            </a:r>
-            <a:r>
-              <a:rPr lang="en-US" sz="2400" b="1" dirty="0" err="1" smtClean="0"/>
-              <a:t>ProcessingMasterActor</a:t>
-            </a:r>
-            <a:r>
-              <a:rPr lang="en-US" sz="2400" dirty="0" smtClean="0"/>
-              <a:t> and </a:t>
-            </a:r>
-            <a:r>
-              <a:rPr lang="en-US" sz="2400" b="1" dirty="0" err="1" smtClean="0"/>
-              <a:t>PersistenceMasterActor</a:t>
-            </a:r>
-            <a:endParaRPr lang="en-US" sz="2400" b="1" dirty="0" smtClean="0"/>
-          </a:p>
-          <a:p>
-            <a:r>
-              <a:rPr lang="en-US" sz="2400" b="1" dirty="0" err="1" smtClean="0"/>
-              <a:t>DomainMasterActor</a:t>
-            </a:r>
-            <a:r>
-              <a:rPr lang="en-US" sz="2400" dirty="0" smtClean="0"/>
-              <a:t> requests a list of available domains and starts the new domains, those that are not already started or marked as </a:t>
-            </a:r>
-            <a:r>
-              <a:rPr lang="en-US" sz="2400" dirty="0" smtClean="0">
-                <a:sym typeface="Wingdings" pitchFamily="2" charset="2"/>
-              </a:rPr>
-              <a:t>unresponsive or exhausted</a:t>
-            </a:r>
-            <a:r>
-              <a:rPr lang="en-US" sz="2400" dirty="0">
-                <a:sym typeface="Wingdings" pitchFamily="2" charset="2"/>
-              </a:rPr>
-              <a:t>. </a:t>
-            </a:r>
-            <a:r>
-              <a:rPr lang="en-US" sz="2400" dirty="0" smtClean="0">
-                <a:sym typeface="Wingdings" pitchFamily="2" charset="2"/>
-              </a:rPr>
-              <a:t>Domains scanning </a:t>
-            </a:r>
-            <a:r>
-              <a:rPr lang="en-US" sz="2400" dirty="0">
-                <a:sym typeface="Wingdings" pitchFamily="2" charset="2"/>
-              </a:rPr>
-              <a:t>is continuous, using a scheduler</a:t>
-            </a:r>
-            <a:r>
-              <a:rPr lang="en-US" sz="2400" dirty="0" smtClean="0">
-                <a:sym typeface="Wingdings" pitchFamily="2" charset="2"/>
-              </a:rPr>
-              <a:t>.</a:t>
-            </a:r>
-          </a:p>
-          <a:p>
-            <a:r>
-              <a:rPr lang="en-US" sz="2400" b="1" dirty="0" err="1" smtClean="0">
-                <a:sym typeface="Wingdings" pitchFamily="2" charset="2"/>
-              </a:rPr>
-              <a:t>DomainActor</a:t>
-            </a:r>
-            <a:r>
-              <a:rPr lang="en-US" sz="2400" dirty="0" smtClean="0">
-                <a:sym typeface="Wingdings" pitchFamily="2" charset="2"/>
-              </a:rPr>
-              <a:t> requests a new link to process and downloads content using </a:t>
-            </a:r>
-            <a:r>
-              <a:rPr lang="en-US" sz="2400" b="1" dirty="0" err="1" smtClean="0">
-                <a:sym typeface="Wingdings" pitchFamily="2" charset="2"/>
-              </a:rPr>
-              <a:t>DownloadUrlActor</a:t>
-            </a:r>
-            <a:r>
-              <a:rPr lang="en-US" sz="2400" dirty="0" smtClean="0">
-                <a:sym typeface="Wingdings" pitchFamily="2" charset="2"/>
-              </a:rPr>
-              <a:t>. The content is processed by the </a:t>
-            </a:r>
-            <a:r>
-              <a:rPr lang="en-US" sz="2400" b="1" dirty="0" err="1" smtClean="0">
-                <a:sym typeface="Wingdings" pitchFamily="2" charset="2"/>
-              </a:rPr>
-              <a:t>ProcessingMasterActor</a:t>
-            </a:r>
-            <a:r>
-              <a:rPr lang="en-US" sz="2400" dirty="0" smtClean="0">
-                <a:sym typeface="Wingdings" pitchFamily="2" charset="2"/>
-              </a:rPr>
-              <a:t>. Domain links scanning is continuous, using a scheduler.</a:t>
-            </a:r>
-          </a:p>
-          <a:p>
-            <a:endParaRPr lang="en-US" sz="2400" dirty="0" smtClean="0"/>
-          </a:p>
-        </p:txBody>
-      </p:sp>
+        </p:nvGraphicFramePr>
+        <p:xfrm>
+          <a:off x="432000" y="1071546"/>
+          <a:ext cx="8280000" cy="5220000"/>
+        </p:xfrm>
+        <a:graphic>
+          <a:graphicData uri="http://schemas.openxmlformats.org/drawingml/2006/diagram">
+            <dgm:relIds xmlns:dgm="http://schemas.openxmlformats.org/drawingml/2006/diagram" xmlns:r="http://schemas.openxmlformats.org/officeDocument/2006/relationships" r:dm="rId2" r:lo="rId3" r:qs="rId4" r:cs="rId5"/>
+          </a:graphicData>
+        </a:graphic>
+      </p:graphicFrame>
     </p:spTree>
     <p:extLst>
       <p:ext uri="{BB962C8B-B14F-4D97-AF65-F5344CB8AC3E}">
-        <p14:creationId xmlns:p14="http://schemas.microsoft.com/office/powerpoint/2010/main" val="506871953"/>
+        <p14:creationId xmlns:p14="http://schemas.microsoft.com/office/powerpoint/2010/main" val="2460126592"/>
       </p:ext>
     </p:extLst>
   </p:cSld>
@@ -21498,13 +19292,50 @@
         </p:spPr>
         <p:txBody>
           <a:bodyPr>
-            <a:normAutofit/>
+            <a:normAutofit fontScale="85000" lnSpcReduction="10000"/>
           </a:bodyPr>
           <a:lstStyle/>
           <a:p>
             <a:r>
               <a:rPr lang="en-US" sz="2400" dirty="0" smtClean="0"/>
-              <a:t>Content processing in </a:t>
+              <a:t>Startup actors creation: </a:t>
+            </a:r>
+          </a:p>
+          <a:p>
+            <a:pPr lvl="1"/>
+            <a:r>
+              <a:rPr lang="en-US" sz="2400" b="1" dirty="0" err="1" smtClean="0"/>
+              <a:t>MasterActor</a:t>
+            </a:r>
+            <a:endParaRPr lang="en-US" sz="2400" b="1" dirty="0" smtClean="0"/>
+          </a:p>
+          <a:p>
+            <a:r>
+              <a:rPr lang="en-US" sz="2400" b="1" dirty="0" err="1" smtClean="0"/>
+              <a:t>MasterActor</a:t>
+            </a:r>
+            <a:r>
+              <a:rPr lang="en-US" sz="2400" dirty="0" smtClean="0"/>
+              <a:t> will create:</a:t>
+            </a:r>
+          </a:p>
+          <a:p>
+            <a:pPr lvl="1"/>
+            <a:r>
+              <a:rPr lang="en-US" sz="2400" b="1" dirty="0" err="1" smtClean="0"/>
+              <a:t>DomainMasterActor</a:t>
+            </a:r>
+            <a:r>
+              <a:rPr lang="en-US" sz="2400" dirty="0"/>
+              <a:t>, </a:t>
+            </a:r>
+            <a:r>
+              <a:rPr lang="en-US" sz="2400" b="1" dirty="0" err="1" smtClean="0"/>
+              <a:t>DownloadUrlActor</a:t>
+            </a:r>
+            <a:r>
+              <a:rPr lang="en-US" sz="2400" dirty="0" smtClean="0"/>
+              <a:t> router, </a:t>
             </a:r>
             <a:r>
               <a:rPr lang="en-US" sz="2400" b="1" dirty="0" err="1" smtClean="0"/>
@@ -21512,92 +19343,91 @@
             </a:r>
             <a:r>
               <a:rPr lang="en-US" sz="2400" dirty="0" smtClean="0"/>
-              <a:t>:</a:t>
-            </a:r>
-          </a:p>
-          <a:p>
-            <a:pPr lvl="1"/>
+              <a:t> and </a:t>
+            </a:r>
+            <a:r>
+              <a:rPr lang="en-US" sz="2400" b="1" dirty="0" err="1" smtClean="0"/>
+              <a:t>PersistenceMasterActor</a:t>
+            </a:r>
+            <a:endParaRPr lang="en-US" sz="2400" b="1" dirty="0" smtClean="0"/>
+          </a:p>
+          <a:p>
+            <a:r>
+              <a:rPr lang="en-US" sz="2400" b="1" dirty="0" err="1" smtClean="0"/>
+              <a:t>DomainMasterActor</a:t>
+            </a:r>
+            <a:r>
+              <a:rPr lang="en-US" sz="2400" dirty="0" smtClean="0"/>
+              <a:t> requests a list of available domains and starts the new domains, those that are not already started or marked as </a:t>
+            </a:r>
+            <a:r>
+              <a:rPr lang="en-US" sz="2400" dirty="0" smtClean="0">
+                <a:sym typeface="Wingdings" pitchFamily="2" charset="2"/>
+              </a:rPr>
+              <a:t>unresponsive or exhausted</a:t>
+            </a:r>
+            <a:r>
+              <a:rPr lang="en-US" sz="2400" dirty="0">
+                <a:sym typeface="Wingdings" pitchFamily="2" charset="2"/>
+              </a:rPr>
+              <a:t>. </a:t>
+            </a:r>
+            <a:r>
+              <a:rPr lang="en-US" sz="2400" dirty="0" smtClean="0">
+                <a:sym typeface="Wingdings" pitchFamily="2" charset="2"/>
+              </a:rPr>
+              <a:t>Domains scanning </a:t>
+            </a:r>
+            <a:r>
+              <a:rPr lang="en-US" sz="2400" dirty="0">
+                <a:sym typeface="Wingdings" pitchFamily="2" charset="2"/>
+              </a:rPr>
+              <a:t>is continuous, using a scheduler</a:t>
+            </a:r>
+            <a:r>
+              <a:rPr lang="en-US" sz="2400" dirty="0" smtClean="0">
+                <a:sym typeface="Wingdings" pitchFamily="2" charset="2"/>
+              </a:rPr>
+              <a:t>.</a:t>
+            </a:r>
+          </a:p>
+          <a:p>
             <a:r>
               <a:rPr lang="en-US" sz="2400" b="1" dirty="0" err="1" smtClean="0">
                 <a:sym typeface="Wingdings" pitchFamily="2" charset="2"/>
               </a:rPr>
-              <a:t>IdentifyLinksActor</a:t>
+              <a:t>DomainActor</a:t>
             </a:r>
             <a:r>
               <a:rPr lang="en-US" sz="2400" dirty="0" smtClean="0">
                 <a:sym typeface="Wingdings" pitchFamily="2" charset="2"/>
               </a:rPr>
-              <a:t> – extracts all the links available in the content </a:t>
-            </a:r>
-            <a:r>
-              <a:rPr lang="en-US" sz="1800" dirty="0" smtClean="0">
+              <a:t> requests a new link to process and downloads content using </a:t>
+            </a:r>
+            <a:r>
+              <a:rPr lang="en-US" sz="2400" b="1" dirty="0" err="1" smtClean="0">
                 <a:sym typeface="Wingdings" pitchFamily="2" charset="2"/>
               </a:rPr>
-              <a:t></a:t>
+              <a:t>DownloadUrlActor</a:t>
             </a:r>
             <a:r>
               <a:rPr lang="en-US" sz="2400" dirty="0" smtClean="0">
                 <a:sym typeface="Wingdings" pitchFamily="2" charset="2"/>
               </a:rPr>
-              <a:t> the result is sent to the persistence layer for storage (handled by </a:t>
-            </a:r>
-            <a:r>
-              <a:rPr lang="en-US" sz="2400" b="1" dirty="0" err="1" smtClean="0"/>
-              <a:t>PersistenceMasterActor</a:t>
-            </a:r>
-            <a:r>
-              <a:rPr lang="en-US" sz="2400" dirty="0" smtClean="0"/>
-              <a:t>)</a:t>
-            </a:r>
-            <a:endParaRPr lang="en-US" sz="2400" dirty="0" smtClean="0">
-              <a:sym typeface="Wingdings" pitchFamily="2" charset="2"/>
-            </a:endParaRPr>
-          </a:p>
-          <a:p>
-            <a:pPr lvl="1"/>
+              <a:t>. The content is processed by the </a:t>
+            </a:r>
             <a:r>
               <a:rPr lang="en-US" sz="2400" b="1" dirty="0" err="1" smtClean="0">
                 <a:sym typeface="Wingdings" pitchFamily="2" charset="2"/>
               </a:rPr>
-              <a:t>DataExtractorActor</a:t>
+              <a:t>ProcessingMasterActor</a:t>
             </a:r>
             <a:r>
               <a:rPr lang="en-US" sz="2400" dirty="0" smtClean="0">
                 <a:sym typeface="Wingdings" pitchFamily="2" charset="2"/>
               </a:rPr>
-              <a:t> – extracts the plain text (no html tags) from the content </a:t>
-            </a:r>
-            <a:r>
-              <a:rPr lang="en-US" sz="1800" dirty="0" smtClean="0">
-                <a:sym typeface="Wingdings" pitchFamily="2" charset="2"/>
-              </a:rPr>
-              <a:t></a:t>
-            </a:r>
-            <a:r>
-              <a:rPr lang="en-US" sz="2400" dirty="0" smtClean="0">
-                <a:sym typeface="Wingdings" pitchFamily="2" charset="2"/>
-              </a:rPr>
-              <a:t> the result may be sent to an indexing engine</a:t>
-            </a:r>
-            <a:r>
-              <a:rPr lang="en-US" sz="2400" dirty="0" smtClean="0"/>
-              <a:t> </a:t>
-            </a:r>
-            <a:r>
-              <a:rPr lang="en-US" sz="2400" dirty="0"/>
-              <a:t>(handled by </a:t>
-            </a:r>
-            <a:r>
-              <a:rPr lang="en-US" sz="2400" b="1" dirty="0" err="1" smtClean="0"/>
-              <a:t>PersistenceMasterActor</a:t>
-            </a:r>
-            <a:r>
-              <a:rPr lang="en-US" sz="2400" dirty="0" smtClean="0"/>
-              <a:t>)</a:t>
-            </a:r>
-            <a:endParaRPr lang="en-US" sz="2400" dirty="0" smtClean="0">
-              <a:sym typeface="Wingdings" pitchFamily="2" charset="2"/>
-            </a:endParaRPr>
+              <a:t>. Domain links scanning is continuous, using a scheduler.</a:t>
+            </a:r>
           </a:p>
           <a:p>
             <a:endParaRPr lang="en-US" sz="2400" dirty="0" smtClean="0"/>
@@ -21717,71 +19547,98 @@
           <a:lstStyle/>
           <a:p>
             <a:r>
+              <a:rPr lang="en-US" sz="2400" dirty="0" smtClean="0"/>
+              <a:t>Content processing in </a:t>
+            </a:r>
+            <a:r>
               <a:rPr lang="en-US" sz="2400" b="1" dirty="0" err="1" smtClean="0"/>
-              <a:t>PersistenceMasterActor</a:t>
-            </a:r>
-            <a:r>
-              <a:rPr lang="en-US" sz="2400" dirty="0"/>
-              <a:t> uses one </a:t>
-            </a:r>
-            <a:r>
-              <a:rPr lang="en-US" sz="2400" b="1" dirty="0" err="1" smtClean="0"/>
-              <a:t>PersistenceActor</a:t>
+              <a:t>ProcessingMasterActor</a:t>
             </a:r>
             <a:r>
               <a:rPr lang="en-US" sz="2400" dirty="0" smtClean="0"/>
-              <a:t> to handle all the data operations:</a:t>
-            </a:r>
-          </a:p>
-          <a:p>
-            <a:pPr lvl="2"/>
+              <a:t>:</a:t>
+            </a:r>
+          </a:p>
+          <a:p>
+            <a:pPr lvl="1"/>
+            <a:r>
+              <a:rPr lang="en-US" sz="2400" b="1" dirty="0" err="1" smtClean="0">
+                <a:sym typeface="Wingdings" pitchFamily="2" charset="2"/>
+              </a:rPr>
+              <a:t>IdentifyLinksActor</a:t>
+            </a:r>
             <a:r>
               <a:rPr lang="en-US" sz="2400" dirty="0" smtClean="0">
                 <a:sym typeface="Wingdings" pitchFamily="2" charset="2"/>
               </a:rPr>
-              <a:t>List of the crawl able domains available</a:t>
-            </a:r>
-          </a:p>
-          <a:p>
-            <a:pPr lvl="2"/>
+              <a:t> – extracts all the links available in the content </a:t>
+            </a:r>
+            <a:r>
+              <a:rPr lang="en-US" sz="1800" dirty="0" smtClean="0">
+                <a:sym typeface="Wingdings" pitchFamily="2" charset="2"/>
+              </a:rPr>
+              <a:t></a:t>
+            </a:r>
             <a:r>
               <a:rPr lang="en-US" sz="2400" dirty="0" smtClean="0">
                 <a:sym typeface="Wingdings" pitchFamily="2" charset="2"/>
               </a:rPr>
-              <a:t>Domain data update</a:t>
-            </a:r>
-          </a:p>
-          <a:p>
-            <a:pPr lvl="2"/>
+              <a:t> the result is sent to the persistence layer for storage (handled by </a:t>
+            </a:r>
+            <a:r>
+              <a:rPr lang="en-US" sz="2400" b="1" dirty="0" err="1" smtClean="0"/>
+              <a:t>PersistenceMasterActor</a:t>
+            </a:r>
+            <a:r>
+              <a:rPr lang="en-US" sz="2400" dirty="0" smtClean="0"/>
+              <a:t>)</a:t>
+            </a:r>
+            <a:endParaRPr lang="en-US" sz="2400" dirty="0" smtClean="0">
+              <a:sym typeface="Wingdings" pitchFamily="2" charset="2"/>
+            </a:endParaRPr>
+          </a:p>
+          <a:p>
+            <a:pPr lvl="1"/>
+            <a:r>
+              <a:rPr lang="en-US" sz="2400" b="1" dirty="0" err="1" smtClean="0">
+                <a:sym typeface="Wingdings" pitchFamily="2" charset="2"/>
+              </a:rPr>
+              <a:t>DataExtractorActor</a:t>
+            </a:r>
             <a:r>
               <a:rPr lang="en-US" sz="2400" dirty="0" smtClean="0">
                 <a:sym typeface="Wingdings" pitchFamily="2" charset="2"/>
               </a:rPr>
-              <a:t>New link to crawl for a specific domain</a:t>
-            </a:r>
-          </a:p>
-          <a:p>
-            <a:pPr lvl="2"/>
+              <a:t> – extracts the plain text (no html tags) from the content </a:t>
+            </a:r>
+            <a:r>
+              <a:rPr lang="en-US" sz="1800" dirty="0" smtClean="0">
+                <a:sym typeface="Wingdings" pitchFamily="2" charset="2"/>
+              </a:rPr>
+              <a:t></a:t>
+            </a:r>
             <a:r>
               <a:rPr lang="en-US" sz="2400" dirty="0" smtClean="0">
                 <a:sym typeface="Wingdings" pitchFamily="2" charset="2"/>
               </a:rPr>
-              <a:t>Link data update</a:t>
-            </a:r>
-          </a:p>
-          <a:p>
-            <a:pPr lvl="2"/>
-            <a:r>
-              <a:rPr lang="en-US" sz="2400" dirty="0" smtClean="0">
-                <a:sym typeface="Wingdings" pitchFamily="2" charset="2"/>
-              </a:rPr>
-              <a:t>Save the newly found link on a page. The persistence layer will assure that a link will not be duplicated.</a:t>
-            </a:r>
-          </a:p>
-          <a:p>
-            <a:pPr marL="274320" lvl="1" indent="0">
-              <a:buNone/>
-            </a:pPr>
+              <a:t> the result may be sent to an indexing engine</a:t>
+            </a:r>
+            <a:r>
+              <a:rPr lang="en-US" sz="2400" dirty="0" smtClean="0"/>
+              <a:t> </a:t>
+            </a:r>
+            <a:r>
+              <a:rPr lang="en-US" sz="2400" dirty="0"/>
+              <a:t>(handled by </a:t>
+            </a:r>
+            <a:r>
+              <a:rPr lang="en-US" sz="2400" b="1" dirty="0" err="1" smtClean="0"/>
+              <a:t>PersistenceMasterActor</a:t>
+            </a:r>
+            <a:r>
+              <a:rPr lang="en-US" sz="2400" dirty="0" smtClean="0"/>
+              <a:t>)</a:t>
+            </a:r>
             <a:endParaRPr lang="en-US" sz="2400" dirty="0" smtClean="0">
               <a:sym typeface="Wingdings" pitchFamily="2" charset="2"/>
             </a:endParaRPr>
@@ -21794,7 +19651,7 @@
     </p:spTree>
     <p:extLst>
       <p:ext uri="{BB962C8B-B14F-4D97-AF65-F5344CB8AC3E}">
-        <p14:creationId xmlns:p14="http://schemas.microsoft.com/office/powerpoint/2010/main" val="2037789381"/>
+        <p14:creationId xmlns:p14="http://schemas.microsoft.com/office/powerpoint/2010/main" val="506871953"/>
       </p:ext>
     </p:extLst>
   </p:cSld>
@@ -21852,13 +19709,8 @@
           <a:p>
             <a:r>
               <a:rPr lang="en-US" dirty="0"/>
-              <a:t>Encountered </a:t>
-            </a:r>
-            <a:r>
-              <a:rPr lang="en-US" dirty="0" smtClean="0"/>
-              <a:t>issues – Messages</a:t>
-            </a:r>
-            <a:endParaRPr lang="en-US" dirty="0"/>
+              <a:t>Application data flow</a:t>
+            </a:r>
           </a:p>
         </p:txBody>
       </p:sp>
@@ -21904,22 +19756,34 @@
         </p:spPr>
         <p:txBody>
           <a:bodyPr>
-            <a:normAutofit fontScale="92500" lnSpcReduction="10000"/>
+            <a:normAutofit/>
           </a:bodyPr>
           <a:lstStyle/>
           <a:p>
             <a:r>
+              <a:rPr lang="en-US" sz="2400" b="1" dirty="0" err="1" smtClean="0"/>
+              <a:t>PersistenceMasterActor</a:t>
+            </a:r>
+            <a:r>
+              <a:rPr lang="en-US" sz="2400" dirty="0"/>
+              <a:t> uses one </a:t>
+            </a:r>
+            <a:r>
+              <a:rPr lang="en-US" sz="2400" b="1" dirty="0" err="1" smtClean="0"/>
+              <a:t>PersistenceActor</a:t>
+            </a:r>
+            <a:r>
               <a:rPr lang="en-US" sz="2400" dirty="0" smtClean="0"/>
-              <a:t>Messages – two ways of sending a message to another actor:</a:t>
-            </a:r>
-          </a:p>
-          <a:p>
-            <a:pPr lvl="1"/>
+              <a:t> to handle all the data operations:</a:t>
+            </a:r>
+          </a:p>
+          <a:p>
+            <a:pPr lvl="2"/>
             <a:r>
               <a:rPr lang="en-US" sz="2400" dirty="0" smtClean="0">
                 <a:sym typeface="Wingdings" pitchFamily="2" charset="2"/>
               </a:rPr>
-              <a:t>Send the message directly to the actor</a:t>
+              <a:t>List of the crawl able domains available</a:t>
             </a:r>
           </a:p>
           <a:p>
@@ -21928,7 +19792,7 @@
               <a:rPr lang="en-US" sz="2400" dirty="0" smtClean="0">
                 <a:sym typeface="Wingdings" pitchFamily="2" charset="2"/>
               </a:rPr>
-              <a:t>Identify the destination actor using a concrete or a relative path</a:t>
+              <a:t>Domain data update</a:t>
             </a:r>
           </a:p>
           <a:p>
@@ -21937,7 +19801,7 @@
               <a:rPr lang="en-US" sz="2400" dirty="0" smtClean="0">
                 <a:sym typeface="Wingdings" pitchFamily="2" charset="2"/>
               </a:rPr>
-              <a:t>Send the message to the identified actor</a:t>
+              <a:t>New link to crawl for a specific domain</a:t>
             </a:r>
           </a:p>
           <a:p>
@@ -21946,50 +19810,22 @@
               <a:rPr lang="en-US" sz="2400" dirty="0" smtClean="0">
                 <a:sym typeface="Wingdings" pitchFamily="2" charset="2"/>
               </a:rPr>
-              <a:t>FAILED: in a high-load situation, 10’s </a:t>
-            </a:r>
-            <a:r>
-              <a:rPr lang="en-US" sz="2400" dirty="0">
-                <a:sym typeface="Wingdings" pitchFamily="2" charset="2"/>
-              </a:rPr>
-              <a:t>of </a:t>
-            </a:r>
+              <a:t>Link data update</a:t>
+            </a:r>
+          </a:p>
+          <a:p>
+            <a:pPr lvl="2"/>
             <a:r>
               <a:rPr lang="en-US" sz="2400" dirty="0" smtClean="0">
                 <a:sym typeface="Wingdings" pitchFamily="2" charset="2"/>
               </a:rPr>
-              <a:t>thousands or more messages, the actor search will fail to find a result</a:t>
-            </a:r>
-          </a:p>
-          <a:p>
-            <a:pPr lvl="1"/>
-            <a:r>
-              <a:rPr lang="en-US" sz="2400" dirty="0" smtClean="0">
-                <a:sym typeface="Wingdings" pitchFamily="2" charset="2"/>
-              </a:rPr>
-              <a:t>Send the message to the parent or child</a:t>
-            </a:r>
-          </a:p>
-          <a:p>
-            <a:pPr lvl="2"/>
-            <a:r>
-              <a:rPr lang="en-US" sz="2400" dirty="0" smtClean="0">
-                <a:sym typeface="Wingdings" pitchFamily="2" charset="2"/>
-              </a:rPr>
-              <a:t>Send the message to the current actors parent or child</a:t>
-            </a:r>
-          </a:p>
-          <a:p>
-            <a:pPr lvl="2"/>
-            <a:r>
-              <a:rPr lang="en-US" sz="2400" dirty="0" smtClean="0">
-                <a:sym typeface="Wingdings" pitchFamily="2" charset="2"/>
-              </a:rPr>
-              <a:t>The parent or child will process the message or route it to its parent or child</a:t>
-            </a:r>
-          </a:p>
-          <a:p>
-            <a:pPr lvl="1"/>
+              <a:t>Save the newly found link on a page. The persistence layer will assure that a link will not be duplicated.</a:t>
+            </a:r>
+          </a:p>
+          <a:p>
+            <a:pPr marL="274320" lvl="1" indent="0">
+              <a:buNone/>
+            </a:pPr>
             <a:endParaRPr lang="en-US" sz="2400" dirty="0" smtClean="0">
               <a:sym typeface="Wingdings" pitchFamily="2" charset="2"/>
             </a:endParaRPr>
@@ -22002,7 +19838,7 @@
     </p:spTree>
     <p:extLst>
       <p:ext uri="{BB962C8B-B14F-4D97-AF65-F5344CB8AC3E}">
-        <p14:creationId xmlns:p14="http://schemas.microsoft.com/office/powerpoint/2010/main" val="4175315117"/>
+        <p14:creationId xmlns:p14="http://schemas.microsoft.com/office/powerpoint/2010/main" val="2037789381"/>
       </p:ext>
     </p:extLst>
   </p:cSld>
@@ -22059,8 +19895,12 @@
           <a:lstStyle/>
           <a:p>
             <a:r>
+              <a:rPr lang="en-US" dirty="0"/>
+              <a:t>Encountered </a:t>
+            </a:r>
+            <a:r>
               <a:rPr lang="en-US" dirty="0" smtClean="0"/>
-              <a:t>Supervision</a:t>
+              <a:t>issues – Messages</a:t>
             </a:r>
             <a:endParaRPr lang="en-US" dirty="0"/>
           </a:p>
@@ -22108,155 +19948,105 @@
         </p:spPr>
         <p:txBody>
           <a:bodyPr>
-            <a:noAutofit/>
+            <a:normAutofit fontScale="92500" lnSpcReduction="10000"/>
           </a:bodyPr>
           <a:lstStyle/>
           <a:p>
             <a:r>
-              <a:rPr lang="en-US" sz="1800" b="1" dirty="0" err="1" smtClean="0">
+              <a:rPr lang="en-US" sz="2400" dirty="0" smtClean="0"/>
+              <a:t>Messages – two ways of sending a message to another actor:</a:t>
+            </a:r>
+          </a:p>
+          <a:p>
+            <a:pPr lvl="1"/>
+            <a:r>
+              <a:rPr lang="en-US" sz="2400" dirty="0" smtClean="0">
                 <a:sym typeface="Wingdings" pitchFamily="2" charset="2"/>
               </a:rPr>
-              <a:t>DomainMasterActor</a:t>
-            </a:r>
-            <a:r>
-              <a:rPr lang="en-US" sz="1800" dirty="0" smtClean="0">
+              <a:t>Send the message directly to the actor</a:t>
+            </a:r>
+          </a:p>
+          <a:p>
+            <a:pPr lvl="2"/>
+            <a:r>
+              <a:rPr lang="en-US" sz="2400" dirty="0" smtClean="0">
                 <a:sym typeface="Wingdings" pitchFamily="2" charset="2"/>
               </a:rPr>
-              <a:t> handles the above exceptions using a </a:t>
-            </a:r>
-            <a:r>
-              <a:rPr lang="en-US" sz="1800" b="1" dirty="0" err="1" smtClean="0">
+              <a:t>Identify the destination actor using a concrete or a relative path</a:t>
+            </a:r>
+          </a:p>
+          <a:p>
+            <a:pPr lvl="2"/>
+            <a:r>
+              <a:rPr lang="en-US" sz="2400" dirty="0" smtClean="0">
                 <a:sym typeface="Wingdings" pitchFamily="2" charset="2"/>
               </a:rPr>
-              <a:t>OneForOneStrategy</a:t>
-            </a:r>
-            <a:endParaRPr lang="en-US" sz="1800" b="1" dirty="0" smtClean="0">
+              <a:t>Send the message to the identified actor</a:t>
+            </a:r>
+          </a:p>
+          <a:p>
+            <a:pPr lvl="2"/>
+            <a:r>
+              <a:rPr lang="en-US" sz="2400" dirty="0" smtClean="0">
+                <a:sym typeface="Wingdings" pitchFamily="2" charset="2"/>
+              </a:rPr>
+              <a:t>FAILED: in a high-load situation, 10’s </a:t>
+            </a:r>
+            <a:r>
+              <a:rPr lang="en-US" sz="2400" dirty="0">
+                <a:sym typeface="Wingdings" pitchFamily="2" charset="2"/>
+              </a:rPr>
+              <a:t>of </a:t>
+            </a:r>
+            <a:r>
+              <a:rPr lang="en-US" sz="2400" dirty="0" smtClean="0">
+                <a:sym typeface="Wingdings" pitchFamily="2" charset="2"/>
+              </a:rPr>
+              <a:t>thousands or more messages, the actor search will fail to find a result</a:t>
+            </a:r>
+          </a:p>
+          <a:p>
+            <a:pPr lvl="1"/>
+            <a:r>
+              <a:rPr lang="en-US" sz="2400" dirty="0" smtClean="0">
+                <a:sym typeface="Wingdings" pitchFamily="2" charset="2"/>
+              </a:rPr>
+              <a:t>Send the message to the parent or child</a:t>
+            </a:r>
+          </a:p>
+          <a:p>
+            <a:pPr lvl="2"/>
+            <a:r>
+              <a:rPr lang="en-US" sz="2400" dirty="0" smtClean="0">
+                <a:sym typeface="Wingdings" pitchFamily="2" charset="2"/>
+              </a:rPr>
+              <a:t>Send the message to the current actors parent or child</a:t>
+            </a:r>
+          </a:p>
+          <a:p>
+            <a:pPr lvl="2"/>
+            <a:r>
+              <a:rPr lang="en-US" sz="2400" dirty="0" smtClean="0">
+                <a:sym typeface="Wingdings" pitchFamily="2" charset="2"/>
+              </a:rPr>
+              <a:t>The parent or child will process the message or route it to its parent or child</a:t>
+            </a:r>
+          </a:p>
+          <a:p>
+            <a:pPr lvl="1"/>
+            <a:endParaRPr lang="en-US" sz="2400" dirty="0" smtClean="0">
               <a:sym typeface="Wingdings" pitchFamily="2" charset="2"/>
             </a:endParaRPr>
           </a:p>
           <a:p>
-            <a:pPr lvl="1"/>
-            <a:r>
-              <a:rPr lang="en-US" sz="1800" dirty="0" smtClean="0"/>
-              <a:t>For </a:t>
-            </a:r>
-            <a:r>
-              <a:rPr lang="en-US" sz="1800" b="1" dirty="0" err="1" smtClean="0"/>
-              <a:t>ExhaustedDomainException</a:t>
-            </a:r>
-            <a:endParaRPr lang="en-US" sz="1800" b="1" dirty="0" smtClean="0"/>
-          </a:p>
-          <a:p>
-            <a:pPr lvl="2"/>
-            <a:r>
-              <a:rPr lang="en-US" sz="1800" dirty="0" smtClean="0">
-                <a:sym typeface="Wingdings" pitchFamily="2" charset="2"/>
-              </a:rPr>
-              <a:t>The domain is added in a “exhausted domains” list</a:t>
-            </a:r>
-          </a:p>
-          <a:p>
-            <a:pPr lvl="2"/>
-            <a:r>
-              <a:rPr lang="en-US" sz="1800" dirty="0" smtClean="0">
-                <a:sym typeface="Wingdings" pitchFamily="2" charset="2"/>
-              </a:rPr>
-              <a:t>The domain status is persisted</a:t>
-            </a:r>
-          </a:p>
-          <a:p>
-            <a:pPr lvl="2"/>
-            <a:r>
-              <a:rPr lang="en-US" sz="1800" dirty="0" smtClean="0">
-                <a:sym typeface="Wingdings" pitchFamily="2" charset="2"/>
-              </a:rPr>
-              <a:t>The </a:t>
-            </a:r>
-            <a:r>
-              <a:rPr lang="en-US" sz="1800" b="1" dirty="0" err="1" smtClean="0">
-                <a:sym typeface="Wingdings" pitchFamily="2" charset="2"/>
-              </a:rPr>
-              <a:t>DomainActor</a:t>
-            </a:r>
-            <a:r>
-              <a:rPr lang="en-US" sz="1800" dirty="0" smtClean="0">
-                <a:sym typeface="Wingdings" pitchFamily="2" charset="2"/>
-              </a:rPr>
-              <a:t> that reported the exception is stopped</a:t>
-            </a:r>
-          </a:p>
-          <a:p>
-            <a:pPr lvl="1"/>
-            <a:r>
-              <a:rPr lang="en-US" sz="1800" dirty="0" smtClean="0">
-                <a:sym typeface="Wingdings" pitchFamily="2" charset="2"/>
-              </a:rPr>
-              <a:t>For </a:t>
-            </a:r>
-            <a:r>
-              <a:rPr lang="en-US" sz="1800" b="1" dirty="0" err="1" smtClean="0">
-                <a:sym typeface="Wingdings" pitchFamily="2" charset="2"/>
-              </a:rPr>
-              <a:t>UnresponsiveDomainException</a:t>
-            </a:r>
-            <a:endParaRPr lang="en-US" sz="1800" b="1" dirty="0" smtClean="0">
-              <a:sym typeface="Wingdings" pitchFamily="2" charset="2"/>
-            </a:endParaRPr>
-          </a:p>
-          <a:p>
-            <a:pPr lvl="2"/>
-            <a:r>
-              <a:rPr lang="en-US" sz="1800" dirty="0" smtClean="0">
-                <a:sym typeface="Wingdings" pitchFamily="2" charset="2"/>
-              </a:rPr>
-              <a:t>The domain is added in a “unresponsive domains” list</a:t>
-            </a:r>
-          </a:p>
-          <a:p>
-            <a:pPr lvl="2"/>
-            <a:r>
-              <a:rPr lang="en-US" sz="1800" dirty="0" smtClean="0">
-                <a:sym typeface="Wingdings" pitchFamily="2" charset="2"/>
-              </a:rPr>
-              <a:t>The domain status is persisted</a:t>
-            </a:r>
-          </a:p>
-          <a:p>
-            <a:pPr lvl="2"/>
-            <a:r>
-              <a:rPr lang="en-US" sz="1800" dirty="0" smtClean="0">
-                <a:sym typeface="Wingdings" pitchFamily="2" charset="2"/>
-              </a:rPr>
-              <a:t>The </a:t>
-            </a:r>
-            <a:r>
-              <a:rPr lang="en-US" sz="1800" b="1" dirty="0" err="1" smtClean="0">
-                <a:sym typeface="Wingdings" pitchFamily="2" charset="2"/>
-              </a:rPr>
-              <a:t>DomainActor</a:t>
-            </a:r>
-            <a:r>
-              <a:rPr lang="en-US" sz="1800" dirty="0" smtClean="0">
-                <a:sym typeface="Wingdings" pitchFamily="2" charset="2"/>
-              </a:rPr>
-              <a:t> that reported the exception is stopped</a:t>
-            </a:r>
-          </a:p>
-          <a:p>
-            <a:pPr lvl="1"/>
-            <a:r>
-              <a:rPr lang="en-US" sz="1800" dirty="0" smtClean="0">
-                <a:sym typeface="Wingdings" pitchFamily="2" charset="2"/>
-              </a:rPr>
-              <a:t>For any other exception, the actor that reported the exception will be restarted</a:t>
-            </a:r>
+            <a:endParaRPr lang="en-US" sz="2400" dirty="0" smtClean="0"/>
           </a:p>
         </p:txBody>
       </p:sp>
     </p:spTree>
     <p:extLst>
       <p:ext uri="{BB962C8B-B14F-4D97-AF65-F5344CB8AC3E}">
-        <p14:creationId xmlns:p14="http://schemas.microsoft.com/office/powerpoint/2010/main" val="3975722188"/>
+        <p14:creationId xmlns:p14="http://schemas.microsoft.com/office/powerpoint/2010/main" val="4175315117"/>
       </p:ext>
     </p:extLst>
   </p:cSld>
@@ -22300,6 +20090,260 @@
             <p:ph type="title"/>
           </p:nvPr>
         </p:nvSpPr>
+        <p:spPr>
+          <a:xfrm>
+            <a:off x="428984" y="385862"/>
+            <a:ext cx="6951328" cy="738882"/>
+          </a:xfrm>
+        </p:spPr>
+        <p:txBody>
+          <a:bodyPr>
+            <a:normAutofit/>
+          </a:bodyPr>
+          <a:lstStyle/>
+          <a:p>
+            <a:r>
+              <a:rPr lang="en-US" dirty="0" smtClean="0"/>
+              <a:t>Supervision</a:t>
+            </a:r>
+            <a:endParaRPr lang="en-US" dirty="0"/>
+          </a:p>
+        </p:txBody>
+      </p:sp>
+      <p:sp>
+        <p:nvSpPr>
+          <p:cNvPr id="5" name="Slide Number Placeholder 4"/>
+          <p:cNvSpPr>
+            <a:spLocks noGrp="1"/>
+          </p:cNvSpPr>
+          <p:nvPr>
+            <p:ph type="sldNum" sz="quarter" idx="11"/>
+          </p:nvPr>
+        </p:nvSpPr>
+        <p:spPr/>
+        <p:txBody>
+          <a:bodyPr/>
+          <a:lstStyle/>
+          <a:p>
+            <a:fld id="{7F7B3305-BBBC-4059-8348-D8C96BE08C53}" type="slidenum">
+              <a:rPr lang="en-US" smtClean="0"/>
+              <a:pPr/>
+              <a:t>35</a:t>
+            </a:fld>
+            <a:endParaRPr lang="en-US" dirty="0"/>
+          </a:p>
+        </p:txBody>
+      </p:sp>
+      <p:sp>
+        <p:nvSpPr>
+          <p:cNvPr id="6" name="Content Placeholder 2"/>
+          <p:cNvSpPr>
+            <a:spLocks noGrp="1"/>
+          </p:cNvSpPr>
+          <p:nvPr>
+            <p:ph idx="1"/>
+          </p:nvPr>
+        </p:nvSpPr>
+        <p:spPr>
+          <a:xfrm>
+            <a:off x="430213" y="1143000"/>
+            <a:ext cx="8367712" cy="5181600"/>
+          </a:xfrm>
+        </p:spPr>
+        <p:txBody>
+          <a:bodyPr>
+            <a:noAutofit/>
+          </a:bodyPr>
+          <a:lstStyle/>
+          <a:p>
+            <a:r>
+              <a:rPr lang="en-US" sz="1800" b="1" dirty="0" err="1" smtClean="0">
+                <a:sym typeface="Wingdings" pitchFamily="2" charset="2"/>
+              </a:rPr>
+              <a:t>DomainMasterActor</a:t>
+            </a:r>
+            <a:r>
+              <a:rPr lang="en-US" sz="1800" dirty="0" smtClean="0">
+                <a:sym typeface="Wingdings" pitchFamily="2" charset="2"/>
+              </a:rPr>
+              <a:t> handles the above exceptions using a </a:t>
+            </a:r>
+            <a:r>
+              <a:rPr lang="en-US" sz="1800" b="1" dirty="0" err="1" smtClean="0">
+                <a:sym typeface="Wingdings" pitchFamily="2" charset="2"/>
+              </a:rPr>
+              <a:t>OneForOneStrategy</a:t>
+            </a:r>
+            <a:endParaRPr lang="en-US" sz="1800" b="1" dirty="0" smtClean="0">
+              <a:sym typeface="Wingdings" pitchFamily="2" charset="2"/>
+            </a:endParaRPr>
+          </a:p>
+          <a:p>
+            <a:pPr lvl="1"/>
+            <a:r>
+              <a:rPr lang="en-US" sz="1800" dirty="0" smtClean="0"/>
+              <a:t>For </a:t>
+            </a:r>
+            <a:r>
+              <a:rPr lang="en-US" sz="1800" b="1" dirty="0" err="1" smtClean="0"/>
+              <a:t>ExhaustedDomainException</a:t>
+            </a:r>
+            <a:endParaRPr lang="en-US" sz="1800" b="1" dirty="0" smtClean="0"/>
+          </a:p>
+          <a:p>
+            <a:pPr lvl="2"/>
+            <a:r>
+              <a:rPr lang="en-US" sz="1800" dirty="0" smtClean="0">
+                <a:sym typeface="Wingdings" pitchFamily="2" charset="2"/>
+              </a:rPr>
+              <a:t>The domain is added in a “exhausted domains” list</a:t>
+            </a:r>
+          </a:p>
+          <a:p>
+            <a:pPr lvl="2"/>
+            <a:r>
+              <a:rPr lang="en-US" sz="1800" dirty="0" smtClean="0">
+                <a:sym typeface="Wingdings" pitchFamily="2" charset="2"/>
+              </a:rPr>
+              <a:t>The domain status is persisted</a:t>
+            </a:r>
+          </a:p>
+          <a:p>
+            <a:pPr lvl="2"/>
+            <a:r>
+              <a:rPr lang="en-US" sz="1800" dirty="0" smtClean="0">
+                <a:sym typeface="Wingdings" pitchFamily="2" charset="2"/>
+              </a:rPr>
+              <a:t>The </a:t>
+            </a:r>
+            <a:r>
+              <a:rPr lang="en-US" sz="1800" b="1" dirty="0" err="1" smtClean="0">
+                <a:sym typeface="Wingdings" pitchFamily="2" charset="2"/>
+              </a:rPr>
+              <a:t>DomainActor</a:t>
+            </a:r>
+            <a:r>
+              <a:rPr lang="en-US" sz="1800" dirty="0" smtClean="0">
+                <a:sym typeface="Wingdings" pitchFamily="2" charset="2"/>
+              </a:rPr>
+              <a:t> that reported the exception is stopped</a:t>
+            </a:r>
+          </a:p>
+          <a:p>
+            <a:pPr lvl="1"/>
+            <a:r>
+              <a:rPr lang="en-US" sz="1800" dirty="0" smtClean="0">
+                <a:sym typeface="Wingdings" pitchFamily="2" charset="2"/>
+              </a:rPr>
+              <a:t>For </a:t>
+            </a:r>
+            <a:r>
+              <a:rPr lang="en-US" sz="1800" b="1" dirty="0" err="1" smtClean="0">
+                <a:sym typeface="Wingdings" pitchFamily="2" charset="2"/>
+              </a:rPr>
+              <a:t>UnresponsiveDomainException</a:t>
+            </a:r>
+            <a:endParaRPr lang="en-US" sz="1800" b="1" dirty="0" smtClean="0">
+              <a:sym typeface="Wingdings" pitchFamily="2" charset="2"/>
+            </a:endParaRPr>
+          </a:p>
+          <a:p>
+            <a:pPr lvl="2"/>
+            <a:r>
+              <a:rPr lang="en-US" sz="1800" dirty="0" smtClean="0">
+                <a:sym typeface="Wingdings" pitchFamily="2" charset="2"/>
+              </a:rPr>
+              <a:t>The domain is added in a “unresponsive domains” list</a:t>
+            </a:r>
+          </a:p>
+          <a:p>
+            <a:pPr lvl="2"/>
+            <a:r>
+              <a:rPr lang="en-US" sz="1800" dirty="0" smtClean="0">
+                <a:sym typeface="Wingdings" pitchFamily="2" charset="2"/>
+              </a:rPr>
+              <a:t>The domain status is persisted</a:t>
+            </a:r>
+          </a:p>
+          <a:p>
+            <a:pPr lvl="2"/>
+            <a:r>
+              <a:rPr lang="en-US" sz="1800" dirty="0" smtClean="0">
+                <a:sym typeface="Wingdings" pitchFamily="2" charset="2"/>
+              </a:rPr>
+              <a:t>The </a:t>
+            </a:r>
+            <a:r>
+              <a:rPr lang="en-US" sz="1800" b="1" dirty="0" err="1" smtClean="0">
+                <a:sym typeface="Wingdings" pitchFamily="2" charset="2"/>
+              </a:rPr>
+              <a:t>DomainActor</a:t>
+            </a:r>
+            <a:r>
+              <a:rPr lang="en-US" sz="1800" dirty="0" smtClean="0">
+                <a:sym typeface="Wingdings" pitchFamily="2" charset="2"/>
+              </a:rPr>
+              <a:t> that reported the exception is stopped</a:t>
+            </a:r>
+          </a:p>
+          <a:p>
+            <a:pPr lvl="1"/>
+            <a:r>
+              <a:rPr lang="en-US" sz="1800" dirty="0" smtClean="0">
+                <a:sym typeface="Wingdings" pitchFamily="2" charset="2"/>
+              </a:rPr>
+              <a:t>For any other exception, the actor that reported the exception will be restarted</a:t>
+            </a:r>
+          </a:p>
+        </p:txBody>
+      </p:sp>
+    </p:spTree>
+    <p:extLst>
+      <p:ext uri="{BB962C8B-B14F-4D97-AF65-F5344CB8AC3E}">
+        <p14:creationId xmlns:p14="http://schemas.microsoft.com/office/powerpoint/2010/main" val="3975722188"/>
+      </p:ext>
+    </p:extLst>
+  </p:cSld>
+  <p:clrMapOvr>
+    <a:masterClrMapping/>
+  </p:clrMapOvr>
+  <p:timing>
+    <p:tnLst>
+      <p:par>
+        <p:cTn id="1" dur="indefinite" restart="never" nodeType="tmRoot"/>
+      </p:par>
+    </p:tnLst>
+  </p:timing>
+</p:sld>
+</file>
+
+<file path=ppt/slides/slide36.xml><?xml version="1.0" encoding="utf-8"?>
+<p:sld xmlns:a="http://schemas.openxmlformats.org/drawingml/2006/main" xmlns:r="http://schemas.openxmlformats.org/officeDocument/2006/relationships" xmlns:p="http://schemas.openxmlformats.org/presentationml/2006/main">
+  <p:cSld>
+    <p:spTree>
+      <p:nvGrpSpPr>
+        <p:cNvPr id="1" name=""/>
+        <p:cNvGrpSpPr/>
+        <p:nvPr/>
+      </p:nvGrpSpPr>
+      <p:grpSpPr>
+        <a:xfrm>
+          <a:off x="0" y="0"/>
+          <a:ext cx="0" cy="0"/>
+          <a:chOff x="0" y="0"/>
+          <a:chExt cx="0" cy="0"/>
+        </a:xfrm>
+      </p:grpSpPr>
+      <p:sp>
+        <p:nvSpPr>
+          <p:cNvPr id="2" name="Title 1"/>
+          <p:cNvSpPr>
+            <a:spLocks noGrp="1"/>
+          </p:cNvSpPr>
+          <p:nvPr>
+            <p:ph type="title"/>
+          </p:nvPr>
+        </p:nvSpPr>
         <p:spPr/>
         <p:txBody>
           <a:bodyPr/>
@@ -22331,7 +20375,7 @@
             <a:fld id="{7F7B3305-BBBC-4059-8348-D8C96BE08C53}" type="slidenum">
               <a:rPr lang="en-US" smtClean="0"/>
               <a:pPr/>
-              <a:t>35</a:t>
+              <a:t>36</a:t>
             </a:fld>
             <a:endParaRPr lang="en-US" dirty="0"/>
           </a:p>
@@ -24556,12 +22600,6 @@
 </file>
 
 <file path=customXml/item2.xml><?xml version="1.0" encoding="utf-8"?>
-<p:properties xmlns:p="http://schemas.microsoft.com/office/2006/metadata/properties" xmlns:xsi="http://www.w3.org/2001/XMLSchema-instance">
-  <documentManagement/>
-</p:properties>
-</file>
-
-<file path=customXml/item3.xml><?xml version="1.0" encoding="utf-8"?>
 <ct:contentTypeSchema xmlns:ct="http://schemas.microsoft.com/office/2006/metadata/contentType" xmlns:ma="http://schemas.microsoft.com/office/2006/metadata/properties/metaAttributes" ct:_="" ma:_="" ma:contentTypeName="Document" ma:contentTypeID="0x010100B74DE8F874A57D40BE181F274FFEEB68" ma:contentTypeVersion="0" ma:contentTypeDescription="Create a new document." ma:contentTypeScope="" ma:versionID="1726dacc625d9b3b6dff0264f42f6db9">
   <xsd:schema xmlns:xsd="http://www.w3.org/2001/XMLSchema" xmlns:p="http://schemas.microsoft.com/office/2006/metadata/properties" targetNamespace="http://schemas.microsoft.com/office/2006/metadata/properties" ma:root="true" ma:fieldsID="4aeb20c0e3442673af7ee10786458764">
     <xsd:element name="properties">
@@ -24610,6 +22648,12 @@
 </ct:contentTypeSchema>
 </file>
 
+<file path=customXml/item3.xml><?xml version="1.0" encoding="utf-8"?>
+<p:properties xmlns:p="http://schemas.microsoft.com/office/2006/metadata/properties" xmlns:xsi="http://www.w3.org/2001/XMLSchema-instance">
+  <documentManagement/>
+</p:properties>
+</file>
+
 <file path=customXml/itemProps1.xml><?xml version="1.0" encoding="utf-8"?>
 <ds:datastoreItem xmlns:ds="http://schemas.openxmlformats.org/officeDocument/2006/customXml" ds:itemID="{B07B9DDD-9B6D-4235-B26D-7A6F6FD0CEEA}">
   <ds:schemaRefs>
@@ -24619,20 +22663,6 @@
 </file>
 
 <file path=customXml/itemProps2.xml><?xml version="1.0" encoding="utf-8"?>
-<ds:datastoreItem xmlns:ds="http://schemas.openxmlformats.org/officeDocument/2006/customXml" ds:itemID="{BED7CB37-9B19-4F79-B80E-7F07A7B20F1C}">
-  <ds:schemaRefs>
-    <ds:schemaRef ds:uri="http://purl.org/dc/elements/1.1/"/>
-    <ds:schemaRef ds:uri="http://schemas.openxmlformats.org/package/2006/metadata/core-properties"/>
-    <ds:schemaRef ds:uri="http://purl.org/dc/terms/"/>
-    <ds:schemaRef ds:uri="http://schemas.microsoft.com/office/2006/documentManagement/types"/>
-    <ds:schemaRef ds:uri="http://schemas.microsoft.com/office/2006/metadata/properties"/>
-    <ds:schemaRef ds:uri="http://www.w3.org/XML/1998/namespace"/>
-    <ds:schemaRef ds:uri="http://purl.org/dc/dcmitype/"/>
-  </ds:schemaRefs>
-</ds:datastoreItem>
-</file>
-
-<file path=customXml/itemProps3.xml><?xml version="1.0" encoding="utf-8"?>
 <ds:datastoreItem xmlns:ds="http://schemas.openxmlformats.org/officeDocument/2006/customXml" ds:itemID="{552855FE-4E97-46B6-85FE-8C4ECA7E31A0}">
   <ds:schemaRefs>
     <ds:schemaRef ds:uri="http://schemas.microsoft.com/office/2006/metadata/contentType"/>
@@ -24645,4 +22675,18 @@
     <ds:schemaRef ds:uri="http://schemas.microsoft.com/office/internal/2005/internalDocumentation"/>
   </ds:schemaRefs>
 </ds:datastoreItem>
+</file>
+
+<file path=customXml/itemProps3.xml><?xml version="1.0" encoding="utf-8"?>
+<ds:datastoreItem xmlns:ds="http://schemas.openxmlformats.org/officeDocument/2006/customXml" ds:itemID="{BED7CB37-9B19-4F79-B80E-7F07A7B20F1C}">
+  <ds:schemaRefs>
+    <ds:schemaRef ds:uri="http://purl.org/dc/elements/1.1/"/>
+    <ds:schemaRef ds:uri="http://schemas.openxmlformats.org/package/2006/metadata/core-properties"/>
+    <ds:schemaRef ds:uri="http://purl.org/dc/terms/"/>
+    <ds:schemaRef ds:uri="http://schemas.microsoft.com/office/2006/documentManagement/types"/>
+    <ds:schemaRef ds:uri="http://schemas.microsoft.com/office/2006/metadata/properties"/>
+    <ds:schemaRef ds:uri="http://www.w3.org/XML/1998/namespace"/>
+    <ds:schemaRef ds:uri="http://purl.org/dc/dcmitype/"/>
+  </ds:schemaRefs>
+</ds:datastoreItem>
 </file>